--- a/pdasp/seminarski/konsenzus-algoritmi/konsenzus-algoritmi.pptx
+++ b/pdasp/seminarski/konsenzus-algoritmi/konsenzus-algoritmi.pptx
@@ -243,7 +243,7 @@
           <a:p>
             <a:fld id="{8CD26A2A-0A96-0647-84E5-C82F2EFD9474}" type="datetimeFigureOut">
               <a:rPr lang="en-US" smtClean="0"/>
-              <a:t>11/28/2022</a:t>
+              <a:t>11/29/2022</a:t>
             </a:fld>
             <a:endParaRPr lang="en-US" dirty="0"/>
           </a:p>
@@ -420,7 +420,7 @@
           <a:p>
             <a:fld id="{A2B40C3B-E28A-4854-8EDA-E7F8F6F6FFEF}" type="datetimeFigureOut">
               <a:rPr lang="zh-CN" altLang="en-US" smtClean="0"/>
-              <a:t>2022/11/28</a:t>
+              <a:t>2022/11/29</a:t>
             </a:fld>
             <a:endParaRPr lang="zh-CN" altLang="en-US"/>
           </a:p>
@@ -22494,7 +22494,7 @@
 </file>
 
 <file path=ppt/slides/slide10.xml><?xml version="1.0" encoding="utf-8"?>
-<p:sld xmlns:a="http://schemas.openxmlformats.org/drawingml/2006/main" xmlns:r="http://schemas.openxmlformats.org/officeDocument/2006/relationships" xmlns:p="http://schemas.openxmlformats.org/presentationml/2006/main">
+<p:sld xmlns:a="http://schemas.openxmlformats.org/drawingml/2006/main" xmlns:r="http://schemas.openxmlformats.org/officeDocument/2006/relationships" xmlns:p="http://schemas.openxmlformats.org/presentationml/2006/main" showMasterSp="0">
   <p:cSld>
     <p:spTree>
       <p:nvGrpSpPr>
@@ -22528,8 +22528,8 @@
         </p:nvSpPr>
         <p:spPr>
           <a:xfrm>
-            <a:off x="339067" y="298441"/>
-            <a:ext cx="3182858" cy="696981"/>
+            <a:off x="339066" y="298441"/>
+            <a:ext cx="6042683" cy="696981"/>
           </a:xfrm>
         </p:spPr>
         <p:txBody>
@@ -22542,9 +22542,407 @@
             </a:r>
             <a:r>
               <a:rPr lang="sr-Latn-RS" dirty="0"/>
-              <a:t> - etape</a:t>
+              <a:t> – promena uloga</a:t>
             </a:r>
             <a:endParaRPr lang="en-US" dirty="0"/>
+          </a:p>
+        </p:txBody>
+      </p:sp>
+      <p:pic>
+        <p:nvPicPr>
+          <p:cNvPr id="3" name="Picture 2">
+            <a:extLst>
+              <a:ext uri="{FF2B5EF4-FFF2-40B4-BE49-F238E27FC236}">
+                <a16:creationId xmlns:a16="http://schemas.microsoft.com/office/drawing/2014/main" id="{BCF9A3DA-ED3D-A051-A134-3633EDBB8F1F}"/>
+              </a:ext>
+            </a:extLst>
+          </p:cNvPr>
+          <p:cNvPicPr>
+            <a:picLocks noChangeAspect="1"/>
+          </p:cNvPicPr>
+          <p:nvPr/>
+        </p:nvPicPr>
+        <p:blipFill>
+          <a:blip r:embed="rId2"/>
+          <a:srcRect/>
+          <a:stretch/>
+        </p:blipFill>
+        <p:spPr>
+          <a:xfrm>
+            <a:off x="3250881" y="149220"/>
+            <a:ext cx="8834127" cy="6559559"/>
+          </a:xfrm>
+          <a:prstGeom prst="rect">
+            <a:avLst/>
+          </a:prstGeom>
+        </p:spPr>
+      </p:pic>
+      <p:sp>
+        <p:nvSpPr>
+          <p:cNvPr id="4" name="TextBox 3">
+            <a:extLst>
+              <a:ext uri="{FF2B5EF4-FFF2-40B4-BE49-F238E27FC236}">
+                <a16:creationId xmlns:a16="http://schemas.microsoft.com/office/drawing/2014/main" id="{A3BBC1B6-D7BF-4FF2-CD46-F2E297A038EE}"/>
+              </a:ext>
+            </a:extLst>
+          </p:cNvPr>
+          <p:cNvSpPr txBox="1"/>
+          <p:nvPr/>
+        </p:nvSpPr>
+        <p:spPr>
+          <a:xfrm>
+            <a:off x="243815" y="4690408"/>
+            <a:ext cx="6947559" cy="1938992"/>
+          </a:xfrm>
+          <a:prstGeom prst="rect">
+            <a:avLst/>
+          </a:prstGeom>
+        </p:spPr>
+        <p:txBody>
+          <a:bodyPr wrap="square" rtlCol="0">
+            <a:spAutoFit/>
+          </a:bodyPr>
+          <a:lstStyle/>
+          <a:p>
+            <a:pPr marL="0" indent="0">
+              <a:lnSpc>
+                <a:spcPct val="100000"/>
+              </a:lnSpc>
+              <a:spcBef>
+                <a:spcPts val="0"/>
+              </a:spcBef>
+              <a:buFontTx/>
+              <a:buNone/>
+            </a:pPr>
+            <a:r>
+              <a:rPr lang="sr-Latn-RS" sz="2000" dirty="0">
+                <a:solidFill>
+                  <a:prstClr val="white"/>
+                </a:solidFill>
+                <a:effectLst>
+                  <a:outerShdw blurRad="38100" dist="38100" dir="2700000" algn="tl">
+                    <a:srgbClr val="000000">
+                      <a:alpha val="43137"/>
+                    </a:srgbClr>
+                  </a:outerShdw>
+                </a:effectLst>
+                <a:ea typeface="微软雅黑"/>
+                <a:cs typeface="Posterama" panose="020B0504020200020000" pitchFamily="34" charset="0"/>
+              </a:rPr>
+              <a:t>1 – Proces je pokrenut</a:t>
+            </a:r>
+          </a:p>
+          <a:p>
+            <a:pPr marL="0" indent="0">
+              <a:lnSpc>
+                <a:spcPct val="100000"/>
+              </a:lnSpc>
+              <a:spcBef>
+                <a:spcPts val="0"/>
+              </a:spcBef>
+              <a:buFontTx/>
+              <a:buNone/>
+            </a:pPr>
+            <a:r>
+              <a:rPr lang="sr-Latn-RS" sz="2000" dirty="0">
+                <a:solidFill>
+                  <a:prstClr val="white"/>
+                </a:solidFill>
+                <a:effectLst>
+                  <a:outerShdw blurRad="38100" dist="38100" dir="2700000" algn="tl">
+                    <a:srgbClr val="000000">
+                      <a:alpha val="43137"/>
+                    </a:srgbClr>
+                  </a:outerShdw>
+                </a:effectLst>
+                <a:ea typeface="微软雅黑"/>
+                <a:cs typeface="Posterama" panose="020B0504020200020000" pitchFamily="34" charset="0"/>
+              </a:rPr>
+              <a:t>2 – </a:t>
+            </a:r>
+            <a:r>
+              <a:rPr lang="sr-Latn-RS" sz="2000" dirty="0" err="1">
+                <a:solidFill>
+                  <a:prstClr val="white"/>
+                </a:solidFill>
+                <a:effectLst>
+                  <a:outerShdw blurRad="38100" dist="38100" dir="2700000" algn="tl">
+                    <a:srgbClr val="000000">
+                      <a:alpha val="43137"/>
+                    </a:srgbClr>
+                  </a:outerShdw>
+                </a:effectLst>
+                <a:ea typeface="微软雅黑"/>
+                <a:cs typeface="Posterama" panose="020B0504020200020000" pitchFamily="34" charset="0"/>
+              </a:rPr>
+              <a:t>Timeout</a:t>
+            </a:r>
+            <a:r>
+              <a:rPr lang="sr-Latn-RS" sz="2000" dirty="0">
+                <a:solidFill>
+                  <a:prstClr val="white"/>
+                </a:solidFill>
+                <a:effectLst>
+                  <a:outerShdw blurRad="38100" dist="38100" dir="2700000" algn="tl">
+                    <a:srgbClr val="000000">
+                      <a:alpha val="43137"/>
+                    </a:srgbClr>
+                  </a:outerShdw>
+                </a:effectLst>
+                <a:ea typeface="微软雅黑"/>
+                <a:cs typeface="Posterama" panose="020B0504020200020000" pitchFamily="34" charset="0"/>
+              </a:rPr>
+              <a:t> </a:t>
+            </a:r>
+            <a:r>
+              <a:rPr lang="sr-Latn-RS" sz="2000" dirty="0" err="1">
+                <a:solidFill>
+                  <a:prstClr val="white"/>
+                </a:solidFill>
+                <a:effectLst>
+                  <a:outerShdw blurRad="38100" dist="38100" dir="2700000" algn="tl">
+                    <a:srgbClr val="000000">
+                      <a:alpha val="43137"/>
+                    </a:srgbClr>
+                  </a:outerShdw>
+                </a:effectLst>
+                <a:ea typeface="微软雅黑"/>
+                <a:cs typeface="Posterama" panose="020B0504020200020000" pitchFamily="34" charset="0"/>
+              </a:rPr>
+              <a:t>heartbeat</a:t>
+            </a:r>
+            <a:r>
+              <a:rPr lang="sr-Latn-RS" sz="2000" dirty="0">
+                <a:solidFill>
+                  <a:prstClr val="white"/>
+                </a:solidFill>
+                <a:effectLst>
+                  <a:outerShdw blurRad="38100" dist="38100" dir="2700000" algn="tl">
+                    <a:srgbClr val="000000">
+                      <a:alpha val="43137"/>
+                    </a:srgbClr>
+                  </a:outerShdw>
+                </a:effectLst>
+                <a:ea typeface="微软雅黑"/>
+                <a:cs typeface="Posterama" panose="020B0504020200020000" pitchFamily="34" charset="0"/>
+              </a:rPr>
+              <a:t> signala</a:t>
+            </a:r>
+          </a:p>
+          <a:p>
+            <a:pPr marL="0" indent="0">
+              <a:lnSpc>
+                <a:spcPct val="100000"/>
+              </a:lnSpc>
+              <a:spcBef>
+                <a:spcPts val="0"/>
+              </a:spcBef>
+              <a:buFontTx/>
+              <a:buNone/>
+            </a:pPr>
+            <a:r>
+              <a:rPr lang="sr-Latn-RS" sz="2000" dirty="0">
+                <a:solidFill>
+                  <a:prstClr val="white"/>
+                </a:solidFill>
+                <a:effectLst>
+                  <a:outerShdw blurRad="38100" dist="38100" dir="2700000" algn="tl">
+                    <a:srgbClr val="000000">
+                      <a:alpha val="43137"/>
+                    </a:srgbClr>
+                  </a:outerShdw>
+                </a:effectLst>
+                <a:ea typeface="微软雅黑"/>
+                <a:cs typeface="Posterama" panose="020B0504020200020000" pitchFamily="34" charset="0"/>
+              </a:rPr>
+              <a:t>3 – </a:t>
+            </a:r>
+            <a:r>
+              <a:rPr lang="sr-Latn-RS" sz="2000" dirty="0" err="1">
+                <a:solidFill>
+                  <a:prstClr val="white"/>
+                </a:solidFill>
+                <a:effectLst>
+                  <a:outerShdw blurRad="38100" dist="38100" dir="2700000" algn="tl">
+                    <a:srgbClr val="000000">
+                      <a:alpha val="43137"/>
+                    </a:srgbClr>
+                  </a:outerShdw>
+                </a:effectLst>
+                <a:ea typeface="微软雅黑"/>
+                <a:cs typeface="Posterama" panose="020B0504020200020000" pitchFamily="34" charset="0"/>
+              </a:rPr>
+              <a:t>Timeout</a:t>
+            </a:r>
+            <a:r>
+              <a:rPr lang="sr-Latn-RS" sz="2000" dirty="0">
+                <a:solidFill>
+                  <a:prstClr val="white"/>
+                </a:solidFill>
+                <a:effectLst>
+                  <a:outerShdw blurRad="38100" dist="38100" dir="2700000" algn="tl">
+                    <a:srgbClr val="000000">
+                      <a:alpha val="43137"/>
+                    </a:srgbClr>
+                  </a:outerShdw>
+                </a:effectLst>
+                <a:ea typeface="微软雅黑"/>
+                <a:cs typeface="Posterama" panose="020B0504020200020000" pitchFamily="34" charset="0"/>
+              </a:rPr>
+              <a:t> izbora</a:t>
+            </a:r>
+          </a:p>
+          <a:p>
+            <a:pPr marL="0" indent="0">
+              <a:lnSpc>
+                <a:spcPct val="100000"/>
+              </a:lnSpc>
+              <a:spcBef>
+                <a:spcPts val="0"/>
+              </a:spcBef>
+              <a:buFontTx/>
+              <a:buNone/>
+            </a:pPr>
+            <a:r>
+              <a:rPr lang="sr-Latn-RS" sz="2000" dirty="0">
+                <a:solidFill>
+                  <a:prstClr val="white"/>
+                </a:solidFill>
+                <a:effectLst>
+                  <a:outerShdw blurRad="38100" dist="38100" dir="2700000" algn="tl">
+                    <a:srgbClr val="000000">
+                      <a:alpha val="43137"/>
+                    </a:srgbClr>
+                  </a:outerShdw>
+                </a:effectLst>
+                <a:ea typeface="微软雅黑"/>
+                <a:cs typeface="Posterama" panose="020B0504020200020000" pitchFamily="34" charset="0"/>
+              </a:rPr>
+              <a:t>4 – </a:t>
+            </a:r>
+            <a:r>
+              <a:rPr lang="sr-Latn-RS" sz="2000" dirty="0" err="1">
+                <a:solidFill>
+                  <a:prstClr val="white"/>
+                </a:solidFill>
+                <a:effectLst>
+                  <a:outerShdw blurRad="38100" dist="38100" dir="2700000" algn="tl">
+                    <a:srgbClr val="000000">
+                      <a:alpha val="43137"/>
+                    </a:srgbClr>
+                  </a:outerShdw>
+                </a:effectLst>
+                <a:ea typeface="微软雅黑"/>
+                <a:cs typeface="Posterama" panose="020B0504020200020000" pitchFamily="34" charset="0"/>
+              </a:rPr>
+              <a:t>Heartbeat</a:t>
+            </a:r>
+            <a:r>
+              <a:rPr lang="sr-Latn-RS" sz="2000" dirty="0">
+                <a:solidFill>
+                  <a:prstClr val="white"/>
+                </a:solidFill>
+                <a:effectLst>
+                  <a:outerShdw blurRad="38100" dist="38100" dir="2700000" algn="tl">
+                    <a:srgbClr val="000000">
+                      <a:alpha val="43137"/>
+                    </a:srgbClr>
+                  </a:outerShdw>
+                </a:effectLst>
+                <a:ea typeface="微软雅黑"/>
+                <a:cs typeface="Posterama" panose="020B0504020200020000" pitchFamily="34" charset="0"/>
+              </a:rPr>
+              <a:t> signal lidera</a:t>
+            </a:r>
+          </a:p>
+          <a:p>
+            <a:pPr marL="0" indent="0">
+              <a:lnSpc>
+                <a:spcPct val="100000"/>
+              </a:lnSpc>
+              <a:spcBef>
+                <a:spcPts val="0"/>
+              </a:spcBef>
+              <a:buFontTx/>
+              <a:buNone/>
+            </a:pPr>
+            <a:r>
+              <a:rPr lang="sr-Latn-RS" sz="2000" dirty="0">
+                <a:solidFill>
+                  <a:prstClr val="white"/>
+                </a:solidFill>
+                <a:effectLst>
+                  <a:outerShdw blurRad="38100" dist="38100" dir="2700000" algn="tl">
+                    <a:srgbClr val="000000">
+                      <a:alpha val="43137"/>
+                    </a:srgbClr>
+                  </a:outerShdw>
+                </a:effectLst>
+                <a:ea typeface="微软雅黑"/>
+                <a:cs typeface="Posterama" panose="020B0504020200020000" pitchFamily="34" charset="0"/>
+              </a:rPr>
+              <a:t>5 -  Većina je izglasala</a:t>
+            </a:r>
+          </a:p>
+          <a:p>
+            <a:pPr marL="0" indent="0">
+              <a:lnSpc>
+                <a:spcPct val="100000"/>
+              </a:lnSpc>
+              <a:spcBef>
+                <a:spcPts val="0"/>
+              </a:spcBef>
+              <a:buFontTx/>
+              <a:buNone/>
+            </a:pPr>
+            <a:r>
+              <a:rPr lang="sr-Latn-RS" sz="2000" dirty="0">
+                <a:solidFill>
+                  <a:prstClr val="white"/>
+                </a:solidFill>
+                <a:effectLst>
+                  <a:outerShdw blurRad="38100" dist="38100" dir="2700000" algn="tl">
+                    <a:srgbClr val="000000">
+                      <a:alpha val="43137"/>
+                    </a:srgbClr>
+                  </a:outerShdw>
+                </a:effectLst>
+                <a:ea typeface="微软雅黑"/>
+                <a:cs typeface="Posterama" panose="020B0504020200020000" pitchFamily="34" charset="0"/>
+              </a:rPr>
+              <a:t>6 – Lider sa većom vrednošću mandata šalje </a:t>
+            </a:r>
+            <a:r>
+              <a:rPr lang="sr-Latn-RS" sz="2000" dirty="0" err="1">
+                <a:solidFill>
+                  <a:prstClr val="white"/>
+                </a:solidFill>
+                <a:effectLst>
+                  <a:outerShdw blurRad="38100" dist="38100" dir="2700000" algn="tl">
+                    <a:srgbClr val="000000">
+                      <a:alpha val="43137"/>
+                    </a:srgbClr>
+                  </a:outerShdw>
+                </a:effectLst>
+                <a:ea typeface="微软雅黑"/>
+                <a:cs typeface="Posterama" panose="020B0504020200020000" pitchFamily="34" charset="0"/>
+              </a:rPr>
+              <a:t>heartbeat</a:t>
+            </a:r>
+            <a:endParaRPr lang="sr-Latn-RS" sz="2000" dirty="0">
+              <a:solidFill>
+                <a:prstClr val="white"/>
+              </a:solidFill>
+              <a:effectLst>
+                <a:outerShdw blurRad="38100" dist="38100" dir="2700000" algn="tl">
+                  <a:srgbClr val="000000">
+                    <a:alpha val="43137"/>
+                  </a:srgbClr>
+                </a:outerShdw>
+              </a:effectLst>
+              <a:ea typeface="微软雅黑"/>
+              <a:cs typeface="Posterama" panose="020B0504020200020000" pitchFamily="34" charset="0"/>
+            </a:endParaRPr>
           </a:p>
         </p:txBody>
       </p:sp>
@@ -22817,7 +23215,7 @@
         </p:nvSpPr>
         <p:spPr>
           <a:xfrm>
-            <a:off x="449970" y="2103437"/>
+            <a:off x="1965459" y="619003"/>
             <a:ext cx="2931829" cy="743935"/>
           </a:xfrm>
         </p:spPr>
@@ -23083,6 +23481,230 @@
           </a:prstGeom>
         </p:spPr>
       </p:pic>
+      <p:sp>
+        <p:nvSpPr>
+          <p:cNvPr id="4" name="TextBox 3">
+            <a:extLst>
+              <a:ext uri="{FF2B5EF4-FFF2-40B4-BE49-F238E27FC236}">
+                <a16:creationId xmlns:a16="http://schemas.microsoft.com/office/drawing/2014/main" id="{872B7193-F0E7-AC5B-EBFB-377D98313035}"/>
+              </a:ext>
+            </a:extLst>
+          </p:cNvPr>
+          <p:cNvSpPr txBox="1"/>
+          <p:nvPr/>
+        </p:nvSpPr>
+        <p:spPr>
+          <a:xfrm>
+            <a:off x="336080" y="1837792"/>
+            <a:ext cx="6190588" cy="4401205"/>
+          </a:xfrm>
+          <a:prstGeom prst="rect">
+            <a:avLst/>
+          </a:prstGeom>
+        </p:spPr>
+        <p:txBody>
+          <a:bodyPr wrap="square" rtlCol="0">
+            <a:spAutoFit/>
+          </a:bodyPr>
+          <a:lstStyle/>
+          <a:p>
+            <a:pPr marL="0" indent="0">
+              <a:lnSpc>
+                <a:spcPct val="100000"/>
+              </a:lnSpc>
+              <a:spcBef>
+                <a:spcPts val="0"/>
+              </a:spcBef>
+              <a:buFontTx/>
+              <a:buNone/>
+            </a:pPr>
+            <a:r>
+              <a:rPr lang="sr-Latn-RS" sz="2000" dirty="0">
+                <a:solidFill>
+                  <a:prstClr val="white"/>
+                </a:solidFill>
+                <a:latin typeface="Posterama" panose="020B0504020200020000" pitchFamily="34" charset="0"/>
+                <a:ea typeface="微软雅黑"/>
+                <a:cs typeface="Posterama" panose="020B0504020200020000" pitchFamily="34" charset="0"/>
+              </a:rPr>
+              <a:t>Ne postoji </a:t>
+            </a:r>
+            <a:r>
+              <a:rPr lang="sr-Latn-RS" sz="2000" dirty="0" err="1">
+                <a:solidFill>
+                  <a:prstClr val="white"/>
+                </a:solidFill>
+                <a:latin typeface="Posterama" panose="020B0504020200020000" pitchFamily="34" charset="0"/>
+                <a:ea typeface="微软雅黑"/>
+                <a:cs typeface="Posterama" panose="020B0504020200020000" pitchFamily="34" charset="0"/>
+              </a:rPr>
+              <a:t>konsezusni</a:t>
+            </a:r>
+            <a:r>
+              <a:rPr lang="sr-Latn-RS" sz="2000" dirty="0">
+                <a:solidFill>
+                  <a:prstClr val="white"/>
+                </a:solidFill>
+                <a:latin typeface="Posterama" panose="020B0504020200020000" pitchFamily="34" charset="0"/>
+                <a:ea typeface="微软雅黑"/>
+                <a:cs typeface="Posterama" panose="020B0504020200020000" pitchFamily="34" charset="0"/>
+              </a:rPr>
+              <a:t> algoritam koji pokriva sve probleme.</a:t>
+            </a:r>
+          </a:p>
+          <a:p>
+            <a:pPr marL="0" indent="0">
+              <a:lnSpc>
+                <a:spcPct val="100000"/>
+              </a:lnSpc>
+              <a:spcBef>
+                <a:spcPts val="0"/>
+              </a:spcBef>
+              <a:buFontTx/>
+              <a:buNone/>
+            </a:pPr>
+            <a:endParaRPr lang="sr-Latn-RS" sz="2000" dirty="0">
+              <a:solidFill>
+                <a:prstClr val="white"/>
+              </a:solidFill>
+              <a:latin typeface="Posterama" panose="020B0504020200020000" pitchFamily="34" charset="0"/>
+              <a:ea typeface="微软雅黑"/>
+              <a:cs typeface="Posterama" panose="020B0504020200020000" pitchFamily="34" charset="0"/>
+            </a:endParaRPr>
+          </a:p>
+          <a:p>
+            <a:pPr marL="0" indent="0">
+              <a:lnSpc>
+                <a:spcPct val="100000"/>
+              </a:lnSpc>
+              <a:spcBef>
+                <a:spcPts val="0"/>
+              </a:spcBef>
+              <a:buFontTx/>
+              <a:buNone/>
+            </a:pPr>
+            <a:r>
+              <a:rPr lang="sr-Latn-RS" sz="2000" dirty="0">
+                <a:solidFill>
+                  <a:prstClr val="white"/>
+                </a:solidFill>
+                <a:latin typeface="Posterama" panose="020B0504020200020000" pitchFamily="34" charset="0"/>
+                <a:ea typeface="微软雅黑"/>
+                <a:cs typeface="Posterama" panose="020B0504020200020000" pitchFamily="34" charset="0"/>
+              </a:rPr>
+              <a:t>Potrebno je analizirati sistem, potrebe, mogućnosti i na osnovu toga doneti zaključak koji iz širokog </a:t>
+            </a:r>
+            <a:r>
+              <a:rPr lang="sr-Latn-RS" sz="2000" dirty="0" err="1">
+                <a:solidFill>
+                  <a:prstClr val="white"/>
+                </a:solidFill>
+                <a:latin typeface="Posterama" panose="020B0504020200020000" pitchFamily="34" charset="0"/>
+                <a:ea typeface="微软雅黑"/>
+                <a:cs typeface="Posterama" panose="020B0504020200020000" pitchFamily="34" charset="0"/>
+              </a:rPr>
+              <a:t>spektra</a:t>
+            </a:r>
+            <a:r>
+              <a:rPr lang="sr-Latn-RS" sz="2000" dirty="0">
+                <a:solidFill>
+                  <a:prstClr val="white"/>
+                </a:solidFill>
+                <a:latin typeface="Posterama" panose="020B0504020200020000" pitchFamily="34" charset="0"/>
+                <a:ea typeface="微软雅黑"/>
+                <a:cs typeface="Posterama" panose="020B0504020200020000" pitchFamily="34" charset="0"/>
+              </a:rPr>
+              <a:t> algoritama izabrati.</a:t>
+            </a:r>
+          </a:p>
+          <a:p>
+            <a:pPr marL="0" indent="0">
+              <a:lnSpc>
+                <a:spcPct val="100000"/>
+              </a:lnSpc>
+              <a:spcBef>
+                <a:spcPts val="0"/>
+              </a:spcBef>
+              <a:buFontTx/>
+              <a:buNone/>
+            </a:pPr>
+            <a:endParaRPr lang="sr-Latn-RS" sz="2000" dirty="0">
+              <a:solidFill>
+                <a:prstClr val="white"/>
+              </a:solidFill>
+              <a:latin typeface="Posterama" panose="020B0504020200020000" pitchFamily="34" charset="0"/>
+              <a:ea typeface="微软雅黑"/>
+              <a:cs typeface="Posterama" panose="020B0504020200020000" pitchFamily="34" charset="0"/>
+            </a:endParaRPr>
+          </a:p>
+          <a:p>
+            <a:pPr marL="0" indent="0">
+              <a:lnSpc>
+                <a:spcPct val="100000"/>
+              </a:lnSpc>
+              <a:spcBef>
+                <a:spcPts val="0"/>
+              </a:spcBef>
+              <a:buFontTx/>
+              <a:buNone/>
+            </a:pPr>
+            <a:r>
+              <a:rPr lang="sr-Latn-RS" sz="2000" dirty="0">
+                <a:solidFill>
+                  <a:prstClr val="white"/>
+                </a:solidFill>
+                <a:latin typeface="Posterama" panose="020B0504020200020000" pitchFamily="34" charset="0"/>
+                <a:ea typeface="微软雅黑"/>
+                <a:cs typeface="Posterama" panose="020B0504020200020000" pitchFamily="34" charset="0"/>
+              </a:rPr>
+              <a:t>Čak, s obzirom na fazu razvoja razmatranog distribuiranog sistema može se izmeniti trenutno implementiran i koristiti pogodniji. </a:t>
+            </a:r>
+          </a:p>
+          <a:p>
+            <a:pPr marL="0" indent="0">
+              <a:lnSpc>
+                <a:spcPct val="100000"/>
+              </a:lnSpc>
+              <a:spcBef>
+                <a:spcPts val="0"/>
+              </a:spcBef>
+              <a:buFontTx/>
+              <a:buNone/>
+            </a:pPr>
+            <a:endParaRPr lang="sr-Latn-RS" sz="2000" dirty="0">
+              <a:solidFill>
+                <a:prstClr val="white"/>
+              </a:solidFill>
+              <a:latin typeface="Posterama" panose="020B0504020200020000" pitchFamily="34" charset="0"/>
+              <a:ea typeface="微软雅黑"/>
+              <a:cs typeface="Posterama" panose="020B0504020200020000" pitchFamily="34" charset="0"/>
+            </a:endParaRPr>
+          </a:p>
+          <a:p>
+            <a:pPr marL="0" indent="0">
+              <a:lnSpc>
+                <a:spcPct val="100000"/>
+              </a:lnSpc>
+              <a:spcBef>
+                <a:spcPts val="0"/>
+              </a:spcBef>
+              <a:buFontTx/>
+              <a:buNone/>
+            </a:pPr>
+            <a:r>
+              <a:rPr lang="sr-Latn-RS" sz="2000" dirty="0">
+                <a:solidFill>
+                  <a:prstClr val="white"/>
+                </a:solidFill>
+                <a:latin typeface="Posterama" panose="020B0504020200020000" pitchFamily="34" charset="0"/>
+                <a:ea typeface="微软雅黑"/>
+                <a:cs typeface="Posterama" panose="020B0504020200020000" pitchFamily="34" charset="0"/>
+              </a:rPr>
+              <a:t>Ono što je važno, to je poznavati karakteristike, prednosti i mane algoritama kako bi ih pravilno primenili.</a:t>
+            </a:r>
+          </a:p>
+        </p:txBody>
+      </p:sp>
     </p:spTree>
     <p:extLst>
       <p:ext uri="{BB962C8B-B14F-4D97-AF65-F5344CB8AC3E}">
@@ -33476,10 +34098,934 @@
           <a:lstStyle/>
           <a:p>
             <a:r>
-              <a:rPr lang="sr-Latn-RS" dirty="0" err="1"/>
+              <a:rPr lang="sr-Latn-RS" sz="5000" dirty="0" err="1"/>
               <a:t>HotStuff</a:t>
             </a:r>
-            <a:endParaRPr lang="en-US" dirty="0"/>
+            <a:endParaRPr lang="en-US" sz="5000" dirty="0"/>
+          </a:p>
+        </p:txBody>
+      </p:sp>
+      <p:sp>
+        <p:nvSpPr>
+          <p:cNvPr id="2" name="TextBox 1">
+            <a:extLst>
+              <a:ext uri="{FF2B5EF4-FFF2-40B4-BE49-F238E27FC236}">
+                <a16:creationId xmlns:a16="http://schemas.microsoft.com/office/drawing/2014/main" id="{E77552FB-E41E-E2D5-0350-13C83483276A}"/>
+              </a:ext>
+            </a:extLst>
+          </p:cNvPr>
+          <p:cNvSpPr txBox="1"/>
+          <p:nvPr/>
+        </p:nvSpPr>
+        <p:spPr>
+          <a:xfrm>
+            <a:off x="990273" y="1262087"/>
+            <a:ext cx="5250485" cy="477054"/>
+          </a:xfrm>
+          <a:prstGeom prst="rect">
+            <a:avLst/>
+          </a:prstGeom>
+          <a:ln w="28575">
+            <a:noFill/>
+          </a:ln>
+        </p:spPr>
+        <p:txBody>
+          <a:bodyPr wrap="square" rtlCol="0">
+            <a:spAutoFit/>
+          </a:bodyPr>
+          <a:lstStyle/>
+          <a:p>
+            <a:pPr marL="342900" indent="-342900">
+              <a:lnSpc>
+                <a:spcPct val="100000"/>
+              </a:lnSpc>
+              <a:spcBef>
+                <a:spcPts val="0"/>
+              </a:spcBef>
+              <a:buClr>
+                <a:srgbClr val="E1D2EF"/>
+              </a:buClr>
+              <a:buFont typeface="Wingdings" panose="05000000000000000000" pitchFamily="2" charset="2"/>
+              <a:buChar char="v"/>
+            </a:pPr>
+            <a:r>
+              <a:rPr lang="sr-Latn-RS" sz="2500" dirty="0" err="1">
+                <a:solidFill>
+                  <a:schemeClr val="accent2">
+                    <a:lumMod val="20000"/>
+                    <a:lumOff val="80000"/>
+                  </a:schemeClr>
+                </a:solidFill>
+                <a:latin typeface="Posterama" panose="020B0504020200020000" pitchFamily="34" charset="0"/>
+                <a:ea typeface="微软雅黑"/>
+                <a:cs typeface="Posterama" panose="020B0504020200020000" pitchFamily="34" charset="0"/>
+              </a:rPr>
+              <a:t>Byzantine</a:t>
+            </a:r>
+            <a:r>
+              <a:rPr lang="sr-Latn-RS" sz="2500" dirty="0">
+                <a:solidFill>
+                  <a:schemeClr val="accent2">
+                    <a:lumMod val="20000"/>
+                    <a:lumOff val="80000"/>
+                  </a:schemeClr>
+                </a:solidFill>
+                <a:latin typeface="Posterama" panose="020B0504020200020000" pitchFamily="34" charset="0"/>
+                <a:ea typeface="微软雅黑"/>
+                <a:cs typeface="Posterama" panose="020B0504020200020000" pitchFamily="34" charset="0"/>
+              </a:rPr>
+              <a:t> </a:t>
+            </a:r>
+            <a:r>
+              <a:rPr lang="sr-Latn-RS" sz="2500" dirty="0" err="1">
+                <a:solidFill>
+                  <a:schemeClr val="accent2">
+                    <a:lumMod val="20000"/>
+                    <a:lumOff val="80000"/>
+                  </a:schemeClr>
+                </a:solidFill>
+                <a:latin typeface="Posterama" panose="020B0504020200020000" pitchFamily="34" charset="0"/>
+                <a:ea typeface="微软雅黑"/>
+                <a:cs typeface="Posterama" panose="020B0504020200020000" pitchFamily="34" charset="0"/>
+              </a:rPr>
+              <a:t>Fault</a:t>
+            </a:r>
+            <a:r>
+              <a:rPr lang="sr-Latn-RS" sz="2500" dirty="0">
+                <a:solidFill>
+                  <a:schemeClr val="accent2">
+                    <a:lumMod val="20000"/>
+                    <a:lumOff val="80000"/>
+                  </a:schemeClr>
+                </a:solidFill>
+                <a:latin typeface="Posterama" panose="020B0504020200020000" pitchFamily="34" charset="0"/>
+                <a:ea typeface="微软雅黑"/>
+                <a:cs typeface="Posterama" panose="020B0504020200020000" pitchFamily="34" charset="0"/>
+              </a:rPr>
+              <a:t> </a:t>
+            </a:r>
+            <a:r>
+              <a:rPr lang="sr-Latn-RS" sz="2500" dirty="0" err="1">
+                <a:solidFill>
+                  <a:schemeClr val="accent2">
+                    <a:lumMod val="20000"/>
+                    <a:lumOff val="80000"/>
+                  </a:schemeClr>
+                </a:solidFill>
+                <a:latin typeface="Posterama" panose="020B0504020200020000" pitchFamily="34" charset="0"/>
+                <a:ea typeface="微软雅黑"/>
+                <a:cs typeface="Posterama" panose="020B0504020200020000" pitchFamily="34" charset="0"/>
+              </a:rPr>
+              <a:t>Tolerance</a:t>
+            </a:r>
+            <a:endParaRPr lang="sr-Latn-RS" sz="2500" dirty="0">
+              <a:solidFill>
+                <a:schemeClr val="accent2">
+                  <a:lumMod val="20000"/>
+                  <a:lumOff val="80000"/>
+                </a:schemeClr>
+              </a:solidFill>
+              <a:latin typeface="Posterama" panose="020B0504020200020000" pitchFamily="34" charset="0"/>
+              <a:ea typeface="微软雅黑"/>
+              <a:cs typeface="Posterama" panose="020B0504020200020000" pitchFamily="34" charset="0"/>
+            </a:endParaRPr>
+          </a:p>
+        </p:txBody>
+      </p:sp>
+      <p:sp>
+        <p:nvSpPr>
+          <p:cNvPr id="3" name="TextBox 2">
+            <a:extLst>
+              <a:ext uri="{FF2B5EF4-FFF2-40B4-BE49-F238E27FC236}">
+                <a16:creationId xmlns:a16="http://schemas.microsoft.com/office/drawing/2014/main" id="{ECC9D678-014C-7085-19E3-2A7F9C97E140}"/>
+              </a:ext>
+            </a:extLst>
+          </p:cNvPr>
+          <p:cNvSpPr txBox="1"/>
+          <p:nvPr/>
+        </p:nvSpPr>
+        <p:spPr>
+          <a:xfrm>
+            <a:off x="6731790" y="4837703"/>
+            <a:ext cx="3465770" cy="477054"/>
+          </a:xfrm>
+          <a:prstGeom prst="rect">
+            <a:avLst/>
+          </a:prstGeom>
+        </p:spPr>
+        <p:txBody>
+          <a:bodyPr wrap="square" rtlCol="0">
+            <a:spAutoFit/>
+          </a:bodyPr>
+          <a:lstStyle/>
+          <a:p>
+            <a:pPr marL="342900" indent="-342900">
+              <a:lnSpc>
+                <a:spcPct val="100000"/>
+              </a:lnSpc>
+              <a:spcBef>
+                <a:spcPts val="0"/>
+              </a:spcBef>
+              <a:buClr>
+                <a:srgbClr val="E1D2EF"/>
+              </a:buClr>
+              <a:buFont typeface="Wingdings" panose="05000000000000000000" pitchFamily="2" charset="2"/>
+              <a:buChar char="v"/>
+            </a:pPr>
+            <a:r>
+              <a:rPr lang="sr-Latn-RS" sz="2500" dirty="0">
+                <a:solidFill>
+                  <a:schemeClr val="accent2">
+                    <a:lumMod val="20000"/>
+                    <a:lumOff val="80000"/>
+                  </a:schemeClr>
+                </a:solidFill>
+                <a:latin typeface="Posterama" panose="020B0504020200020000" pitchFamily="34" charset="0"/>
+                <a:ea typeface="微软雅黑"/>
+                <a:cs typeface="Posterama" panose="020B0504020200020000" pitchFamily="34" charset="0"/>
+              </a:rPr>
+              <a:t>Sertifikat kvoruma</a:t>
+            </a:r>
+          </a:p>
+        </p:txBody>
+      </p:sp>
+      <p:sp>
+        <p:nvSpPr>
+          <p:cNvPr id="5" name="TextBox 4">
+            <a:extLst>
+              <a:ext uri="{FF2B5EF4-FFF2-40B4-BE49-F238E27FC236}">
+                <a16:creationId xmlns:a16="http://schemas.microsoft.com/office/drawing/2014/main" id="{E30933C1-CE30-52F2-ACC1-AF629D51A04D}"/>
+              </a:ext>
+            </a:extLst>
+          </p:cNvPr>
+          <p:cNvSpPr txBox="1"/>
+          <p:nvPr/>
+        </p:nvSpPr>
+        <p:spPr>
+          <a:xfrm>
+            <a:off x="146624" y="3147956"/>
+            <a:ext cx="6791111" cy="477054"/>
+          </a:xfrm>
+          <a:prstGeom prst="rect">
+            <a:avLst/>
+          </a:prstGeom>
+          <a:noFill/>
+        </p:spPr>
+        <p:txBody>
+          <a:bodyPr wrap="square">
+            <a:spAutoFit/>
+          </a:bodyPr>
+          <a:lstStyle/>
+          <a:p>
+            <a:pPr marL="342900" indent="-342900">
+              <a:lnSpc>
+                <a:spcPct val="100000"/>
+              </a:lnSpc>
+              <a:spcBef>
+                <a:spcPts val="0"/>
+              </a:spcBef>
+              <a:buClr>
+                <a:srgbClr val="E1D2EF"/>
+              </a:buClr>
+              <a:buFont typeface="Wingdings" panose="05000000000000000000" pitchFamily="2" charset="2"/>
+              <a:buChar char="v"/>
+            </a:pPr>
+            <a:r>
+              <a:rPr lang="sr-Latn-RS" sz="2500" dirty="0">
+                <a:solidFill>
+                  <a:schemeClr val="accent2">
+                    <a:lumMod val="20000"/>
+                    <a:lumOff val="80000"/>
+                  </a:schemeClr>
+                </a:solidFill>
+                <a:latin typeface="Posterama" panose="020B0504020200020000" pitchFamily="34" charset="0"/>
+                <a:ea typeface="微软雅黑"/>
+                <a:cs typeface="Posterama" panose="020B0504020200020000" pitchFamily="34" charset="0"/>
+              </a:rPr>
+              <a:t>Delimično-sinhrona razmena poruka</a:t>
+            </a:r>
+          </a:p>
+        </p:txBody>
+      </p:sp>
+      <p:sp>
+        <p:nvSpPr>
+          <p:cNvPr id="7" name="TextBox 6">
+            <a:extLst>
+              <a:ext uri="{FF2B5EF4-FFF2-40B4-BE49-F238E27FC236}">
+                <a16:creationId xmlns:a16="http://schemas.microsoft.com/office/drawing/2014/main" id="{059559E1-BECB-79C5-CE8F-ED5D187C87DD}"/>
+              </a:ext>
+            </a:extLst>
+          </p:cNvPr>
+          <p:cNvSpPr txBox="1"/>
+          <p:nvPr/>
+        </p:nvSpPr>
+        <p:spPr>
+          <a:xfrm>
+            <a:off x="350215" y="1995367"/>
+            <a:ext cx="2838168" cy="477054"/>
+          </a:xfrm>
+          <a:prstGeom prst="rect">
+            <a:avLst/>
+          </a:prstGeom>
+          <a:noFill/>
+        </p:spPr>
+        <p:txBody>
+          <a:bodyPr wrap="square">
+            <a:spAutoFit/>
+          </a:bodyPr>
+          <a:lstStyle/>
+          <a:p>
+            <a:pPr marL="342900" indent="-342900">
+              <a:lnSpc>
+                <a:spcPct val="100000"/>
+              </a:lnSpc>
+              <a:spcBef>
+                <a:spcPts val="0"/>
+              </a:spcBef>
+              <a:buClr>
+                <a:srgbClr val="E1D2EF"/>
+              </a:buClr>
+              <a:buFont typeface="Wingdings" panose="05000000000000000000" pitchFamily="2" charset="2"/>
+              <a:buChar char="v"/>
+            </a:pPr>
+            <a:r>
+              <a:rPr lang="sr-Latn-RS" sz="2500" dirty="0">
+                <a:solidFill>
+                  <a:schemeClr val="accent2">
+                    <a:lumMod val="20000"/>
+                    <a:lumOff val="80000"/>
+                  </a:schemeClr>
+                </a:solidFill>
+                <a:latin typeface="Posterama" panose="020B0504020200020000" pitchFamily="34" charset="0"/>
+                <a:ea typeface="微软雅黑"/>
+                <a:cs typeface="Posterama" panose="020B0504020200020000" pitchFamily="34" charset="0"/>
+              </a:rPr>
+              <a:t>n = 3 * f + 1</a:t>
+            </a:r>
+          </a:p>
+        </p:txBody>
+      </p:sp>
+      <p:sp>
+        <p:nvSpPr>
+          <p:cNvPr id="9" name="TextBox 8">
+            <a:extLst>
+              <a:ext uri="{FF2B5EF4-FFF2-40B4-BE49-F238E27FC236}">
+                <a16:creationId xmlns:a16="http://schemas.microsoft.com/office/drawing/2014/main" id="{92231E08-875A-72B3-B334-EB87A8EB5A2F}"/>
+              </a:ext>
+            </a:extLst>
+          </p:cNvPr>
+          <p:cNvSpPr txBox="1"/>
+          <p:nvPr/>
+        </p:nvSpPr>
+        <p:spPr>
+          <a:xfrm>
+            <a:off x="5225673" y="6178557"/>
+            <a:ext cx="5449687" cy="477054"/>
+          </a:xfrm>
+          <a:prstGeom prst="rect">
+            <a:avLst/>
+          </a:prstGeom>
+          <a:noFill/>
+        </p:spPr>
+        <p:txBody>
+          <a:bodyPr wrap="square">
+            <a:spAutoFit/>
+          </a:bodyPr>
+          <a:lstStyle/>
+          <a:p>
+            <a:pPr marL="342900" indent="-342900">
+              <a:lnSpc>
+                <a:spcPct val="100000"/>
+              </a:lnSpc>
+              <a:spcBef>
+                <a:spcPts val="0"/>
+              </a:spcBef>
+              <a:buClr>
+                <a:srgbClr val="E1D2EF"/>
+              </a:buClr>
+              <a:buFont typeface="Wingdings" panose="05000000000000000000" pitchFamily="2" charset="2"/>
+              <a:buChar char="v"/>
+            </a:pPr>
+            <a:r>
+              <a:rPr lang="sr-Latn-RS" sz="2500" dirty="0" err="1">
+                <a:solidFill>
+                  <a:schemeClr val="accent2">
+                    <a:lumMod val="20000"/>
+                    <a:lumOff val="80000"/>
+                  </a:schemeClr>
+                </a:solidFill>
+                <a:latin typeface="Posterama" panose="020B0504020200020000" pitchFamily="34" charset="0"/>
+                <a:ea typeface="微软雅黑"/>
+                <a:cs typeface="Posterama" panose="020B0504020200020000" pitchFamily="34" charset="0"/>
+              </a:rPr>
+              <a:t>Leader</a:t>
+            </a:r>
+            <a:r>
+              <a:rPr lang="sr-Latn-RS" sz="2500" dirty="0">
+                <a:solidFill>
+                  <a:schemeClr val="accent2">
+                    <a:lumMod val="20000"/>
+                    <a:lumOff val="80000"/>
+                  </a:schemeClr>
+                </a:solidFill>
+                <a:latin typeface="Posterama" panose="020B0504020200020000" pitchFamily="34" charset="0"/>
+                <a:ea typeface="微软雅黑"/>
+                <a:cs typeface="Posterama" panose="020B0504020200020000" pitchFamily="34" charset="0"/>
+              </a:rPr>
+              <a:t> </a:t>
+            </a:r>
+            <a:r>
+              <a:rPr lang="sr-Latn-RS" sz="2500" dirty="0" err="1">
+                <a:solidFill>
+                  <a:schemeClr val="accent2">
+                    <a:lumMod val="20000"/>
+                    <a:lumOff val="80000"/>
+                  </a:schemeClr>
+                </a:solidFill>
+                <a:latin typeface="Posterama" panose="020B0504020200020000" pitchFamily="34" charset="0"/>
+                <a:ea typeface="微软雅黑"/>
+                <a:cs typeface="Posterama" panose="020B0504020200020000" pitchFamily="34" charset="0"/>
+              </a:rPr>
+              <a:t>based</a:t>
+            </a:r>
+            <a:r>
+              <a:rPr lang="sr-Latn-RS" sz="2500" dirty="0">
+                <a:solidFill>
+                  <a:schemeClr val="accent2">
+                    <a:lumMod val="20000"/>
+                    <a:lumOff val="80000"/>
+                  </a:schemeClr>
+                </a:solidFill>
+                <a:latin typeface="Posterama" panose="020B0504020200020000" pitchFamily="34" charset="0"/>
+                <a:ea typeface="微软雅黑"/>
+                <a:cs typeface="Posterama" panose="020B0504020200020000" pitchFamily="34" charset="0"/>
+              </a:rPr>
+              <a:t> </a:t>
+            </a:r>
+            <a:r>
+              <a:rPr lang="sr-Latn-RS" sz="2500" dirty="0" err="1">
+                <a:solidFill>
+                  <a:schemeClr val="accent2">
+                    <a:lumMod val="20000"/>
+                    <a:lumOff val="80000"/>
+                  </a:schemeClr>
+                </a:solidFill>
+                <a:latin typeface="Posterama" panose="020B0504020200020000" pitchFamily="34" charset="0"/>
+                <a:ea typeface="微软雅黑"/>
+                <a:cs typeface="Posterama" panose="020B0504020200020000" pitchFamily="34" charset="0"/>
+              </a:rPr>
+              <a:t>primary</a:t>
+            </a:r>
+            <a:r>
+              <a:rPr lang="sr-Latn-RS" sz="2500" dirty="0">
+                <a:solidFill>
+                  <a:schemeClr val="accent2">
+                    <a:lumMod val="20000"/>
+                    <a:lumOff val="80000"/>
+                  </a:schemeClr>
+                </a:solidFill>
+                <a:latin typeface="Posterama" panose="020B0504020200020000" pitchFamily="34" charset="0"/>
+                <a:ea typeface="微软雅黑"/>
+                <a:cs typeface="Posterama" panose="020B0504020200020000" pitchFamily="34" charset="0"/>
+              </a:rPr>
+              <a:t> </a:t>
+            </a:r>
+            <a:r>
+              <a:rPr lang="sr-Latn-RS" sz="2500" dirty="0" err="1">
+                <a:solidFill>
+                  <a:schemeClr val="accent2">
+                    <a:lumMod val="20000"/>
+                    <a:lumOff val="80000"/>
+                  </a:schemeClr>
+                </a:solidFill>
+                <a:latin typeface="Posterama" panose="020B0504020200020000" pitchFamily="34" charset="0"/>
+                <a:ea typeface="微软雅黑"/>
+                <a:cs typeface="Posterama" panose="020B0504020200020000" pitchFamily="34" charset="0"/>
+              </a:rPr>
+              <a:t>backup</a:t>
+            </a:r>
+            <a:endParaRPr lang="sr-Latn-RS" sz="2500" dirty="0">
+              <a:solidFill>
+                <a:schemeClr val="accent2">
+                  <a:lumMod val="20000"/>
+                  <a:lumOff val="80000"/>
+                </a:schemeClr>
+              </a:solidFill>
+              <a:latin typeface="Posterama" panose="020B0504020200020000" pitchFamily="34" charset="0"/>
+              <a:ea typeface="微软雅黑"/>
+              <a:cs typeface="Posterama" panose="020B0504020200020000" pitchFamily="34" charset="0"/>
+            </a:endParaRPr>
+          </a:p>
+        </p:txBody>
+      </p:sp>
+      <p:sp>
+        <p:nvSpPr>
+          <p:cNvPr id="11" name="TextBox 10">
+            <a:extLst>
+              <a:ext uri="{FF2B5EF4-FFF2-40B4-BE49-F238E27FC236}">
+                <a16:creationId xmlns:a16="http://schemas.microsoft.com/office/drawing/2014/main" id="{0041CB73-085C-767E-F2D2-1A992E8BE90C}"/>
+              </a:ext>
+            </a:extLst>
+          </p:cNvPr>
+          <p:cNvSpPr txBox="1"/>
+          <p:nvPr/>
+        </p:nvSpPr>
+        <p:spPr>
+          <a:xfrm>
+            <a:off x="4251152" y="2285906"/>
+            <a:ext cx="3745442" cy="477054"/>
+          </a:xfrm>
+          <a:prstGeom prst="rect">
+            <a:avLst/>
+          </a:prstGeom>
+          <a:noFill/>
+        </p:spPr>
+        <p:txBody>
+          <a:bodyPr wrap="square">
+            <a:spAutoFit/>
+          </a:bodyPr>
+          <a:lstStyle/>
+          <a:p>
+            <a:pPr marL="342900" indent="-342900">
+              <a:lnSpc>
+                <a:spcPct val="100000"/>
+              </a:lnSpc>
+              <a:spcBef>
+                <a:spcPts val="0"/>
+              </a:spcBef>
+              <a:buClr>
+                <a:srgbClr val="E1D2EF"/>
+              </a:buClr>
+              <a:buFont typeface="Wingdings" panose="05000000000000000000" pitchFamily="2" charset="2"/>
+              <a:buChar char="v"/>
+            </a:pPr>
+            <a:r>
+              <a:rPr lang="sr-Latn-RS" sz="2500" dirty="0">
+                <a:solidFill>
+                  <a:schemeClr val="accent2">
+                    <a:lumMod val="20000"/>
+                    <a:lumOff val="80000"/>
+                  </a:schemeClr>
+                </a:solidFill>
+                <a:latin typeface="Posterama" panose="020B0504020200020000" pitchFamily="34" charset="0"/>
+                <a:ea typeface="微软雅黑"/>
+                <a:cs typeface="Posterama" panose="020B0504020200020000" pitchFamily="34" charset="0"/>
+              </a:rPr>
+              <a:t>Granični potpisi (TSS)</a:t>
+            </a:r>
+          </a:p>
+        </p:txBody>
+      </p:sp>
+      <p:sp>
+        <p:nvSpPr>
+          <p:cNvPr id="14" name="TextBox 13">
+            <a:extLst>
+              <a:ext uri="{FF2B5EF4-FFF2-40B4-BE49-F238E27FC236}">
+                <a16:creationId xmlns:a16="http://schemas.microsoft.com/office/drawing/2014/main" id="{8AC8AB02-0D8B-51BE-7778-D195BCB456F5}"/>
+              </a:ext>
+            </a:extLst>
+          </p:cNvPr>
+          <p:cNvSpPr txBox="1"/>
+          <p:nvPr/>
+        </p:nvSpPr>
+        <p:spPr>
+          <a:xfrm>
+            <a:off x="6731790" y="3329115"/>
+            <a:ext cx="4229097" cy="477054"/>
+          </a:xfrm>
+          <a:prstGeom prst="rect">
+            <a:avLst/>
+          </a:prstGeom>
+          <a:noFill/>
+        </p:spPr>
+        <p:txBody>
+          <a:bodyPr wrap="square">
+            <a:spAutoFit/>
+          </a:bodyPr>
+          <a:lstStyle/>
+          <a:p>
+            <a:pPr marL="342900" indent="-342900">
+              <a:lnSpc>
+                <a:spcPct val="100000"/>
+              </a:lnSpc>
+              <a:spcBef>
+                <a:spcPts val="0"/>
+              </a:spcBef>
+              <a:buClr>
+                <a:srgbClr val="E1D2EF"/>
+              </a:buClr>
+              <a:buFont typeface="Wingdings" panose="05000000000000000000" pitchFamily="2" charset="2"/>
+              <a:buChar char="v"/>
+            </a:pPr>
+            <a:r>
+              <a:rPr lang="sr-Latn-RS" sz="2500" dirty="0">
+                <a:solidFill>
+                  <a:schemeClr val="accent2">
+                    <a:lumMod val="20000"/>
+                    <a:lumOff val="80000"/>
+                  </a:schemeClr>
+                </a:solidFill>
+                <a:latin typeface="Posterama" panose="020B0504020200020000" pitchFamily="34" charset="0"/>
+                <a:ea typeface="微软雅黑"/>
+                <a:cs typeface="Posterama" panose="020B0504020200020000" pitchFamily="34" charset="0"/>
+              </a:rPr>
+              <a:t>Linearna promena stanja</a:t>
+            </a:r>
+          </a:p>
+        </p:txBody>
+      </p:sp>
+      <p:sp>
+        <p:nvSpPr>
+          <p:cNvPr id="16" name="TextBox 15">
+            <a:extLst>
+              <a:ext uri="{FF2B5EF4-FFF2-40B4-BE49-F238E27FC236}">
+                <a16:creationId xmlns:a16="http://schemas.microsoft.com/office/drawing/2014/main" id="{AEE9BE6B-480D-7316-3E99-0FA68020F2DB}"/>
+              </a:ext>
+            </a:extLst>
+          </p:cNvPr>
+          <p:cNvSpPr txBox="1"/>
+          <p:nvPr/>
+        </p:nvSpPr>
+        <p:spPr>
+          <a:xfrm>
+            <a:off x="8649821" y="2542802"/>
+            <a:ext cx="3542179" cy="861774"/>
+          </a:xfrm>
+          <a:prstGeom prst="rect">
+            <a:avLst/>
+          </a:prstGeom>
+          <a:noFill/>
+        </p:spPr>
+        <p:txBody>
+          <a:bodyPr wrap="square">
+            <a:spAutoFit/>
+          </a:bodyPr>
+          <a:lstStyle/>
+          <a:p>
+            <a:pPr marL="342900" indent="-342900">
+              <a:lnSpc>
+                <a:spcPct val="100000"/>
+              </a:lnSpc>
+              <a:spcBef>
+                <a:spcPts val="0"/>
+              </a:spcBef>
+              <a:buClr>
+                <a:srgbClr val="E1D2EF"/>
+              </a:buClr>
+              <a:buFont typeface="Wingdings" panose="05000000000000000000" pitchFamily="2" charset="2"/>
+              <a:buChar char="v"/>
+            </a:pPr>
+            <a:r>
+              <a:rPr lang="sr-Latn-RS" sz="2500" dirty="0">
+                <a:solidFill>
+                  <a:schemeClr val="accent2">
+                    <a:lumMod val="20000"/>
+                    <a:lumOff val="80000"/>
+                  </a:schemeClr>
+                </a:solidFill>
+                <a:latin typeface="Posterama" panose="020B0504020200020000" pitchFamily="34" charset="0"/>
+                <a:ea typeface="微软雅黑"/>
+                <a:cs typeface="Posterama" panose="020B0504020200020000" pitchFamily="34" charset="0"/>
+              </a:rPr>
+              <a:t>Optimistični odziv</a:t>
+            </a:r>
+          </a:p>
+          <a:p>
+            <a:pPr marL="342900" indent="-342900">
+              <a:lnSpc>
+                <a:spcPct val="100000"/>
+              </a:lnSpc>
+              <a:spcBef>
+                <a:spcPts val="0"/>
+              </a:spcBef>
+              <a:buClr>
+                <a:srgbClr val="E1D2EF"/>
+              </a:buClr>
+              <a:buFont typeface="Wingdings" panose="05000000000000000000" pitchFamily="2" charset="2"/>
+              <a:buChar char="v"/>
+            </a:pPr>
+            <a:endParaRPr lang="sr-Latn-RS" sz="2500" dirty="0">
+              <a:solidFill>
+                <a:schemeClr val="accent2">
+                  <a:lumMod val="20000"/>
+                  <a:lumOff val="80000"/>
+                </a:schemeClr>
+              </a:solidFill>
+            </a:endParaRPr>
+          </a:p>
+        </p:txBody>
+      </p:sp>
+      <p:sp>
+        <p:nvSpPr>
+          <p:cNvPr id="19" name="TextBox 18">
+            <a:extLst>
+              <a:ext uri="{FF2B5EF4-FFF2-40B4-BE49-F238E27FC236}">
+                <a16:creationId xmlns:a16="http://schemas.microsoft.com/office/drawing/2014/main" id="{7C7B5E75-1FA6-515B-6EBD-A563F267EEC5}"/>
+              </a:ext>
+            </a:extLst>
+          </p:cNvPr>
+          <p:cNvSpPr txBox="1"/>
+          <p:nvPr/>
+        </p:nvSpPr>
+        <p:spPr>
+          <a:xfrm>
+            <a:off x="7403091" y="1144734"/>
+            <a:ext cx="3272269" cy="477054"/>
+          </a:xfrm>
+          <a:prstGeom prst="rect">
+            <a:avLst/>
+          </a:prstGeom>
+          <a:noFill/>
+        </p:spPr>
+        <p:txBody>
+          <a:bodyPr wrap="square">
+            <a:spAutoFit/>
+          </a:bodyPr>
+          <a:lstStyle/>
+          <a:p>
+            <a:pPr marL="342900" indent="-342900">
+              <a:lnSpc>
+                <a:spcPct val="100000"/>
+              </a:lnSpc>
+              <a:spcBef>
+                <a:spcPts val="0"/>
+              </a:spcBef>
+              <a:buClr>
+                <a:srgbClr val="E1D2EF"/>
+              </a:buClr>
+              <a:buFont typeface="Wingdings" panose="05000000000000000000" pitchFamily="2" charset="2"/>
+              <a:buChar char="v"/>
+            </a:pPr>
+            <a:r>
+              <a:rPr lang="sr-Latn-RS" sz="2500" dirty="0">
+                <a:solidFill>
+                  <a:schemeClr val="accent2">
+                    <a:lumMod val="20000"/>
+                    <a:lumOff val="80000"/>
+                  </a:schemeClr>
+                </a:solidFill>
+                <a:latin typeface="Posterama" panose="020B0504020200020000" pitchFamily="34" charset="0"/>
+                <a:ea typeface="微软雅黑"/>
+                <a:cs typeface="Posterama" panose="020B0504020200020000" pitchFamily="34" charset="0"/>
+              </a:rPr>
+              <a:t>Kvalitet lanca</a:t>
+            </a:r>
+          </a:p>
+        </p:txBody>
+      </p:sp>
+      <p:sp>
+        <p:nvSpPr>
+          <p:cNvPr id="21" name="TextBox 20">
+            <a:extLst>
+              <a:ext uri="{FF2B5EF4-FFF2-40B4-BE49-F238E27FC236}">
+                <a16:creationId xmlns:a16="http://schemas.microsoft.com/office/drawing/2014/main" id="{3CDD7DAA-0EC3-F4AD-65EB-A3D7B79D6842}"/>
+              </a:ext>
+            </a:extLst>
+          </p:cNvPr>
+          <p:cNvSpPr txBox="1"/>
+          <p:nvPr/>
+        </p:nvSpPr>
+        <p:spPr>
+          <a:xfrm>
+            <a:off x="680979" y="4200720"/>
+            <a:ext cx="3164597" cy="861774"/>
+          </a:xfrm>
+          <a:prstGeom prst="rect">
+            <a:avLst/>
+          </a:prstGeom>
+          <a:noFill/>
+        </p:spPr>
+        <p:txBody>
+          <a:bodyPr wrap="square">
+            <a:spAutoFit/>
+          </a:bodyPr>
+          <a:lstStyle/>
+          <a:p>
+            <a:pPr marL="342900" indent="-342900">
+              <a:lnSpc>
+                <a:spcPct val="100000"/>
+              </a:lnSpc>
+              <a:spcBef>
+                <a:spcPts val="0"/>
+              </a:spcBef>
+              <a:buClr>
+                <a:srgbClr val="E1D2EF"/>
+              </a:buClr>
+              <a:buFont typeface="Wingdings" panose="05000000000000000000" pitchFamily="2" charset="2"/>
+              <a:buChar char="v"/>
+            </a:pPr>
+            <a:r>
+              <a:rPr lang="sr-Latn-RS" sz="2500" dirty="0">
+                <a:solidFill>
+                  <a:schemeClr val="accent2">
+                    <a:lumMod val="20000"/>
+                    <a:lumOff val="80000"/>
+                  </a:schemeClr>
+                </a:solidFill>
+                <a:latin typeface="Posterama" panose="020B0504020200020000" pitchFamily="34" charset="0"/>
+                <a:ea typeface="微软雅黑"/>
+                <a:cs typeface="Posterama" panose="020B0504020200020000" pitchFamily="34" charset="0"/>
+              </a:rPr>
+              <a:t>Sakrivena brava</a:t>
+            </a:r>
+          </a:p>
+          <a:p>
+            <a:pPr marL="342900" indent="-342900">
+              <a:lnSpc>
+                <a:spcPct val="100000"/>
+              </a:lnSpc>
+              <a:spcBef>
+                <a:spcPts val="0"/>
+              </a:spcBef>
+              <a:buClr>
+                <a:srgbClr val="E1D2EF"/>
+              </a:buClr>
+              <a:buFont typeface="Wingdings" panose="05000000000000000000" pitchFamily="2" charset="2"/>
+              <a:buChar char="v"/>
+            </a:pPr>
+            <a:endParaRPr lang="sr-Latn-RS" sz="2500" dirty="0">
+              <a:solidFill>
+                <a:schemeClr val="accent2">
+                  <a:lumMod val="20000"/>
+                  <a:lumOff val="80000"/>
+                </a:schemeClr>
+              </a:solidFill>
+            </a:endParaRPr>
+          </a:p>
+        </p:txBody>
+      </p:sp>
+      <p:sp>
+        <p:nvSpPr>
+          <p:cNvPr id="23" name="TextBox 22">
+            <a:extLst>
+              <a:ext uri="{FF2B5EF4-FFF2-40B4-BE49-F238E27FC236}">
+                <a16:creationId xmlns:a16="http://schemas.microsoft.com/office/drawing/2014/main" id="{48265197-BD70-EE2F-5788-73B42CB8E113}"/>
+              </a:ext>
+            </a:extLst>
+          </p:cNvPr>
+          <p:cNvSpPr txBox="1"/>
+          <p:nvPr/>
+        </p:nvSpPr>
+        <p:spPr>
+          <a:xfrm>
+            <a:off x="4788193" y="4095623"/>
+            <a:ext cx="2467472" cy="477054"/>
+          </a:xfrm>
+          <a:prstGeom prst="rect">
+            <a:avLst/>
+          </a:prstGeom>
+          <a:noFill/>
+        </p:spPr>
+        <p:txBody>
+          <a:bodyPr wrap="square">
+            <a:spAutoFit/>
+          </a:bodyPr>
+          <a:lstStyle/>
+          <a:p>
+            <a:pPr marL="342900" indent="-342900">
+              <a:lnSpc>
+                <a:spcPct val="100000"/>
+              </a:lnSpc>
+              <a:spcBef>
+                <a:spcPts val="0"/>
+              </a:spcBef>
+              <a:buClr>
+                <a:srgbClr val="E1D2EF"/>
+              </a:buClr>
+              <a:buFont typeface="Wingdings" panose="05000000000000000000" pitchFamily="2" charset="2"/>
+              <a:buChar char="v"/>
+            </a:pPr>
+            <a:r>
+              <a:rPr lang="sr-Latn-RS" sz="2500" dirty="0" err="1">
+                <a:solidFill>
+                  <a:schemeClr val="accent2">
+                    <a:lumMod val="20000"/>
+                    <a:lumOff val="80000"/>
+                  </a:schemeClr>
+                </a:solidFill>
+                <a:latin typeface="Posterama" panose="020B0504020200020000" pitchFamily="34" charset="0"/>
+                <a:ea typeface="微软雅黑"/>
+                <a:cs typeface="Posterama" panose="020B0504020200020000" pitchFamily="34" charset="0"/>
+              </a:rPr>
+              <a:t>Pejsmejker</a:t>
+            </a:r>
+            <a:endParaRPr lang="sr-Latn-RS" sz="2500" dirty="0">
+              <a:solidFill>
+                <a:schemeClr val="accent2">
+                  <a:lumMod val="20000"/>
+                  <a:lumOff val="80000"/>
+                </a:schemeClr>
+              </a:solidFill>
+              <a:latin typeface="Posterama" panose="020B0504020200020000" pitchFamily="34" charset="0"/>
+              <a:ea typeface="微软雅黑"/>
+              <a:cs typeface="Posterama" panose="020B0504020200020000" pitchFamily="34" charset="0"/>
+            </a:endParaRPr>
+          </a:p>
+        </p:txBody>
+      </p:sp>
+      <p:sp>
+        <p:nvSpPr>
+          <p:cNvPr id="25" name="TextBox 24">
+            <a:extLst>
+              <a:ext uri="{FF2B5EF4-FFF2-40B4-BE49-F238E27FC236}">
+                <a16:creationId xmlns:a16="http://schemas.microsoft.com/office/drawing/2014/main" id="{73FC4AEA-879C-BB18-A9FB-0CD7C4871C0A}"/>
+              </a:ext>
+            </a:extLst>
+          </p:cNvPr>
+          <p:cNvSpPr txBox="1"/>
+          <p:nvPr/>
+        </p:nvSpPr>
+        <p:spPr>
+          <a:xfrm>
+            <a:off x="791071" y="5395714"/>
+            <a:ext cx="5449687" cy="477054"/>
+          </a:xfrm>
+          <a:prstGeom prst="rect">
+            <a:avLst/>
+          </a:prstGeom>
+          <a:noFill/>
+        </p:spPr>
+        <p:txBody>
+          <a:bodyPr wrap="square">
+            <a:spAutoFit/>
+          </a:bodyPr>
+          <a:lstStyle/>
+          <a:p>
+            <a:pPr marL="342900" indent="-342900">
+              <a:lnSpc>
+                <a:spcPct val="100000"/>
+              </a:lnSpc>
+              <a:spcBef>
+                <a:spcPts val="0"/>
+              </a:spcBef>
+              <a:buClr>
+                <a:srgbClr val="E1D2EF"/>
+              </a:buClr>
+              <a:buFont typeface="Wingdings" panose="05000000000000000000" pitchFamily="2" charset="2"/>
+              <a:buChar char="v"/>
+            </a:pPr>
+            <a:r>
+              <a:rPr lang="sr-Latn-RS" sz="2500" dirty="0">
+                <a:solidFill>
+                  <a:schemeClr val="accent2">
+                    <a:lumMod val="20000"/>
+                    <a:lumOff val="80000"/>
+                  </a:schemeClr>
+                </a:solidFill>
+                <a:latin typeface="Posterama" panose="020B0504020200020000" pitchFamily="34" charset="0"/>
+                <a:ea typeface="微软雅黑"/>
+                <a:cs typeface="Posterama" panose="020B0504020200020000" pitchFamily="34" charset="0"/>
+              </a:rPr>
+              <a:t>Učešće replika i topologija mreže</a:t>
+            </a:r>
+            <a:endParaRPr lang="sr-Latn-RS" sz="2500" dirty="0">
+              <a:solidFill>
+                <a:schemeClr val="accent2">
+                  <a:lumMod val="20000"/>
+                  <a:lumOff val="80000"/>
+                </a:schemeClr>
+              </a:solidFill>
+            </a:endParaRPr>
           </a:p>
         </p:txBody>
       </p:sp>
@@ -33497,7 +35043,7 @@
 </file>
 
 <file path=ppt/slides/slide8.xml><?xml version="1.0" encoding="utf-8"?>
-<p:sld xmlns:a="http://schemas.openxmlformats.org/drawingml/2006/main" xmlns:r="http://schemas.openxmlformats.org/officeDocument/2006/relationships" xmlns:p="http://schemas.openxmlformats.org/presentationml/2006/main">
+<p:sld xmlns:a="http://schemas.openxmlformats.org/drawingml/2006/main" xmlns:r="http://schemas.openxmlformats.org/officeDocument/2006/relationships" xmlns:p="http://schemas.openxmlformats.org/presentationml/2006/main" showMasterSp="0">
   <p:cSld>
     <p:spTree>
       <p:nvGrpSpPr>
@@ -33551,189 +35097,35 @@
           </a:p>
         </p:txBody>
       </p:sp>
-      <p:sp>
-        <p:nvSpPr>
-          <p:cNvPr id="15" name="Slide Number Placeholder 13">
+      <p:pic>
+        <p:nvPicPr>
+          <p:cNvPr id="3" name="Picture 2">
             <a:extLst>
               <a:ext uri="{FF2B5EF4-FFF2-40B4-BE49-F238E27FC236}">
-                <a16:creationId xmlns:a16="http://schemas.microsoft.com/office/drawing/2014/main" id="{F783E846-53E9-08B1-C781-088BBC6B5488}"/>
+                <a16:creationId xmlns:a16="http://schemas.microsoft.com/office/drawing/2014/main" id="{68542939-BEB8-D0A8-9F05-4D8FD8135BA0}"/>
               </a:ext>
             </a:extLst>
           </p:cNvPr>
-          <p:cNvSpPr txBox="1">
-            <a:spLocks/>
-          </p:cNvSpPr>
+          <p:cNvPicPr>
+            <a:picLocks noChangeAspect="1"/>
+          </p:cNvPicPr>
           <p:nvPr/>
-        </p:nvSpPr>
+        </p:nvPicPr>
+        <p:blipFill>
+          <a:blip r:embed="rId2"/>
+          <a:srcRect/>
+          <a:stretch/>
+        </p:blipFill>
         <p:spPr>
           <a:xfrm>
-            <a:off x="11194169" y="6215665"/>
-            <a:ext cx="458592" cy="365125"/>
+            <a:off x="1164510" y="506608"/>
+            <a:ext cx="9862980" cy="6351392"/>
           </a:xfrm>
           <a:prstGeom prst="rect">
             <a:avLst/>
           </a:prstGeom>
         </p:spPr>
-        <p:txBody>
-          <a:bodyPr anchor="ctr"/>
-          <a:lstStyle>
-            <a:defPPr>
-              <a:defRPr lang="zh-CN"/>
-            </a:defPPr>
-            <a:lvl1pPr marL="0" algn="ctr" defTabSz="914400" rtl="0" eaLnBrk="1" latinLnBrk="0" hangingPunct="1">
-              <a:defRPr sz="1200" b="0" i="0" kern="1200">
-                <a:solidFill>
-                  <a:schemeClr val="tx1"/>
-                </a:solidFill>
-                <a:latin typeface="Abadi" panose="020B0604020104020204" pitchFamily="34" charset="0"/>
-                <a:ea typeface="+mn-ea"/>
-                <a:cs typeface="+mn-cs"/>
-              </a:defRPr>
-            </a:lvl1pPr>
-            <a:lvl2pPr marL="457200" algn="l" defTabSz="914400" rtl="0" eaLnBrk="1" latinLnBrk="0" hangingPunct="1">
-              <a:defRPr sz="1800" kern="1200">
-                <a:solidFill>
-                  <a:schemeClr val="tx1"/>
-                </a:solidFill>
-                <a:latin typeface="+mn-lt"/>
-                <a:ea typeface="+mn-ea"/>
-                <a:cs typeface="+mn-cs"/>
-              </a:defRPr>
-            </a:lvl2pPr>
-            <a:lvl3pPr marL="914400" algn="l" defTabSz="914400" rtl="0" eaLnBrk="1" latinLnBrk="0" hangingPunct="1">
-              <a:defRPr sz="1800" kern="1200">
-                <a:solidFill>
-                  <a:schemeClr val="tx1"/>
-                </a:solidFill>
-                <a:latin typeface="+mn-lt"/>
-                <a:ea typeface="+mn-ea"/>
-                <a:cs typeface="+mn-cs"/>
-              </a:defRPr>
-            </a:lvl3pPr>
-            <a:lvl4pPr marL="1371600" algn="l" defTabSz="914400" rtl="0" eaLnBrk="1" latinLnBrk="0" hangingPunct="1">
-              <a:defRPr sz="1800" kern="1200">
-                <a:solidFill>
-                  <a:schemeClr val="tx1"/>
-                </a:solidFill>
-                <a:latin typeface="+mn-lt"/>
-                <a:ea typeface="+mn-ea"/>
-                <a:cs typeface="+mn-cs"/>
-              </a:defRPr>
-            </a:lvl4pPr>
-            <a:lvl5pPr marL="1828800" algn="l" defTabSz="914400" rtl="0" eaLnBrk="1" latinLnBrk="0" hangingPunct="1">
-              <a:defRPr sz="1800" kern="1200">
-                <a:solidFill>
-                  <a:schemeClr val="tx1"/>
-                </a:solidFill>
-                <a:latin typeface="+mn-lt"/>
-                <a:ea typeface="+mn-ea"/>
-                <a:cs typeface="+mn-cs"/>
-              </a:defRPr>
-            </a:lvl5pPr>
-            <a:lvl6pPr marL="2286000" algn="l" defTabSz="914400" rtl="0" eaLnBrk="1" latinLnBrk="0" hangingPunct="1">
-              <a:defRPr sz="1800" kern="1200">
-                <a:solidFill>
-                  <a:schemeClr val="tx1"/>
-                </a:solidFill>
-                <a:latin typeface="+mn-lt"/>
-                <a:ea typeface="+mn-ea"/>
-                <a:cs typeface="+mn-cs"/>
-              </a:defRPr>
-            </a:lvl6pPr>
-            <a:lvl7pPr marL="2743200" algn="l" defTabSz="914400" rtl="0" eaLnBrk="1" latinLnBrk="0" hangingPunct="1">
-              <a:defRPr sz="1800" kern="1200">
-                <a:solidFill>
-                  <a:schemeClr val="tx1"/>
-                </a:solidFill>
-                <a:latin typeface="+mn-lt"/>
-                <a:ea typeface="+mn-ea"/>
-                <a:cs typeface="+mn-cs"/>
-              </a:defRPr>
-            </a:lvl7pPr>
-            <a:lvl8pPr marL="3200400" algn="l" defTabSz="914400" rtl="0" eaLnBrk="1" latinLnBrk="0" hangingPunct="1">
-              <a:defRPr sz="1800" kern="1200">
-                <a:solidFill>
-                  <a:schemeClr val="tx1"/>
-                </a:solidFill>
-                <a:latin typeface="+mn-lt"/>
-                <a:ea typeface="+mn-ea"/>
-                <a:cs typeface="+mn-cs"/>
-              </a:defRPr>
-            </a:lvl8pPr>
-            <a:lvl9pPr marL="3657600" algn="l" defTabSz="914400" rtl="0" eaLnBrk="1" latinLnBrk="0" hangingPunct="1">
-              <a:defRPr sz="1800" kern="1200">
-                <a:solidFill>
-                  <a:schemeClr val="tx1"/>
-                </a:solidFill>
-                <a:latin typeface="+mn-lt"/>
-                <a:ea typeface="+mn-ea"/>
-                <a:cs typeface="+mn-cs"/>
-              </a:defRPr>
-            </a:lvl9pPr>
-          </a:lstStyle>
-          <a:p>
-            <a:pPr marL="0" marR="0" lvl="0" indent="0" algn="ctr" defTabSz="914400" rtl="0" eaLnBrk="1" fontAlgn="auto" latinLnBrk="0" hangingPunct="1">
-              <a:lnSpc>
-                <a:spcPct val="100000"/>
-              </a:lnSpc>
-              <a:spcBef>
-                <a:spcPts val="0"/>
-              </a:spcBef>
-              <a:spcAft>
-                <a:spcPts val="0"/>
-              </a:spcAft>
-              <a:buClrTx/>
-              <a:buSzTx/>
-              <a:buFontTx/>
-              <a:buNone/>
-              <a:tabLst/>
-              <a:defRPr/>
-            </a:pPr>
-            <a:fld id="{47FEACEE-25B4-4A2D-B147-27296E36371D}" type="slidenum">
-              <a:rPr kumimoji="0" lang="zh-CN" altLang="en-US" sz="1200" u="none" strike="noStrike" kern="1200" cap="none" spc="0" normalizeH="0" baseline="0" noProof="0" smtClean="0">
-                <a:ln>
-                  <a:noFill/>
-                </a:ln>
-                <a:solidFill>
-                  <a:schemeClr val="bg1"/>
-                </a:solidFill>
-                <a:effectLst/>
-                <a:uLnTx/>
-                <a:uFillTx/>
-              </a:rPr>
-              <a:pPr marL="0" marR="0" lvl="0" indent="0" algn="ctr" defTabSz="914400" rtl="0" eaLnBrk="1" fontAlgn="auto" latinLnBrk="0" hangingPunct="1">
-                <a:lnSpc>
-                  <a:spcPct val="100000"/>
-                </a:lnSpc>
-                <a:spcBef>
-                  <a:spcPts val="0"/>
-                </a:spcBef>
-                <a:spcAft>
-                  <a:spcPts val="0"/>
-                </a:spcAft>
-                <a:buClrTx/>
-                <a:buSzTx/>
-                <a:buFontTx/>
-                <a:buNone/>
-                <a:tabLst/>
-                <a:defRPr/>
-              </a:pPr>
-              <a:t>8</a:t>
-            </a:fld>
-            <a:endParaRPr kumimoji="0" lang="zh-CN" altLang="en-US" sz="1200" u="none" strike="noStrike" kern="1200" cap="none" spc="0" normalizeH="0" baseline="0" noProof="0" dirty="0">
-              <a:ln>
-                <a:noFill/>
-              </a:ln>
-              <a:solidFill>
-                <a:schemeClr val="bg1"/>
-              </a:solidFill>
-              <a:effectLst/>
-              <a:uLnTx/>
-              <a:uFillTx/>
-            </a:endParaRPr>
-          </a:p>
-        </p:txBody>
-      </p:sp>
+      </p:pic>
     </p:spTree>
     <p:extLst>
       <p:ext uri="{BB962C8B-B14F-4D97-AF65-F5344CB8AC3E}">
@@ -34245,7 +35637,7 @@
         <p:spPr>
           <a:xfrm>
             <a:off x="3226815" y="277240"/>
-            <a:ext cx="1230885" cy="654970"/>
+            <a:ext cx="1562001" cy="654970"/>
           </a:xfrm>
         </p:spPr>
         <p:txBody>
@@ -34253,10 +35645,10 @@
           <a:lstStyle/>
           <a:p>
             <a:r>
-              <a:rPr lang="sr-Latn-RS" dirty="0" err="1"/>
+              <a:rPr lang="sr-Latn-RS" sz="5000" dirty="0" err="1"/>
               <a:t>Raft</a:t>
             </a:r>
-            <a:endParaRPr lang="en-US" dirty="0"/>
+            <a:endParaRPr lang="en-US" sz="5000" dirty="0"/>
           </a:p>
         </p:txBody>
       </p:sp>
@@ -34541,6 +35933,936 @@
           </p:spPr>
         </p:pic>
       </p:grpSp>
+      <p:sp>
+        <p:nvSpPr>
+          <p:cNvPr id="3" name="TextBox 2">
+            <a:extLst>
+              <a:ext uri="{FF2B5EF4-FFF2-40B4-BE49-F238E27FC236}">
+                <a16:creationId xmlns:a16="http://schemas.microsoft.com/office/drawing/2014/main" id="{26BABB6A-806C-531C-4FCF-7F83E2CF9AFC}"/>
+              </a:ext>
+            </a:extLst>
+          </p:cNvPr>
+          <p:cNvSpPr txBox="1"/>
+          <p:nvPr/>
+        </p:nvSpPr>
+        <p:spPr>
+          <a:xfrm flipH="1">
+            <a:off x="3397727" y="1491308"/>
+            <a:ext cx="4408896" cy="707886"/>
+          </a:xfrm>
+          <a:prstGeom prst="rect">
+            <a:avLst/>
+          </a:prstGeom>
+        </p:spPr>
+        <p:txBody>
+          <a:bodyPr wrap="square" rtlCol="0">
+            <a:spAutoFit/>
+          </a:bodyPr>
+          <a:lstStyle/>
+          <a:p>
+            <a:pPr marL="0" indent="0" algn="ctr">
+              <a:lnSpc>
+                <a:spcPct val="100000"/>
+              </a:lnSpc>
+              <a:spcBef>
+                <a:spcPts val="0"/>
+              </a:spcBef>
+              <a:buFontTx/>
+              <a:buNone/>
+            </a:pPr>
+            <a:r>
+              <a:rPr lang="sr-Latn-RS" sz="2000" b="1" dirty="0" err="1">
+                <a:solidFill>
+                  <a:prstClr val="white"/>
+                </a:solidFill>
+                <a:effectLst>
+                  <a:outerShdw blurRad="38100" dist="38100" dir="2700000" algn="tl">
+                    <a:srgbClr val="000000">
+                      <a:alpha val="43137"/>
+                    </a:srgbClr>
+                  </a:outerShdw>
+                </a:effectLst>
+                <a:latin typeface="Posterama" panose="020B0504020200020000" pitchFamily="34" charset="0"/>
+                <a:ea typeface="微软雅黑"/>
+                <a:cs typeface="Posterama" panose="020B0504020200020000" pitchFamily="34" charset="0"/>
+              </a:rPr>
+              <a:t>Replicated</a:t>
+            </a:r>
+            <a:r>
+              <a:rPr lang="sr-Latn-RS" sz="2000" b="1" dirty="0">
+                <a:solidFill>
+                  <a:prstClr val="white"/>
+                </a:solidFill>
+                <a:effectLst>
+                  <a:outerShdw blurRad="38100" dist="38100" dir="2700000" algn="tl">
+                    <a:srgbClr val="000000">
+                      <a:alpha val="43137"/>
+                    </a:srgbClr>
+                  </a:outerShdw>
+                </a:effectLst>
+                <a:latin typeface="Posterama" panose="020B0504020200020000" pitchFamily="34" charset="0"/>
+                <a:ea typeface="微软雅黑"/>
+                <a:cs typeface="Posterama" panose="020B0504020200020000" pitchFamily="34" charset="0"/>
+              </a:rPr>
+              <a:t> </a:t>
+            </a:r>
+            <a:r>
+              <a:rPr lang="sr-Latn-RS" sz="2000" b="1" dirty="0" err="1">
+                <a:solidFill>
+                  <a:prstClr val="white"/>
+                </a:solidFill>
+                <a:effectLst>
+                  <a:outerShdw blurRad="38100" dist="38100" dir="2700000" algn="tl">
+                    <a:srgbClr val="000000">
+                      <a:alpha val="43137"/>
+                    </a:srgbClr>
+                  </a:outerShdw>
+                </a:effectLst>
+                <a:latin typeface="Posterama" panose="020B0504020200020000" pitchFamily="34" charset="0"/>
+                <a:ea typeface="微软雅黑"/>
+                <a:cs typeface="Posterama" panose="020B0504020200020000" pitchFamily="34" charset="0"/>
+              </a:rPr>
+              <a:t>and</a:t>
+            </a:r>
+            <a:r>
+              <a:rPr lang="sr-Latn-RS" sz="2000" b="1" dirty="0">
+                <a:solidFill>
+                  <a:prstClr val="white"/>
+                </a:solidFill>
+                <a:effectLst>
+                  <a:outerShdw blurRad="38100" dist="38100" dir="2700000" algn="tl">
+                    <a:srgbClr val="000000">
+                      <a:alpha val="43137"/>
+                    </a:srgbClr>
+                  </a:outerShdw>
+                </a:effectLst>
+                <a:latin typeface="Posterama" panose="020B0504020200020000" pitchFamily="34" charset="0"/>
+                <a:ea typeface="微软雅黑"/>
+                <a:cs typeface="Posterama" panose="020B0504020200020000" pitchFamily="34" charset="0"/>
+              </a:rPr>
+              <a:t> </a:t>
+            </a:r>
+            <a:r>
+              <a:rPr lang="sr-Latn-RS" sz="2000" b="1" dirty="0" err="1">
+                <a:solidFill>
+                  <a:prstClr val="white"/>
+                </a:solidFill>
+                <a:effectLst>
+                  <a:outerShdw blurRad="38100" dist="38100" dir="2700000" algn="tl">
+                    <a:srgbClr val="000000">
+                      <a:alpha val="43137"/>
+                    </a:srgbClr>
+                  </a:outerShdw>
+                </a:effectLst>
+                <a:latin typeface="Posterama" panose="020B0504020200020000" pitchFamily="34" charset="0"/>
+                <a:ea typeface="微软雅黑"/>
+                <a:cs typeface="Posterama" panose="020B0504020200020000" pitchFamily="34" charset="0"/>
+              </a:rPr>
+              <a:t>fault</a:t>
+            </a:r>
+            <a:r>
+              <a:rPr lang="sr-Latn-RS" sz="2000" b="1" dirty="0">
+                <a:solidFill>
+                  <a:prstClr val="white"/>
+                </a:solidFill>
+                <a:effectLst>
+                  <a:outerShdw blurRad="38100" dist="38100" dir="2700000" algn="tl">
+                    <a:srgbClr val="000000">
+                      <a:alpha val="43137"/>
+                    </a:srgbClr>
+                  </a:outerShdw>
+                </a:effectLst>
+                <a:latin typeface="Posterama" panose="020B0504020200020000" pitchFamily="34" charset="0"/>
+                <a:ea typeface="微软雅黑"/>
+                <a:cs typeface="Posterama" panose="020B0504020200020000" pitchFamily="34" charset="0"/>
+              </a:rPr>
+              <a:t> </a:t>
+            </a:r>
+            <a:r>
+              <a:rPr lang="sr-Latn-RS" sz="2000" b="1" dirty="0" err="1">
+                <a:solidFill>
+                  <a:prstClr val="white"/>
+                </a:solidFill>
+                <a:effectLst>
+                  <a:outerShdw blurRad="38100" dist="38100" dir="2700000" algn="tl">
+                    <a:srgbClr val="000000">
+                      <a:alpha val="43137"/>
+                    </a:srgbClr>
+                  </a:outerShdw>
+                </a:effectLst>
+                <a:latin typeface="Posterama" panose="020B0504020200020000" pitchFamily="34" charset="0"/>
+                <a:ea typeface="微软雅黑"/>
+                <a:cs typeface="Posterama" panose="020B0504020200020000" pitchFamily="34" charset="0"/>
+              </a:rPr>
+              <a:t>tolerant</a:t>
+            </a:r>
+            <a:r>
+              <a:rPr lang="sr-Latn-RS" sz="2000" b="1" dirty="0">
+                <a:solidFill>
+                  <a:prstClr val="white"/>
+                </a:solidFill>
+                <a:effectLst>
+                  <a:outerShdw blurRad="38100" dist="38100" dir="2700000" algn="tl">
+                    <a:srgbClr val="000000">
+                      <a:alpha val="43137"/>
+                    </a:srgbClr>
+                  </a:outerShdw>
+                </a:effectLst>
+                <a:latin typeface="Posterama" panose="020B0504020200020000" pitchFamily="34" charset="0"/>
+                <a:ea typeface="微软雅黑"/>
+                <a:cs typeface="Posterama" panose="020B0504020200020000" pitchFamily="34" charset="0"/>
+              </a:rPr>
+              <a:t> </a:t>
+            </a:r>
+          </a:p>
+          <a:p>
+            <a:pPr marL="0" indent="0" algn="ctr">
+              <a:lnSpc>
+                <a:spcPct val="100000"/>
+              </a:lnSpc>
+              <a:spcBef>
+                <a:spcPts val="0"/>
+              </a:spcBef>
+              <a:buFontTx/>
+              <a:buNone/>
+            </a:pPr>
+            <a:r>
+              <a:rPr lang="sr-Latn-RS" sz="2000" b="1" dirty="0">
+                <a:solidFill>
+                  <a:prstClr val="white"/>
+                </a:solidFill>
+                <a:effectLst>
+                  <a:outerShdw blurRad="38100" dist="38100" dir="2700000" algn="tl">
+                    <a:srgbClr val="000000">
+                      <a:alpha val="43137"/>
+                    </a:srgbClr>
+                  </a:outerShdw>
+                </a:effectLst>
+                <a:latin typeface="Posterama" panose="020B0504020200020000" pitchFamily="34" charset="0"/>
+                <a:ea typeface="微软雅黑"/>
+                <a:cs typeface="Posterama" panose="020B0504020200020000" pitchFamily="34" charset="0"/>
+              </a:rPr>
+              <a:t>(Repliciran i otporan na defekte)</a:t>
+            </a:r>
+            <a:endParaRPr lang="sr-Latn-RS" sz="1800" b="1" dirty="0">
+              <a:solidFill>
+                <a:prstClr val="white"/>
+              </a:solidFill>
+              <a:effectLst>
+                <a:outerShdw blurRad="38100" dist="38100" dir="2700000" algn="tl">
+                  <a:srgbClr val="000000">
+                    <a:alpha val="43137"/>
+                  </a:srgbClr>
+                </a:outerShdw>
+              </a:effectLst>
+              <a:latin typeface="Posterama" panose="020B0504020200020000" pitchFamily="34" charset="0"/>
+              <a:ea typeface="微软雅黑"/>
+              <a:cs typeface="Posterama" panose="020B0504020200020000" pitchFamily="34" charset="0"/>
+            </a:endParaRPr>
+          </a:p>
+        </p:txBody>
+      </p:sp>
+      <p:sp>
+        <p:nvSpPr>
+          <p:cNvPr id="4" name="TextBox 3">
+            <a:extLst>
+              <a:ext uri="{FF2B5EF4-FFF2-40B4-BE49-F238E27FC236}">
+                <a16:creationId xmlns:a16="http://schemas.microsoft.com/office/drawing/2014/main" id="{1DF94702-B6EE-1A71-55F7-F8D6D28C25EA}"/>
+              </a:ext>
+            </a:extLst>
+          </p:cNvPr>
+          <p:cNvSpPr txBox="1"/>
+          <p:nvPr/>
+        </p:nvSpPr>
+        <p:spPr>
+          <a:xfrm flipH="1">
+            <a:off x="5545105" y="4487793"/>
+            <a:ext cx="6646895" cy="400110"/>
+          </a:xfrm>
+          <a:prstGeom prst="rect">
+            <a:avLst/>
+          </a:prstGeom>
+        </p:spPr>
+        <p:txBody>
+          <a:bodyPr wrap="square" rtlCol="0">
+            <a:spAutoFit/>
+          </a:bodyPr>
+          <a:lstStyle/>
+          <a:p>
+            <a:pPr marL="0" indent="0" algn="ctr">
+              <a:lnSpc>
+                <a:spcPct val="100000"/>
+              </a:lnSpc>
+              <a:spcBef>
+                <a:spcPts val="0"/>
+              </a:spcBef>
+              <a:buFontTx/>
+              <a:buNone/>
+            </a:pPr>
+            <a:r>
+              <a:rPr lang="sr-Latn-RS" sz="2000" b="1" dirty="0">
+                <a:solidFill>
+                  <a:prstClr val="white"/>
+                </a:solidFill>
+                <a:effectLst>
+                  <a:outerShdw blurRad="38100" dist="38100" dir="2700000" algn="tl">
+                    <a:srgbClr val="000000">
+                      <a:alpha val="43137"/>
+                    </a:srgbClr>
+                  </a:outerShdw>
+                </a:effectLst>
+                <a:latin typeface="Posterama" panose="020B0504020200020000" pitchFamily="34" charset="0"/>
+                <a:ea typeface="微软雅黑"/>
+                <a:cs typeface="Posterama" panose="020B0504020200020000" pitchFamily="34" charset="0"/>
+              </a:rPr>
+              <a:t>Održavanje stanja automata konzistentnim</a:t>
+            </a:r>
+          </a:p>
+        </p:txBody>
+      </p:sp>
+      <p:sp>
+        <p:nvSpPr>
+          <p:cNvPr id="5" name="TextBox 4">
+            <a:extLst>
+              <a:ext uri="{FF2B5EF4-FFF2-40B4-BE49-F238E27FC236}">
+                <a16:creationId xmlns:a16="http://schemas.microsoft.com/office/drawing/2014/main" id="{591EC29F-C3E2-49F5-38D7-F7FA86B7617E}"/>
+              </a:ext>
+            </a:extLst>
+          </p:cNvPr>
+          <p:cNvSpPr txBox="1"/>
+          <p:nvPr/>
+        </p:nvSpPr>
+        <p:spPr>
+          <a:xfrm flipH="1">
+            <a:off x="2482488" y="3060491"/>
+            <a:ext cx="4631311" cy="954107"/>
+          </a:xfrm>
+          <a:prstGeom prst="rect">
+            <a:avLst/>
+          </a:prstGeom>
+        </p:spPr>
+        <p:txBody>
+          <a:bodyPr wrap="square" rtlCol="0">
+            <a:spAutoFit/>
+          </a:bodyPr>
+          <a:lstStyle/>
+          <a:p>
+            <a:pPr marL="0" indent="0" algn="ctr">
+              <a:lnSpc>
+                <a:spcPct val="100000"/>
+              </a:lnSpc>
+              <a:spcBef>
+                <a:spcPts val="0"/>
+              </a:spcBef>
+              <a:buFontTx/>
+              <a:buNone/>
+            </a:pPr>
+            <a:r>
+              <a:rPr lang="sr-Latn-RS" sz="2000" b="1" dirty="0">
+                <a:solidFill>
+                  <a:prstClr val="white"/>
+                </a:solidFill>
+                <a:effectLst>
+                  <a:outerShdw blurRad="38100" dist="38100" dir="2700000" algn="tl">
+                    <a:srgbClr val="000000">
+                      <a:alpha val="43137"/>
+                    </a:srgbClr>
+                  </a:outerShdw>
+                </a:effectLst>
+                <a:latin typeface="Posterama" panose="020B0504020200020000" pitchFamily="34" charset="0"/>
+                <a:ea typeface="微软雅黑"/>
+                <a:cs typeface="Posterama" panose="020B0504020200020000" pitchFamily="34" charset="0"/>
+              </a:rPr>
+              <a:t>Dnevnik evidentiranih događaja</a:t>
+            </a:r>
+          </a:p>
+          <a:p>
+            <a:pPr marL="285750" indent="-285750">
+              <a:lnSpc>
+                <a:spcPct val="100000"/>
+              </a:lnSpc>
+              <a:spcBef>
+                <a:spcPts val="0"/>
+              </a:spcBef>
+              <a:buFont typeface="Arial" panose="020B0604020202020204" pitchFamily="34" charset="0"/>
+              <a:buChar char="•"/>
+            </a:pPr>
+            <a:r>
+              <a:rPr lang="sr-Latn-RS" dirty="0">
+                <a:solidFill>
+                  <a:prstClr val="white"/>
+                </a:solidFill>
+                <a:latin typeface="Posterama" panose="020B0504020200020000" pitchFamily="34" charset="0"/>
+                <a:ea typeface="微软雅黑"/>
+                <a:cs typeface="Posterama" panose="020B0504020200020000" pitchFamily="34" charset="0"/>
+              </a:rPr>
+              <a:t>Rekonstrukcija stanja</a:t>
+            </a:r>
+          </a:p>
+          <a:p>
+            <a:pPr marL="285750" indent="-285750">
+              <a:lnSpc>
+                <a:spcPct val="100000"/>
+              </a:lnSpc>
+              <a:spcBef>
+                <a:spcPts val="0"/>
+              </a:spcBef>
+              <a:buFont typeface="Arial" panose="020B0604020202020204" pitchFamily="34" charset="0"/>
+              <a:buChar char="•"/>
+            </a:pPr>
+            <a:r>
+              <a:rPr lang="sr-Latn-RS" dirty="0">
+                <a:solidFill>
+                  <a:prstClr val="white"/>
+                </a:solidFill>
+                <a:latin typeface="Posterama" panose="020B0504020200020000" pitchFamily="34" charset="0"/>
+                <a:ea typeface="微软雅黑"/>
+                <a:cs typeface="Posterama" panose="020B0504020200020000" pitchFamily="34" charset="0"/>
+              </a:rPr>
+              <a:t>Kompresija u permanentnom skladištu</a:t>
+            </a:r>
+          </a:p>
+        </p:txBody>
+      </p:sp>
+      <p:sp>
+        <p:nvSpPr>
+          <p:cNvPr id="6" name="TextBox 5">
+            <a:extLst>
+              <a:ext uri="{FF2B5EF4-FFF2-40B4-BE49-F238E27FC236}">
+                <a16:creationId xmlns:a16="http://schemas.microsoft.com/office/drawing/2014/main" id="{CF41D875-0E7E-3D1D-20C2-18F6D4B86FFD}"/>
+              </a:ext>
+            </a:extLst>
+          </p:cNvPr>
+          <p:cNvSpPr txBox="1"/>
+          <p:nvPr/>
+        </p:nvSpPr>
+        <p:spPr>
+          <a:xfrm flipH="1">
+            <a:off x="8314982" y="2767512"/>
+            <a:ext cx="2789059" cy="954107"/>
+          </a:xfrm>
+          <a:prstGeom prst="rect">
+            <a:avLst/>
+          </a:prstGeom>
+        </p:spPr>
+        <p:txBody>
+          <a:bodyPr wrap="square" rtlCol="0">
+            <a:spAutoFit/>
+          </a:bodyPr>
+          <a:lstStyle/>
+          <a:p>
+            <a:pPr marL="0" indent="0" algn="ctr">
+              <a:lnSpc>
+                <a:spcPct val="100000"/>
+              </a:lnSpc>
+              <a:spcBef>
+                <a:spcPts val="0"/>
+              </a:spcBef>
+              <a:buFontTx/>
+              <a:buNone/>
+            </a:pPr>
+            <a:r>
+              <a:rPr lang="sr-Latn-RS" sz="2000" b="1" dirty="0">
+                <a:solidFill>
+                  <a:prstClr val="white"/>
+                </a:solidFill>
+                <a:effectLst>
+                  <a:outerShdw blurRad="38100" dist="38100" dir="2700000" algn="tl">
+                    <a:srgbClr val="000000">
+                      <a:alpha val="43137"/>
+                    </a:srgbClr>
+                  </a:outerShdw>
+                </a:effectLst>
+                <a:latin typeface="Posterama" panose="020B0504020200020000" pitchFamily="34" charset="0"/>
+                <a:ea typeface="微软雅黑"/>
+                <a:cs typeface="Posterama" panose="020B0504020200020000" pitchFamily="34" charset="0"/>
+              </a:rPr>
+              <a:t>RPC</a:t>
+            </a:r>
+          </a:p>
+          <a:p>
+            <a:pPr marL="285750" indent="-285750">
+              <a:lnSpc>
+                <a:spcPct val="100000"/>
+              </a:lnSpc>
+              <a:spcBef>
+                <a:spcPts val="0"/>
+              </a:spcBef>
+              <a:buFont typeface="Arial" panose="020B0604020202020204" pitchFamily="34" charset="0"/>
+              <a:buChar char="•"/>
+            </a:pPr>
+            <a:r>
+              <a:rPr lang="sr-Latn-RS" dirty="0" err="1">
+                <a:solidFill>
+                  <a:prstClr val="white"/>
+                </a:solidFill>
+                <a:latin typeface="Posterama" panose="020B0504020200020000" pitchFamily="34" charset="0"/>
+                <a:ea typeface="微软雅黑"/>
+                <a:cs typeface="Posterama" panose="020B0504020200020000" pitchFamily="34" charset="0"/>
+              </a:rPr>
+              <a:t>AppendEntries</a:t>
+            </a:r>
+            <a:r>
+              <a:rPr lang="sr-Latn-RS" dirty="0">
+                <a:solidFill>
+                  <a:prstClr val="white"/>
+                </a:solidFill>
+                <a:latin typeface="Posterama" panose="020B0504020200020000" pitchFamily="34" charset="0"/>
+                <a:ea typeface="微软雅黑"/>
+                <a:cs typeface="Posterama" panose="020B0504020200020000" pitchFamily="34" charset="0"/>
+              </a:rPr>
+              <a:t>(</a:t>
+            </a:r>
+            <a:r>
+              <a:rPr lang="sr-Latn-RS" dirty="0" err="1">
+                <a:solidFill>
+                  <a:prstClr val="white"/>
+                </a:solidFill>
+                <a:latin typeface="Posterama" panose="020B0504020200020000" pitchFamily="34" charset="0"/>
+                <a:ea typeface="微软雅黑"/>
+                <a:cs typeface="Posterama" panose="020B0504020200020000" pitchFamily="34" charset="0"/>
+              </a:rPr>
+              <a:t>args</a:t>
+            </a:r>
+            <a:r>
+              <a:rPr lang="sr-Latn-RS" dirty="0">
+                <a:solidFill>
+                  <a:prstClr val="white"/>
+                </a:solidFill>
+                <a:latin typeface="Posterama" panose="020B0504020200020000" pitchFamily="34" charset="0"/>
+                <a:ea typeface="微软雅黑"/>
+                <a:cs typeface="Posterama" panose="020B0504020200020000" pitchFamily="34" charset="0"/>
+              </a:rPr>
+              <a:t>)</a:t>
+            </a:r>
+          </a:p>
+          <a:p>
+            <a:pPr marL="285750" indent="-285750">
+              <a:lnSpc>
+                <a:spcPct val="100000"/>
+              </a:lnSpc>
+              <a:spcBef>
+                <a:spcPts val="0"/>
+              </a:spcBef>
+              <a:buFont typeface="Arial" panose="020B0604020202020204" pitchFamily="34" charset="0"/>
+              <a:buChar char="•"/>
+            </a:pPr>
+            <a:r>
+              <a:rPr lang="sr-Latn-RS" sz="1800" dirty="0" err="1">
+                <a:solidFill>
+                  <a:prstClr val="white"/>
+                </a:solidFill>
+                <a:latin typeface="Posterama" panose="020B0504020200020000" pitchFamily="34" charset="0"/>
+                <a:ea typeface="微软雅黑"/>
+                <a:cs typeface="Posterama" panose="020B0504020200020000" pitchFamily="34" charset="0"/>
+              </a:rPr>
+              <a:t>Re</a:t>
+            </a:r>
+            <a:r>
+              <a:rPr lang="sr-Latn-RS" dirty="0" err="1">
+                <a:solidFill>
+                  <a:prstClr val="white"/>
+                </a:solidFill>
+                <a:latin typeface="Posterama" panose="020B0504020200020000" pitchFamily="34" charset="0"/>
+                <a:ea typeface="微软雅黑"/>
+                <a:cs typeface="Posterama" panose="020B0504020200020000" pitchFamily="34" charset="0"/>
+              </a:rPr>
+              <a:t>questVote</a:t>
+            </a:r>
+            <a:r>
+              <a:rPr lang="sr-Latn-RS" dirty="0">
+                <a:solidFill>
+                  <a:prstClr val="white"/>
+                </a:solidFill>
+                <a:latin typeface="Posterama" panose="020B0504020200020000" pitchFamily="34" charset="0"/>
+                <a:ea typeface="微软雅黑"/>
+                <a:cs typeface="Posterama" panose="020B0504020200020000" pitchFamily="34" charset="0"/>
+              </a:rPr>
+              <a:t>(</a:t>
+            </a:r>
+            <a:r>
+              <a:rPr lang="sr-Latn-RS" dirty="0" err="1">
+                <a:solidFill>
+                  <a:prstClr val="white"/>
+                </a:solidFill>
+                <a:latin typeface="Posterama" panose="020B0504020200020000" pitchFamily="34" charset="0"/>
+                <a:ea typeface="微软雅黑"/>
+                <a:cs typeface="Posterama" panose="020B0504020200020000" pitchFamily="34" charset="0"/>
+              </a:rPr>
+              <a:t>args</a:t>
+            </a:r>
+            <a:r>
+              <a:rPr lang="sr-Latn-RS" dirty="0">
+                <a:solidFill>
+                  <a:prstClr val="white"/>
+                </a:solidFill>
+                <a:latin typeface="Posterama" panose="020B0504020200020000" pitchFamily="34" charset="0"/>
+                <a:ea typeface="微软雅黑"/>
+                <a:cs typeface="Posterama" panose="020B0504020200020000" pitchFamily="34" charset="0"/>
+              </a:rPr>
+              <a:t>)</a:t>
+            </a:r>
+            <a:endParaRPr lang="sr-Latn-RS" sz="1800" dirty="0">
+              <a:solidFill>
+                <a:prstClr val="white"/>
+              </a:solidFill>
+              <a:latin typeface="Posterama" panose="020B0504020200020000" pitchFamily="34" charset="0"/>
+              <a:ea typeface="微软雅黑"/>
+              <a:cs typeface="Posterama" panose="020B0504020200020000" pitchFamily="34" charset="0"/>
+            </a:endParaRPr>
+          </a:p>
+        </p:txBody>
+      </p:sp>
+      <p:sp>
+        <p:nvSpPr>
+          <p:cNvPr id="9" name="TextBox 8">
+            <a:extLst>
+              <a:ext uri="{FF2B5EF4-FFF2-40B4-BE49-F238E27FC236}">
+                <a16:creationId xmlns:a16="http://schemas.microsoft.com/office/drawing/2014/main" id="{92F7FBA5-B4B3-1670-559F-24CC6DF73468}"/>
+              </a:ext>
+            </a:extLst>
+          </p:cNvPr>
+          <p:cNvSpPr txBox="1"/>
+          <p:nvPr/>
+        </p:nvSpPr>
+        <p:spPr>
+          <a:xfrm flipH="1">
+            <a:off x="8706699" y="1135241"/>
+            <a:ext cx="2912949" cy="954107"/>
+          </a:xfrm>
+          <a:prstGeom prst="rect">
+            <a:avLst/>
+          </a:prstGeom>
+        </p:spPr>
+        <p:txBody>
+          <a:bodyPr wrap="square" rtlCol="0">
+            <a:spAutoFit/>
+          </a:bodyPr>
+          <a:lstStyle/>
+          <a:p>
+            <a:pPr marL="0" indent="0" algn="ctr">
+              <a:lnSpc>
+                <a:spcPct val="100000"/>
+              </a:lnSpc>
+              <a:spcBef>
+                <a:spcPts val="0"/>
+              </a:spcBef>
+              <a:buFontTx/>
+              <a:buNone/>
+            </a:pPr>
+            <a:r>
+              <a:rPr lang="sr-Latn-RS" sz="2000" b="1" dirty="0">
+                <a:solidFill>
+                  <a:prstClr val="white"/>
+                </a:solidFill>
+                <a:effectLst>
+                  <a:outerShdw blurRad="38100" dist="38100" dir="2700000" algn="tl">
+                    <a:srgbClr val="000000">
+                      <a:alpha val="43137"/>
+                    </a:srgbClr>
+                  </a:outerShdw>
+                </a:effectLst>
+                <a:latin typeface="Posterama" panose="020B0504020200020000" pitchFamily="34" charset="0"/>
+                <a:ea typeface="微软雅黑"/>
+                <a:cs typeface="Posterama" panose="020B0504020200020000" pitchFamily="34" charset="0"/>
+              </a:rPr>
+              <a:t>Faze algoritma</a:t>
+            </a:r>
+          </a:p>
+          <a:p>
+            <a:pPr marL="285750" indent="-285750">
+              <a:lnSpc>
+                <a:spcPct val="100000"/>
+              </a:lnSpc>
+              <a:spcBef>
+                <a:spcPts val="0"/>
+              </a:spcBef>
+              <a:buFont typeface="Arial" panose="020B0604020202020204" pitchFamily="34" charset="0"/>
+              <a:buChar char="•"/>
+            </a:pPr>
+            <a:r>
+              <a:rPr lang="sr-Latn-RS" dirty="0">
+                <a:solidFill>
+                  <a:prstClr val="white"/>
+                </a:solidFill>
+                <a:latin typeface="Posterama" panose="020B0504020200020000" pitchFamily="34" charset="0"/>
+                <a:ea typeface="微软雅黑"/>
+                <a:cs typeface="Posterama" panose="020B0504020200020000" pitchFamily="34" charset="0"/>
+              </a:rPr>
+              <a:t>Izbor lidera</a:t>
+            </a:r>
+          </a:p>
+          <a:p>
+            <a:pPr marL="285750" indent="-285750">
+              <a:lnSpc>
+                <a:spcPct val="100000"/>
+              </a:lnSpc>
+              <a:spcBef>
+                <a:spcPts val="0"/>
+              </a:spcBef>
+              <a:buFont typeface="Arial" panose="020B0604020202020204" pitchFamily="34" charset="0"/>
+              <a:buChar char="•"/>
+            </a:pPr>
+            <a:r>
+              <a:rPr lang="sr-Latn-RS" dirty="0" err="1">
+                <a:solidFill>
+                  <a:prstClr val="white"/>
+                </a:solidFill>
+                <a:latin typeface="Posterama" panose="020B0504020200020000" pitchFamily="34" charset="0"/>
+                <a:ea typeface="微软雅黑"/>
+                <a:cs typeface="Posterama" panose="020B0504020200020000" pitchFamily="34" charset="0"/>
+              </a:rPr>
+              <a:t>Replikacija</a:t>
+            </a:r>
+            <a:r>
+              <a:rPr lang="sr-Latn-RS" dirty="0">
+                <a:solidFill>
+                  <a:prstClr val="white"/>
+                </a:solidFill>
+                <a:latin typeface="Posterama" panose="020B0504020200020000" pitchFamily="34" charset="0"/>
+                <a:ea typeface="微软雅黑"/>
+                <a:cs typeface="Posterama" panose="020B0504020200020000" pitchFamily="34" charset="0"/>
+              </a:rPr>
+              <a:t> dnevnika</a:t>
+            </a:r>
+            <a:endParaRPr lang="sr-Latn-RS" sz="1800" dirty="0">
+              <a:solidFill>
+                <a:prstClr val="white"/>
+              </a:solidFill>
+              <a:latin typeface="Posterama" panose="020B0504020200020000" pitchFamily="34" charset="0"/>
+              <a:ea typeface="微软雅黑"/>
+              <a:cs typeface="Posterama" panose="020B0504020200020000" pitchFamily="34" charset="0"/>
+            </a:endParaRPr>
+          </a:p>
+        </p:txBody>
+      </p:sp>
+      <p:sp>
+        <p:nvSpPr>
+          <p:cNvPr id="11" name="TextBox 10">
+            <a:extLst>
+              <a:ext uri="{FF2B5EF4-FFF2-40B4-BE49-F238E27FC236}">
+                <a16:creationId xmlns:a16="http://schemas.microsoft.com/office/drawing/2014/main" id="{225859E7-DBF1-2D8D-0599-6EED83B8E159}"/>
+              </a:ext>
+            </a:extLst>
+          </p:cNvPr>
+          <p:cNvSpPr txBox="1"/>
+          <p:nvPr/>
+        </p:nvSpPr>
+        <p:spPr>
+          <a:xfrm>
+            <a:off x="259810" y="4613826"/>
+            <a:ext cx="8897308" cy="2062103"/>
+          </a:xfrm>
+          <a:prstGeom prst="rect">
+            <a:avLst/>
+          </a:prstGeom>
+        </p:spPr>
+        <p:txBody>
+          <a:bodyPr wrap="square" rtlCol="0">
+            <a:spAutoFit/>
+          </a:bodyPr>
+          <a:lstStyle/>
+          <a:p>
+            <a:pPr>
+              <a:lnSpc>
+                <a:spcPct val="100000"/>
+              </a:lnSpc>
+              <a:spcBef>
+                <a:spcPts val="0"/>
+              </a:spcBef>
+            </a:pPr>
+            <a:r>
+              <a:rPr lang="sr-Latn-RS" sz="2000" b="1" dirty="0">
+                <a:solidFill>
+                  <a:schemeClr val="bg1"/>
+                </a:solidFill>
+                <a:effectLst>
+                  <a:outerShdw blurRad="38100" dist="38100" dir="2700000" algn="tl">
+                    <a:srgbClr val="000000">
+                      <a:alpha val="43137"/>
+                    </a:srgbClr>
+                  </a:outerShdw>
+                </a:effectLst>
+                <a:latin typeface="Posterama" panose="020B0504020200020000" pitchFamily="34" charset="0"/>
+                <a:cs typeface="Posterama" panose="020B0504020200020000" pitchFamily="34" charset="0"/>
+              </a:rPr>
+              <a:t>Ograničenja</a:t>
+            </a:r>
+          </a:p>
+          <a:p>
+            <a:pPr marL="285750" indent="-285750">
+              <a:lnSpc>
+                <a:spcPct val="100000"/>
+              </a:lnSpc>
+              <a:spcBef>
+                <a:spcPts val="0"/>
+              </a:spcBef>
+              <a:buFont typeface="Arial" panose="020B0604020202020204" pitchFamily="34" charset="0"/>
+              <a:buChar char="•"/>
+            </a:pPr>
+            <a:r>
+              <a:rPr lang="sr-Latn-RS" dirty="0">
+                <a:solidFill>
+                  <a:schemeClr val="bg1"/>
+                </a:solidFill>
+                <a:latin typeface="Posterama" panose="020B0504020200020000" pitchFamily="34" charset="0"/>
+                <a:cs typeface="Posterama" panose="020B0504020200020000" pitchFamily="34" charset="0"/>
+              </a:rPr>
+              <a:t>Nema grešaka vizantijskog tipa.</a:t>
+            </a:r>
+          </a:p>
+          <a:p>
+            <a:pPr marL="285750" indent="-285750">
+              <a:lnSpc>
+                <a:spcPct val="100000"/>
+              </a:lnSpc>
+              <a:spcBef>
+                <a:spcPts val="0"/>
+              </a:spcBef>
+              <a:buFont typeface="Arial" panose="020B0604020202020204" pitchFamily="34" charset="0"/>
+              <a:buChar char="•"/>
+            </a:pPr>
+            <a:r>
+              <a:rPr lang="sr-Latn-RS" dirty="0">
+                <a:solidFill>
+                  <a:schemeClr val="bg1"/>
+                </a:solidFill>
+                <a:latin typeface="Posterama" panose="020B0504020200020000" pitchFamily="34" charset="0"/>
+                <a:cs typeface="Posterama" panose="020B0504020200020000" pitchFamily="34" charset="0"/>
+              </a:rPr>
+              <a:t>Nepouzdana mrežna komunikacija.</a:t>
+            </a:r>
+          </a:p>
+          <a:p>
+            <a:pPr marL="285750" indent="-285750">
+              <a:lnSpc>
+                <a:spcPct val="100000"/>
+              </a:lnSpc>
+              <a:spcBef>
+                <a:spcPts val="0"/>
+              </a:spcBef>
+              <a:buFont typeface="Arial" panose="020B0604020202020204" pitchFamily="34" charset="0"/>
+              <a:buChar char="•"/>
+            </a:pPr>
+            <a:r>
+              <a:rPr lang="sr-Latn-RS" dirty="0">
+                <a:solidFill>
+                  <a:schemeClr val="bg1"/>
+                </a:solidFill>
+                <a:latin typeface="Posterama" panose="020B0504020200020000" pitchFamily="34" charset="0"/>
+                <a:cs typeface="Posterama" panose="020B0504020200020000" pitchFamily="34" charset="0"/>
+              </a:rPr>
+              <a:t>Asinhrona komunikacija i procesori.</a:t>
+            </a:r>
+          </a:p>
+          <a:p>
+            <a:pPr marL="285750" indent="-285750">
+              <a:lnSpc>
+                <a:spcPct val="100000"/>
+              </a:lnSpc>
+              <a:spcBef>
+                <a:spcPts val="0"/>
+              </a:spcBef>
+              <a:buFont typeface="Arial" panose="020B0604020202020204" pitchFamily="34" charset="0"/>
+              <a:buChar char="•"/>
+            </a:pPr>
+            <a:r>
+              <a:rPr lang="sr-Latn-RS" dirty="0" err="1">
+                <a:solidFill>
+                  <a:schemeClr val="bg1"/>
+                </a:solidFill>
+                <a:latin typeface="Posterama" panose="020B0504020200020000" pitchFamily="34" charset="0"/>
+                <a:cs typeface="Posterama" panose="020B0504020200020000" pitchFamily="34" charset="0"/>
+              </a:rPr>
+              <a:t>Deterministički</a:t>
+            </a:r>
+            <a:r>
+              <a:rPr lang="sr-Latn-RS" dirty="0">
+                <a:solidFill>
+                  <a:schemeClr val="bg1"/>
+                </a:solidFill>
+                <a:latin typeface="Posterama" panose="020B0504020200020000" pitchFamily="34" charset="0"/>
+                <a:cs typeface="Posterama" panose="020B0504020200020000" pitchFamily="34" charset="0"/>
+              </a:rPr>
+              <a:t> automat na svakom čvoru koji počinje u istom početnom stanju.</a:t>
+            </a:r>
+          </a:p>
+          <a:p>
+            <a:pPr marL="285750" indent="-285750">
+              <a:lnSpc>
+                <a:spcPct val="100000"/>
+              </a:lnSpc>
+              <a:spcBef>
+                <a:spcPts val="0"/>
+              </a:spcBef>
+              <a:buFont typeface="Arial" panose="020B0604020202020204" pitchFamily="34" charset="0"/>
+              <a:buChar char="•"/>
+            </a:pPr>
+            <a:r>
+              <a:rPr lang="sr-Latn-RS" dirty="0" err="1">
+                <a:solidFill>
+                  <a:schemeClr val="bg1"/>
+                </a:solidFill>
+                <a:latin typeface="Posterama" panose="020B0504020200020000" pitchFamily="34" charset="0"/>
+                <a:cs typeface="Posterama" panose="020B0504020200020000" pitchFamily="34" charset="0"/>
+              </a:rPr>
+              <a:t>Write-ahead</a:t>
+            </a:r>
+            <a:r>
+              <a:rPr lang="sr-Latn-RS" dirty="0">
+                <a:solidFill>
+                  <a:schemeClr val="bg1"/>
+                </a:solidFill>
+                <a:latin typeface="Posterama" panose="020B0504020200020000" pitchFamily="34" charset="0"/>
+                <a:cs typeface="Posterama" panose="020B0504020200020000" pitchFamily="34" charset="0"/>
+              </a:rPr>
+              <a:t> </a:t>
+            </a:r>
+            <a:r>
+              <a:rPr lang="sr-Latn-RS" dirty="0" err="1">
+                <a:solidFill>
+                  <a:schemeClr val="bg1"/>
+                </a:solidFill>
+                <a:latin typeface="Posterama" panose="020B0504020200020000" pitchFamily="34" charset="0"/>
+                <a:cs typeface="Posterama" panose="020B0504020200020000" pitchFamily="34" charset="0"/>
+              </a:rPr>
+              <a:t>logging</a:t>
+            </a:r>
+            <a:r>
+              <a:rPr lang="sr-Latn-RS" dirty="0">
+                <a:solidFill>
+                  <a:schemeClr val="bg1"/>
+                </a:solidFill>
+                <a:latin typeface="Posterama" panose="020B0504020200020000" pitchFamily="34" charset="0"/>
+                <a:cs typeface="Posterama" panose="020B0504020200020000" pitchFamily="34" charset="0"/>
+              </a:rPr>
+              <a:t> skladišta podataka</a:t>
+            </a:r>
+          </a:p>
+          <a:p>
+            <a:pPr marL="285750" indent="-285750">
+              <a:lnSpc>
+                <a:spcPct val="100000"/>
+              </a:lnSpc>
+              <a:spcBef>
+                <a:spcPts val="0"/>
+              </a:spcBef>
+              <a:buFont typeface="Arial" panose="020B0604020202020204" pitchFamily="34" charset="0"/>
+              <a:buChar char="•"/>
+            </a:pPr>
+            <a:r>
+              <a:rPr lang="sr-Latn-RS" dirty="0">
+                <a:solidFill>
+                  <a:schemeClr val="bg1"/>
+                </a:solidFill>
+                <a:latin typeface="Posterama" panose="020B0504020200020000" pitchFamily="34" charset="0"/>
+                <a:cs typeface="Posterama" panose="020B0504020200020000" pitchFamily="34" charset="0"/>
+              </a:rPr>
+              <a:t>Klijent mora striktno da komunicira samo sa aktuelnim liderom.</a:t>
+            </a:r>
+          </a:p>
+        </p:txBody>
+      </p:sp>
     </p:spTree>
     <p:extLst>
       <p:ext uri="{BB962C8B-B14F-4D97-AF65-F5344CB8AC3E}">
@@ -35690,11 +38012,18 @@
 <file path=customXml/itemProps1.xml><?xml version="1.0" encoding="utf-8"?>
 <ds:datastoreItem xmlns:ds="http://schemas.openxmlformats.org/officeDocument/2006/customXml" ds:itemID="{13A2AE28-B20A-43BD-B938-8C55A179243B}">
   <ds:schemaRefs>
+    <ds:schemaRef ds:uri="http://purl.org/dc/elements/1.1/"/>
+    <ds:schemaRef ds:uri="230e9df3-be65-4c73-a93b-d1236ebd677e"/>
+    <ds:schemaRef ds:uri="http://schemas.microsoft.com/sharepoint/v3"/>
+    <ds:schemaRef ds:uri="http://schemas.microsoft.com/office/infopath/2007/PartnerControls"/>
+    <ds:schemaRef ds:uri="http://purl.org/dc/dcmitype/"/>
+    <ds:schemaRef ds:uri="http://www.w3.org/XML/1998/namespace"/>
+    <ds:schemaRef ds:uri="http://schemas.microsoft.com/office/2006/documentManagement/types"/>
     <ds:schemaRef ds:uri="http://schemas.microsoft.com/office/2006/metadata/properties"/>
-    <ds:schemaRef ds:uri="http://schemas.microsoft.com/office/infopath/2007/PartnerControls"/>
-    <ds:schemaRef ds:uri="http://schemas.microsoft.com/sharepoint/v3"/>
+    <ds:schemaRef ds:uri="http://purl.org/dc/terms/"/>
+    <ds:schemaRef ds:uri="http://schemas.openxmlformats.org/package/2006/metadata/core-properties"/>
+    <ds:schemaRef ds:uri="16c05727-aa75-4e4a-9b5f-8a80a1165891"/>
     <ds:schemaRef ds:uri="71af3243-3dd4-4a8d-8c0d-dd76da1f02a5"/>
-    <ds:schemaRef ds:uri="230e9df3-be65-4c73-a93b-d1236ebd677e"/>
   </ds:schemaRefs>
 </ds:datastoreItem>
 </file>

--- a/pdasp/seminarski/konsenzus-algoritmi/konsenzus-algoritmi.pptx
+++ b/pdasp/seminarski/konsenzus-algoritmi/konsenzus-algoritmi.pptx
@@ -5,24 +5,25 @@
     <p:sldMasterId id="2147483648" r:id="rId4"/>
   </p:sldMasterIdLst>
   <p:notesMasterIdLst>
-    <p:notesMasterId r:id="rId17"/>
+    <p:notesMasterId r:id="rId18"/>
   </p:notesMasterIdLst>
   <p:handoutMasterIdLst>
-    <p:handoutMasterId r:id="rId18"/>
+    <p:handoutMasterId r:id="rId19"/>
   </p:handoutMasterIdLst>
   <p:sldIdLst>
     <p:sldId id="292" r:id="rId5"/>
     <p:sldId id="275" r:id="rId6"/>
     <p:sldId id="294" r:id="rId7"/>
-    <p:sldId id="295" r:id="rId8"/>
-    <p:sldId id="297" r:id="rId9"/>
-    <p:sldId id="298" r:id="rId10"/>
-    <p:sldId id="300" r:id="rId11"/>
-    <p:sldId id="285" r:id="rId12"/>
-    <p:sldId id="299" r:id="rId13"/>
-    <p:sldId id="301" r:id="rId14"/>
-    <p:sldId id="288" r:id="rId15"/>
-    <p:sldId id="289" r:id="rId16"/>
+    <p:sldId id="302" r:id="rId8"/>
+    <p:sldId id="295" r:id="rId9"/>
+    <p:sldId id="297" r:id="rId10"/>
+    <p:sldId id="298" r:id="rId11"/>
+    <p:sldId id="300" r:id="rId12"/>
+    <p:sldId id="285" r:id="rId13"/>
+    <p:sldId id="299" r:id="rId14"/>
+    <p:sldId id="301" r:id="rId15"/>
+    <p:sldId id="288" r:id="rId16"/>
+    <p:sldId id="289" r:id="rId17"/>
   </p:sldIdLst>
   <p:sldSz cx="12192000" cy="6858000"/>
   <p:notesSz cx="6858000" cy="9144000"/>
@@ -752,7 +753,7 @@
           <a:p>
             <a:fld id="{017105BD-6D6F-49DB-9DE4-D4A6452D7E5F}" type="slidenum">
               <a:rPr lang="zh-CN" altLang="en-US" smtClean="0"/>
-              <a:t>4</a:t>
+              <a:t>5</a:t>
             </a:fld>
             <a:endParaRPr lang="zh-CN" altLang="en-US"/>
           </a:p>
@@ -22494,6 +22495,1743 @@
 </file>
 
 <file path=ppt/slides/slide10.xml><?xml version="1.0" encoding="utf-8"?>
+<p:sld xmlns:a="http://schemas.openxmlformats.org/drawingml/2006/main" xmlns:r="http://schemas.openxmlformats.org/officeDocument/2006/relationships" xmlns:p="http://schemas.openxmlformats.org/presentationml/2006/main">
+  <p:cSld>
+    <p:spTree>
+      <p:nvGrpSpPr>
+        <p:cNvPr id="1" name=""/>
+        <p:cNvGrpSpPr/>
+        <p:nvPr/>
+      </p:nvGrpSpPr>
+      <p:grpSpPr>
+        <a:xfrm>
+          <a:off x="0" y="0"/>
+          <a:ext cx="0" cy="0"/>
+          <a:chOff x="0" y="0"/>
+          <a:chExt cx="0" cy="0"/>
+        </a:xfrm>
+      </p:grpSpPr>
+      <p:pic>
+        <p:nvPicPr>
+          <p:cNvPr id="10" name="Shape 31">
+            <a:extLst>
+              <a:ext uri="{FF2B5EF4-FFF2-40B4-BE49-F238E27FC236}">
+                <a16:creationId xmlns:a16="http://schemas.microsoft.com/office/drawing/2014/main" id="{C79B25E1-4197-DEB8-98ED-5F4946F5260A}"/>
+              </a:ext>
+              <a:ext uri="{C183D7F6-B498-43B3-948B-1728B52AA6E4}">
+                <adec:decorative xmlns:adec="http://schemas.microsoft.com/office/drawing/2017/decorative" val="1"/>
+              </a:ext>
+            </a:extLst>
+          </p:cNvPr>
+          <p:cNvPicPr>
+            <a:picLocks noChangeAspect="1"/>
+          </p:cNvPicPr>
+          <p:nvPr/>
+        </p:nvPicPr>
+        <p:blipFill>
+          <a:blip r:embed="rId2" cstate="print">
+            <a:alphaModFix amt="5000"/>
+            <a:extLst>
+              <a:ext uri="{28A0092B-C50C-407E-A947-70E740481C1C}">
+                <a14:useLocalDpi xmlns:a14="http://schemas.microsoft.com/office/drawing/2010/main"/>
+              </a:ext>
+            </a:extLst>
+          </a:blip>
+          <a:srcRect t="2555" b="2555"/>
+          <a:stretch>
+            <a:fillRect/>
+          </a:stretch>
+        </p:blipFill>
+        <p:spPr>
+          <a:xfrm>
+            <a:off x="-289432" y="-576610"/>
+            <a:ext cx="2533650" cy="2898549"/>
+          </a:xfrm>
+          <a:custGeom>
+            <a:avLst/>
+            <a:gdLst>
+              <a:gd name="connsiteX0" fmla="*/ 0 w 4816475"/>
+              <a:gd name="connsiteY0" fmla="*/ 2407444 h 4814888"/>
+              <a:gd name="connsiteX1" fmla="*/ 1203722 w 4816475"/>
+              <a:gd name="connsiteY1" fmla="*/ 1 h 4814888"/>
+              <a:gd name="connsiteX2" fmla="*/ 3612753 w 4816475"/>
+              <a:gd name="connsiteY2" fmla="*/ 1 h 4814888"/>
+              <a:gd name="connsiteX3" fmla="*/ 4816475 w 4816475"/>
+              <a:gd name="connsiteY3" fmla="*/ 2407444 h 4814888"/>
+              <a:gd name="connsiteX4" fmla="*/ 3612753 w 4816475"/>
+              <a:gd name="connsiteY4" fmla="*/ 4814887 h 4814888"/>
+              <a:gd name="connsiteX5" fmla="*/ 1203722 w 4816475"/>
+              <a:gd name="connsiteY5" fmla="*/ 4814887 h 4814888"/>
+              <a:gd name="connsiteX6" fmla="*/ 0 w 4816475"/>
+              <a:gd name="connsiteY6" fmla="*/ 2407444 h 4814888"/>
+              <a:gd name="connsiteX0" fmla="*/ 0 w 4816475"/>
+              <a:gd name="connsiteY0" fmla="*/ 2407443 h 4814886"/>
+              <a:gd name="connsiteX1" fmla="*/ 2199402 w 4816475"/>
+              <a:gd name="connsiteY1" fmla="*/ 243840 h 4814886"/>
+              <a:gd name="connsiteX2" fmla="*/ 3612753 w 4816475"/>
+              <a:gd name="connsiteY2" fmla="*/ 0 h 4814886"/>
+              <a:gd name="connsiteX3" fmla="*/ 4816475 w 4816475"/>
+              <a:gd name="connsiteY3" fmla="*/ 2407443 h 4814886"/>
+              <a:gd name="connsiteX4" fmla="*/ 3612753 w 4816475"/>
+              <a:gd name="connsiteY4" fmla="*/ 4814886 h 4814886"/>
+              <a:gd name="connsiteX5" fmla="*/ 1203722 w 4816475"/>
+              <a:gd name="connsiteY5" fmla="*/ 4814886 h 4814886"/>
+              <a:gd name="connsiteX6" fmla="*/ 0 w 4816475"/>
+              <a:gd name="connsiteY6" fmla="*/ 2407443 h 4814886"/>
+              <a:gd name="connsiteX0" fmla="*/ 0 w 4816475"/>
+              <a:gd name="connsiteY0" fmla="*/ 2163603 h 4571046"/>
+              <a:gd name="connsiteX1" fmla="*/ 2199402 w 4816475"/>
+              <a:gd name="connsiteY1" fmla="*/ 0 h 4571046"/>
+              <a:gd name="connsiteX2" fmla="*/ 4608433 w 4816475"/>
+              <a:gd name="connsiteY2" fmla="*/ 721360 h 4571046"/>
+              <a:gd name="connsiteX3" fmla="*/ 4816475 w 4816475"/>
+              <a:gd name="connsiteY3" fmla="*/ 2163603 h 4571046"/>
+              <a:gd name="connsiteX4" fmla="*/ 3612753 w 4816475"/>
+              <a:gd name="connsiteY4" fmla="*/ 4571046 h 4571046"/>
+              <a:gd name="connsiteX5" fmla="*/ 1203722 w 4816475"/>
+              <a:gd name="connsiteY5" fmla="*/ 4571046 h 4571046"/>
+              <a:gd name="connsiteX6" fmla="*/ 0 w 4816475"/>
+              <a:gd name="connsiteY6" fmla="*/ 2163603 h 4571046"/>
+              <a:gd name="connsiteX0" fmla="*/ 0 w 4958715"/>
+              <a:gd name="connsiteY0" fmla="*/ 2163603 h 4571046"/>
+              <a:gd name="connsiteX1" fmla="*/ 2199402 w 4958715"/>
+              <a:gd name="connsiteY1" fmla="*/ 0 h 4571046"/>
+              <a:gd name="connsiteX2" fmla="*/ 4608433 w 4958715"/>
+              <a:gd name="connsiteY2" fmla="*/ 721360 h 4571046"/>
+              <a:gd name="connsiteX3" fmla="*/ 4958715 w 4958715"/>
+              <a:gd name="connsiteY3" fmla="*/ 2803683 h 4571046"/>
+              <a:gd name="connsiteX4" fmla="*/ 3612753 w 4958715"/>
+              <a:gd name="connsiteY4" fmla="*/ 4571046 h 4571046"/>
+              <a:gd name="connsiteX5" fmla="*/ 1203722 w 4958715"/>
+              <a:gd name="connsiteY5" fmla="*/ 4571046 h 4571046"/>
+              <a:gd name="connsiteX6" fmla="*/ 0 w 4958715"/>
+              <a:gd name="connsiteY6" fmla="*/ 2163603 h 4571046"/>
+              <a:gd name="connsiteX0" fmla="*/ 0 w 4916043"/>
+              <a:gd name="connsiteY0" fmla="*/ 1273587 h 4571046"/>
+              <a:gd name="connsiteX1" fmla="*/ 2156730 w 4916043"/>
+              <a:gd name="connsiteY1" fmla="*/ 0 h 4571046"/>
+              <a:gd name="connsiteX2" fmla="*/ 4565761 w 4916043"/>
+              <a:gd name="connsiteY2" fmla="*/ 721360 h 4571046"/>
+              <a:gd name="connsiteX3" fmla="*/ 4916043 w 4916043"/>
+              <a:gd name="connsiteY3" fmla="*/ 2803683 h 4571046"/>
+              <a:gd name="connsiteX4" fmla="*/ 3570081 w 4916043"/>
+              <a:gd name="connsiteY4" fmla="*/ 4571046 h 4571046"/>
+              <a:gd name="connsiteX5" fmla="*/ 1161050 w 4916043"/>
+              <a:gd name="connsiteY5" fmla="*/ 4571046 h 4571046"/>
+              <a:gd name="connsiteX6" fmla="*/ 0 w 4916043"/>
+              <a:gd name="connsiteY6" fmla="*/ 1273587 h 4571046"/>
+              <a:gd name="connsiteX0" fmla="*/ 0 w 4916043"/>
+              <a:gd name="connsiteY0" fmla="*/ 1273587 h 4571046"/>
+              <a:gd name="connsiteX1" fmla="*/ 2156730 w 4916043"/>
+              <a:gd name="connsiteY1" fmla="*/ 0 h 4571046"/>
+              <a:gd name="connsiteX2" fmla="*/ 4565761 w 4916043"/>
+              <a:gd name="connsiteY2" fmla="*/ 721360 h 4571046"/>
+              <a:gd name="connsiteX3" fmla="*/ 4916043 w 4916043"/>
+              <a:gd name="connsiteY3" fmla="*/ 2803683 h 4571046"/>
+              <a:gd name="connsiteX4" fmla="*/ 3570081 w 4916043"/>
+              <a:gd name="connsiteY4" fmla="*/ 4571046 h 4571046"/>
+              <a:gd name="connsiteX5" fmla="*/ 21098 w 4916043"/>
+              <a:gd name="connsiteY5" fmla="*/ 3815142 h 4571046"/>
+              <a:gd name="connsiteX6" fmla="*/ 0 w 4916043"/>
+              <a:gd name="connsiteY6" fmla="*/ 1273587 h 4571046"/>
+              <a:gd name="connsiteX0" fmla="*/ 0 w 4916043"/>
+              <a:gd name="connsiteY0" fmla="*/ 1273587 h 5066346"/>
+              <a:gd name="connsiteX1" fmla="*/ 2156730 w 4916043"/>
+              <a:gd name="connsiteY1" fmla="*/ 0 h 5066346"/>
+              <a:gd name="connsiteX2" fmla="*/ 4565761 w 4916043"/>
+              <a:gd name="connsiteY2" fmla="*/ 721360 h 5066346"/>
+              <a:gd name="connsiteX3" fmla="*/ 4916043 w 4916043"/>
+              <a:gd name="connsiteY3" fmla="*/ 2803683 h 5066346"/>
+              <a:gd name="connsiteX4" fmla="*/ 2236581 w 4916043"/>
+              <a:gd name="connsiteY4" fmla="*/ 5066346 h 5066346"/>
+              <a:gd name="connsiteX5" fmla="*/ 21098 w 4916043"/>
+              <a:gd name="connsiteY5" fmla="*/ 3815142 h 5066346"/>
+              <a:gd name="connsiteX6" fmla="*/ 0 w 4916043"/>
+              <a:gd name="connsiteY6" fmla="*/ 1273587 h 5066346"/>
+              <a:gd name="connsiteX0" fmla="*/ 0 w 4565761"/>
+              <a:gd name="connsiteY0" fmla="*/ 1273587 h 5066346"/>
+              <a:gd name="connsiteX1" fmla="*/ 2156730 w 4565761"/>
+              <a:gd name="connsiteY1" fmla="*/ 0 h 5066346"/>
+              <a:gd name="connsiteX2" fmla="*/ 4565761 w 4565761"/>
+              <a:gd name="connsiteY2" fmla="*/ 721360 h 5066346"/>
+              <a:gd name="connsiteX3" fmla="*/ 4405503 w 4565761"/>
+              <a:gd name="connsiteY3" fmla="*/ 3801903 h 5066346"/>
+              <a:gd name="connsiteX4" fmla="*/ 2236581 w 4565761"/>
+              <a:gd name="connsiteY4" fmla="*/ 5066346 h 5066346"/>
+              <a:gd name="connsiteX5" fmla="*/ 21098 w 4565761"/>
+              <a:gd name="connsiteY5" fmla="*/ 3815142 h 5066346"/>
+              <a:gd name="connsiteX6" fmla="*/ 0 w 4565761"/>
+              <a:gd name="connsiteY6" fmla="*/ 1273587 h 5066346"/>
+              <a:gd name="connsiteX0" fmla="*/ 0 w 4405503"/>
+              <a:gd name="connsiteY0" fmla="*/ 1273587 h 5066346"/>
+              <a:gd name="connsiteX1" fmla="*/ 2156730 w 4405503"/>
+              <a:gd name="connsiteY1" fmla="*/ 0 h 5066346"/>
+              <a:gd name="connsiteX2" fmla="*/ 4398121 w 4405503"/>
+              <a:gd name="connsiteY2" fmla="*/ 1277620 h 5066346"/>
+              <a:gd name="connsiteX3" fmla="*/ 4405503 w 4405503"/>
+              <a:gd name="connsiteY3" fmla="*/ 3801903 h 5066346"/>
+              <a:gd name="connsiteX4" fmla="*/ 2236581 w 4405503"/>
+              <a:gd name="connsiteY4" fmla="*/ 5066346 h 5066346"/>
+              <a:gd name="connsiteX5" fmla="*/ 21098 w 4405503"/>
+              <a:gd name="connsiteY5" fmla="*/ 3815142 h 5066346"/>
+              <a:gd name="connsiteX6" fmla="*/ 0 w 4405503"/>
+              <a:gd name="connsiteY6" fmla="*/ 1273587 h 5066346"/>
+            </a:gdLst>
+            <a:ahLst/>
+            <a:cxnLst>
+              <a:cxn ang="0">
+                <a:pos x="connsiteX0" y="connsiteY0"/>
+              </a:cxn>
+              <a:cxn ang="0">
+                <a:pos x="connsiteX1" y="connsiteY1"/>
+              </a:cxn>
+              <a:cxn ang="0">
+                <a:pos x="connsiteX2" y="connsiteY2"/>
+              </a:cxn>
+              <a:cxn ang="0">
+                <a:pos x="connsiteX3" y="connsiteY3"/>
+              </a:cxn>
+              <a:cxn ang="0">
+                <a:pos x="connsiteX4" y="connsiteY4"/>
+              </a:cxn>
+              <a:cxn ang="0">
+                <a:pos x="connsiteX5" y="connsiteY5"/>
+              </a:cxn>
+              <a:cxn ang="0">
+                <a:pos x="connsiteX6" y="connsiteY6"/>
+              </a:cxn>
+            </a:cxnLst>
+            <a:rect l="l" t="t" r="r" b="b"/>
+            <a:pathLst>
+              <a:path w="4405503" h="5066346">
+                <a:moveTo>
+                  <a:pt x="0" y="1273587"/>
+                </a:moveTo>
+                <a:lnTo>
+                  <a:pt x="2156730" y="0"/>
+                </a:lnTo>
+                <a:lnTo>
+                  <a:pt x="4398121" y="1277620"/>
+                </a:lnTo>
+                <a:cubicBezTo>
+                  <a:pt x="4400582" y="2119048"/>
+                  <a:pt x="4403042" y="2960475"/>
+                  <a:pt x="4405503" y="3801903"/>
+                </a:cubicBezTo>
+                <a:lnTo>
+                  <a:pt x="2236581" y="5066346"/>
+                </a:lnTo>
+                <a:lnTo>
+                  <a:pt x="21098" y="3815142"/>
+                </a:lnTo>
+                <a:lnTo>
+                  <a:pt x="0" y="1273587"/>
+                </a:lnTo>
+                <a:close/>
+              </a:path>
+            </a:pathLst>
+          </a:custGeom>
+          <a:solidFill>
+            <a:schemeClr val="tx2">
+              <a:lumMod val="10000"/>
+              <a:lumOff val="90000"/>
+            </a:schemeClr>
+          </a:solidFill>
+          <a:ln w="38100">
+            <a:noFill/>
+          </a:ln>
+        </p:spPr>
+      </p:pic>
+      <p:pic>
+        <p:nvPicPr>
+          <p:cNvPr id="2" name="Shape 31">
+            <a:extLst>
+              <a:ext uri="{FF2B5EF4-FFF2-40B4-BE49-F238E27FC236}">
+                <a16:creationId xmlns:a16="http://schemas.microsoft.com/office/drawing/2014/main" id="{A09BD05B-09FB-99DA-8FBE-CADF437A1B2C}"/>
+              </a:ext>
+              <a:ext uri="{C183D7F6-B498-43B3-948B-1728B52AA6E4}">
+                <adec:decorative xmlns:adec="http://schemas.microsoft.com/office/drawing/2017/decorative" val="1"/>
+              </a:ext>
+            </a:extLst>
+          </p:cNvPr>
+          <p:cNvPicPr>
+            <a:picLocks noChangeAspect="1"/>
+          </p:cNvPicPr>
+          <p:nvPr/>
+        </p:nvPicPr>
+        <p:blipFill>
+          <a:blip r:embed="rId2" cstate="print">
+            <a:alphaModFix amt="5000"/>
+            <a:extLst>
+              <a:ext uri="{28A0092B-C50C-407E-A947-70E740481C1C}">
+                <a14:useLocalDpi xmlns:a14="http://schemas.microsoft.com/office/drawing/2010/main"/>
+              </a:ext>
+            </a:extLst>
+          </a:blip>
+          <a:srcRect t="2555" b="2555"/>
+          <a:stretch>
+            <a:fillRect/>
+          </a:stretch>
+        </p:blipFill>
+        <p:spPr>
+          <a:xfrm>
+            <a:off x="291233" y="437287"/>
+            <a:ext cx="2533650" cy="2898549"/>
+          </a:xfrm>
+          <a:custGeom>
+            <a:avLst/>
+            <a:gdLst>
+              <a:gd name="connsiteX0" fmla="*/ 0 w 4816475"/>
+              <a:gd name="connsiteY0" fmla="*/ 2407444 h 4814888"/>
+              <a:gd name="connsiteX1" fmla="*/ 1203722 w 4816475"/>
+              <a:gd name="connsiteY1" fmla="*/ 1 h 4814888"/>
+              <a:gd name="connsiteX2" fmla="*/ 3612753 w 4816475"/>
+              <a:gd name="connsiteY2" fmla="*/ 1 h 4814888"/>
+              <a:gd name="connsiteX3" fmla="*/ 4816475 w 4816475"/>
+              <a:gd name="connsiteY3" fmla="*/ 2407444 h 4814888"/>
+              <a:gd name="connsiteX4" fmla="*/ 3612753 w 4816475"/>
+              <a:gd name="connsiteY4" fmla="*/ 4814887 h 4814888"/>
+              <a:gd name="connsiteX5" fmla="*/ 1203722 w 4816475"/>
+              <a:gd name="connsiteY5" fmla="*/ 4814887 h 4814888"/>
+              <a:gd name="connsiteX6" fmla="*/ 0 w 4816475"/>
+              <a:gd name="connsiteY6" fmla="*/ 2407444 h 4814888"/>
+              <a:gd name="connsiteX0" fmla="*/ 0 w 4816475"/>
+              <a:gd name="connsiteY0" fmla="*/ 2407443 h 4814886"/>
+              <a:gd name="connsiteX1" fmla="*/ 2199402 w 4816475"/>
+              <a:gd name="connsiteY1" fmla="*/ 243840 h 4814886"/>
+              <a:gd name="connsiteX2" fmla="*/ 3612753 w 4816475"/>
+              <a:gd name="connsiteY2" fmla="*/ 0 h 4814886"/>
+              <a:gd name="connsiteX3" fmla="*/ 4816475 w 4816475"/>
+              <a:gd name="connsiteY3" fmla="*/ 2407443 h 4814886"/>
+              <a:gd name="connsiteX4" fmla="*/ 3612753 w 4816475"/>
+              <a:gd name="connsiteY4" fmla="*/ 4814886 h 4814886"/>
+              <a:gd name="connsiteX5" fmla="*/ 1203722 w 4816475"/>
+              <a:gd name="connsiteY5" fmla="*/ 4814886 h 4814886"/>
+              <a:gd name="connsiteX6" fmla="*/ 0 w 4816475"/>
+              <a:gd name="connsiteY6" fmla="*/ 2407443 h 4814886"/>
+              <a:gd name="connsiteX0" fmla="*/ 0 w 4816475"/>
+              <a:gd name="connsiteY0" fmla="*/ 2163603 h 4571046"/>
+              <a:gd name="connsiteX1" fmla="*/ 2199402 w 4816475"/>
+              <a:gd name="connsiteY1" fmla="*/ 0 h 4571046"/>
+              <a:gd name="connsiteX2" fmla="*/ 4608433 w 4816475"/>
+              <a:gd name="connsiteY2" fmla="*/ 721360 h 4571046"/>
+              <a:gd name="connsiteX3" fmla="*/ 4816475 w 4816475"/>
+              <a:gd name="connsiteY3" fmla="*/ 2163603 h 4571046"/>
+              <a:gd name="connsiteX4" fmla="*/ 3612753 w 4816475"/>
+              <a:gd name="connsiteY4" fmla="*/ 4571046 h 4571046"/>
+              <a:gd name="connsiteX5" fmla="*/ 1203722 w 4816475"/>
+              <a:gd name="connsiteY5" fmla="*/ 4571046 h 4571046"/>
+              <a:gd name="connsiteX6" fmla="*/ 0 w 4816475"/>
+              <a:gd name="connsiteY6" fmla="*/ 2163603 h 4571046"/>
+              <a:gd name="connsiteX0" fmla="*/ 0 w 4958715"/>
+              <a:gd name="connsiteY0" fmla="*/ 2163603 h 4571046"/>
+              <a:gd name="connsiteX1" fmla="*/ 2199402 w 4958715"/>
+              <a:gd name="connsiteY1" fmla="*/ 0 h 4571046"/>
+              <a:gd name="connsiteX2" fmla="*/ 4608433 w 4958715"/>
+              <a:gd name="connsiteY2" fmla="*/ 721360 h 4571046"/>
+              <a:gd name="connsiteX3" fmla="*/ 4958715 w 4958715"/>
+              <a:gd name="connsiteY3" fmla="*/ 2803683 h 4571046"/>
+              <a:gd name="connsiteX4" fmla="*/ 3612753 w 4958715"/>
+              <a:gd name="connsiteY4" fmla="*/ 4571046 h 4571046"/>
+              <a:gd name="connsiteX5" fmla="*/ 1203722 w 4958715"/>
+              <a:gd name="connsiteY5" fmla="*/ 4571046 h 4571046"/>
+              <a:gd name="connsiteX6" fmla="*/ 0 w 4958715"/>
+              <a:gd name="connsiteY6" fmla="*/ 2163603 h 4571046"/>
+              <a:gd name="connsiteX0" fmla="*/ 0 w 4916043"/>
+              <a:gd name="connsiteY0" fmla="*/ 1273587 h 4571046"/>
+              <a:gd name="connsiteX1" fmla="*/ 2156730 w 4916043"/>
+              <a:gd name="connsiteY1" fmla="*/ 0 h 4571046"/>
+              <a:gd name="connsiteX2" fmla="*/ 4565761 w 4916043"/>
+              <a:gd name="connsiteY2" fmla="*/ 721360 h 4571046"/>
+              <a:gd name="connsiteX3" fmla="*/ 4916043 w 4916043"/>
+              <a:gd name="connsiteY3" fmla="*/ 2803683 h 4571046"/>
+              <a:gd name="connsiteX4" fmla="*/ 3570081 w 4916043"/>
+              <a:gd name="connsiteY4" fmla="*/ 4571046 h 4571046"/>
+              <a:gd name="connsiteX5" fmla="*/ 1161050 w 4916043"/>
+              <a:gd name="connsiteY5" fmla="*/ 4571046 h 4571046"/>
+              <a:gd name="connsiteX6" fmla="*/ 0 w 4916043"/>
+              <a:gd name="connsiteY6" fmla="*/ 1273587 h 4571046"/>
+              <a:gd name="connsiteX0" fmla="*/ 0 w 4916043"/>
+              <a:gd name="connsiteY0" fmla="*/ 1273587 h 4571046"/>
+              <a:gd name="connsiteX1" fmla="*/ 2156730 w 4916043"/>
+              <a:gd name="connsiteY1" fmla="*/ 0 h 4571046"/>
+              <a:gd name="connsiteX2" fmla="*/ 4565761 w 4916043"/>
+              <a:gd name="connsiteY2" fmla="*/ 721360 h 4571046"/>
+              <a:gd name="connsiteX3" fmla="*/ 4916043 w 4916043"/>
+              <a:gd name="connsiteY3" fmla="*/ 2803683 h 4571046"/>
+              <a:gd name="connsiteX4" fmla="*/ 3570081 w 4916043"/>
+              <a:gd name="connsiteY4" fmla="*/ 4571046 h 4571046"/>
+              <a:gd name="connsiteX5" fmla="*/ 21098 w 4916043"/>
+              <a:gd name="connsiteY5" fmla="*/ 3815142 h 4571046"/>
+              <a:gd name="connsiteX6" fmla="*/ 0 w 4916043"/>
+              <a:gd name="connsiteY6" fmla="*/ 1273587 h 4571046"/>
+              <a:gd name="connsiteX0" fmla="*/ 0 w 4916043"/>
+              <a:gd name="connsiteY0" fmla="*/ 1273587 h 5066346"/>
+              <a:gd name="connsiteX1" fmla="*/ 2156730 w 4916043"/>
+              <a:gd name="connsiteY1" fmla="*/ 0 h 5066346"/>
+              <a:gd name="connsiteX2" fmla="*/ 4565761 w 4916043"/>
+              <a:gd name="connsiteY2" fmla="*/ 721360 h 5066346"/>
+              <a:gd name="connsiteX3" fmla="*/ 4916043 w 4916043"/>
+              <a:gd name="connsiteY3" fmla="*/ 2803683 h 5066346"/>
+              <a:gd name="connsiteX4" fmla="*/ 2236581 w 4916043"/>
+              <a:gd name="connsiteY4" fmla="*/ 5066346 h 5066346"/>
+              <a:gd name="connsiteX5" fmla="*/ 21098 w 4916043"/>
+              <a:gd name="connsiteY5" fmla="*/ 3815142 h 5066346"/>
+              <a:gd name="connsiteX6" fmla="*/ 0 w 4916043"/>
+              <a:gd name="connsiteY6" fmla="*/ 1273587 h 5066346"/>
+              <a:gd name="connsiteX0" fmla="*/ 0 w 4565761"/>
+              <a:gd name="connsiteY0" fmla="*/ 1273587 h 5066346"/>
+              <a:gd name="connsiteX1" fmla="*/ 2156730 w 4565761"/>
+              <a:gd name="connsiteY1" fmla="*/ 0 h 5066346"/>
+              <a:gd name="connsiteX2" fmla="*/ 4565761 w 4565761"/>
+              <a:gd name="connsiteY2" fmla="*/ 721360 h 5066346"/>
+              <a:gd name="connsiteX3" fmla="*/ 4405503 w 4565761"/>
+              <a:gd name="connsiteY3" fmla="*/ 3801903 h 5066346"/>
+              <a:gd name="connsiteX4" fmla="*/ 2236581 w 4565761"/>
+              <a:gd name="connsiteY4" fmla="*/ 5066346 h 5066346"/>
+              <a:gd name="connsiteX5" fmla="*/ 21098 w 4565761"/>
+              <a:gd name="connsiteY5" fmla="*/ 3815142 h 5066346"/>
+              <a:gd name="connsiteX6" fmla="*/ 0 w 4565761"/>
+              <a:gd name="connsiteY6" fmla="*/ 1273587 h 5066346"/>
+              <a:gd name="connsiteX0" fmla="*/ 0 w 4405503"/>
+              <a:gd name="connsiteY0" fmla="*/ 1273587 h 5066346"/>
+              <a:gd name="connsiteX1" fmla="*/ 2156730 w 4405503"/>
+              <a:gd name="connsiteY1" fmla="*/ 0 h 5066346"/>
+              <a:gd name="connsiteX2" fmla="*/ 4398121 w 4405503"/>
+              <a:gd name="connsiteY2" fmla="*/ 1277620 h 5066346"/>
+              <a:gd name="connsiteX3" fmla="*/ 4405503 w 4405503"/>
+              <a:gd name="connsiteY3" fmla="*/ 3801903 h 5066346"/>
+              <a:gd name="connsiteX4" fmla="*/ 2236581 w 4405503"/>
+              <a:gd name="connsiteY4" fmla="*/ 5066346 h 5066346"/>
+              <a:gd name="connsiteX5" fmla="*/ 21098 w 4405503"/>
+              <a:gd name="connsiteY5" fmla="*/ 3815142 h 5066346"/>
+              <a:gd name="connsiteX6" fmla="*/ 0 w 4405503"/>
+              <a:gd name="connsiteY6" fmla="*/ 1273587 h 5066346"/>
+            </a:gdLst>
+            <a:ahLst/>
+            <a:cxnLst>
+              <a:cxn ang="0">
+                <a:pos x="connsiteX0" y="connsiteY0"/>
+              </a:cxn>
+              <a:cxn ang="0">
+                <a:pos x="connsiteX1" y="connsiteY1"/>
+              </a:cxn>
+              <a:cxn ang="0">
+                <a:pos x="connsiteX2" y="connsiteY2"/>
+              </a:cxn>
+              <a:cxn ang="0">
+                <a:pos x="connsiteX3" y="connsiteY3"/>
+              </a:cxn>
+              <a:cxn ang="0">
+                <a:pos x="connsiteX4" y="connsiteY4"/>
+              </a:cxn>
+              <a:cxn ang="0">
+                <a:pos x="connsiteX5" y="connsiteY5"/>
+              </a:cxn>
+              <a:cxn ang="0">
+                <a:pos x="connsiteX6" y="connsiteY6"/>
+              </a:cxn>
+            </a:cxnLst>
+            <a:rect l="l" t="t" r="r" b="b"/>
+            <a:pathLst>
+              <a:path w="4405503" h="5066346">
+                <a:moveTo>
+                  <a:pt x="0" y="1273587"/>
+                </a:moveTo>
+                <a:lnTo>
+                  <a:pt x="2156730" y="0"/>
+                </a:lnTo>
+                <a:lnTo>
+                  <a:pt x="4398121" y="1277620"/>
+                </a:lnTo>
+                <a:cubicBezTo>
+                  <a:pt x="4400582" y="2119048"/>
+                  <a:pt x="4403042" y="2960475"/>
+                  <a:pt x="4405503" y="3801903"/>
+                </a:cubicBezTo>
+                <a:lnTo>
+                  <a:pt x="2236581" y="5066346"/>
+                </a:lnTo>
+                <a:lnTo>
+                  <a:pt x="21098" y="3815142"/>
+                </a:lnTo>
+                <a:lnTo>
+                  <a:pt x="0" y="1273587"/>
+                </a:lnTo>
+                <a:close/>
+              </a:path>
+            </a:pathLst>
+          </a:custGeom>
+          <a:noFill/>
+          <a:ln w="38100">
+            <a:solidFill>
+              <a:schemeClr val="accent2">
+                <a:lumMod val="20000"/>
+                <a:lumOff val="80000"/>
+              </a:schemeClr>
+            </a:solidFill>
+          </a:ln>
+        </p:spPr>
+      </p:pic>
+      <p:sp>
+        <p:nvSpPr>
+          <p:cNvPr id="31" name="Title 7">
+            <a:extLst>
+              <a:ext uri="{FF2B5EF4-FFF2-40B4-BE49-F238E27FC236}">
+                <a16:creationId xmlns:a16="http://schemas.microsoft.com/office/drawing/2014/main" id="{C4C7F438-F5D5-E2D9-3CAA-43E8CB032579}"/>
+              </a:ext>
+            </a:extLst>
+          </p:cNvPr>
+          <p:cNvSpPr>
+            <a:spLocks noGrp="1"/>
+          </p:cNvSpPr>
+          <p:nvPr>
+            <p:ph type="title"/>
+          </p:nvPr>
+        </p:nvSpPr>
+        <p:spPr>
+          <a:xfrm>
+            <a:off x="3226815" y="277240"/>
+            <a:ext cx="1562001" cy="654970"/>
+          </a:xfrm>
+        </p:spPr>
+        <p:txBody>
+          <a:bodyPr/>
+          <a:lstStyle/>
+          <a:p>
+            <a:r>
+              <a:rPr lang="sr-Latn-RS" sz="5000" dirty="0" err="1"/>
+              <a:t>Raft</a:t>
+            </a:r>
+            <a:endParaRPr lang="en-US" sz="5000" dirty="0"/>
+          </a:p>
+        </p:txBody>
+      </p:sp>
+      <p:grpSp>
+        <p:nvGrpSpPr>
+          <p:cNvPr id="8" name="Group 7">
+            <a:extLst>
+              <a:ext uri="{FF2B5EF4-FFF2-40B4-BE49-F238E27FC236}">
+                <a16:creationId xmlns:a16="http://schemas.microsoft.com/office/drawing/2014/main" id="{E4182C38-55D8-A2C0-EB19-DA7391BF9A14}"/>
+              </a:ext>
+            </a:extLst>
+          </p:cNvPr>
+          <p:cNvGrpSpPr/>
+          <p:nvPr/>
+        </p:nvGrpSpPr>
+        <p:grpSpPr>
+          <a:xfrm>
+            <a:off x="100913" y="0"/>
+            <a:ext cx="2533650" cy="2898550"/>
+            <a:chOff x="9786376" y="4095751"/>
+            <a:chExt cx="2085975" cy="2386400"/>
+          </a:xfrm>
+        </p:grpSpPr>
+        <p:pic>
+          <p:nvPicPr>
+            <p:cNvPr id="27" name="Shape 31">
+              <a:extLst>
+                <a:ext uri="{FF2B5EF4-FFF2-40B4-BE49-F238E27FC236}">
+                  <a16:creationId xmlns:a16="http://schemas.microsoft.com/office/drawing/2014/main" id="{D92714C4-3EAC-6BBB-96F5-8199F2CA1742}"/>
+                </a:ext>
+                <a:ext uri="{C183D7F6-B498-43B3-948B-1728B52AA6E4}">
+                  <adec:decorative xmlns:adec="http://schemas.microsoft.com/office/drawing/2017/decorative" val="1"/>
+                </a:ext>
+              </a:extLst>
+            </p:cNvPr>
+            <p:cNvPicPr>
+              <a:picLocks noChangeAspect="1"/>
+            </p:cNvPicPr>
+            <p:nvPr/>
+          </p:nvPicPr>
+          <p:blipFill>
+            <a:blip r:embed="rId2" cstate="print">
+              <a:alphaModFix amt="5000"/>
+              <a:extLst>
+                <a:ext uri="{28A0092B-C50C-407E-A947-70E740481C1C}">
+                  <a14:useLocalDpi xmlns:a14="http://schemas.microsoft.com/office/drawing/2010/main"/>
+                </a:ext>
+              </a:extLst>
+            </a:blip>
+            <a:srcRect t="2555" b="2555"/>
+            <a:stretch>
+              <a:fillRect/>
+            </a:stretch>
+          </p:blipFill>
+          <p:spPr>
+            <a:xfrm>
+              <a:off x="9786376" y="4095751"/>
+              <a:ext cx="2085975" cy="2386400"/>
+            </a:xfrm>
+            <a:custGeom>
+              <a:avLst/>
+              <a:gdLst>
+                <a:gd name="connsiteX0" fmla="*/ 0 w 4816475"/>
+                <a:gd name="connsiteY0" fmla="*/ 2407444 h 4814888"/>
+                <a:gd name="connsiteX1" fmla="*/ 1203722 w 4816475"/>
+                <a:gd name="connsiteY1" fmla="*/ 1 h 4814888"/>
+                <a:gd name="connsiteX2" fmla="*/ 3612753 w 4816475"/>
+                <a:gd name="connsiteY2" fmla="*/ 1 h 4814888"/>
+                <a:gd name="connsiteX3" fmla="*/ 4816475 w 4816475"/>
+                <a:gd name="connsiteY3" fmla="*/ 2407444 h 4814888"/>
+                <a:gd name="connsiteX4" fmla="*/ 3612753 w 4816475"/>
+                <a:gd name="connsiteY4" fmla="*/ 4814887 h 4814888"/>
+                <a:gd name="connsiteX5" fmla="*/ 1203722 w 4816475"/>
+                <a:gd name="connsiteY5" fmla="*/ 4814887 h 4814888"/>
+                <a:gd name="connsiteX6" fmla="*/ 0 w 4816475"/>
+                <a:gd name="connsiteY6" fmla="*/ 2407444 h 4814888"/>
+                <a:gd name="connsiteX0" fmla="*/ 0 w 4816475"/>
+                <a:gd name="connsiteY0" fmla="*/ 2407443 h 4814886"/>
+                <a:gd name="connsiteX1" fmla="*/ 2199402 w 4816475"/>
+                <a:gd name="connsiteY1" fmla="*/ 243840 h 4814886"/>
+                <a:gd name="connsiteX2" fmla="*/ 3612753 w 4816475"/>
+                <a:gd name="connsiteY2" fmla="*/ 0 h 4814886"/>
+                <a:gd name="connsiteX3" fmla="*/ 4816475 w 4816475"/>
+                <a:gd name="connsiteY3" fmla="*/ 2407443 h 4814886"/>
+                <a:gd name="connsiteX4" fmla="*/ 3612753 w 4816475"/>
+                <a:gd name="connsiteY4" fmla="*/ 4814886 h 4814886"/>
+                <a:gd name="connsiteX5" fmla="*/ 1203722 w 4816475"/>
+                <a:gd name="connsiteY5" fmla="*/ 4814886 h 4814886"/>
+                <a:gd name="connsiteX6" fmla="*/ 0 w 4816475"/>
+                <a:gd name="connsiteY6" fmla="*/ 2407443 h 4814886"/>
+                <a:gd name="connsiteX0" fmla="*/ 0 w 4816475"/>
+                <a:gd name="connsiteY0" fmla="*/ 2163603 h 4571046"/>
+                <a:gd name="connsiteX1" fmla="*/ 2199402 w 4816475"/>
+                <a:gd name="connsiteY1" fmla="*/ 0 h 4571046"/>
+                <a:gd name="connsiteX2" fmla="*/ 4608433 w 4816475"/>
+                <a:gd name="connsiteY2" fmla="*/ 721360 h 4571046"/>
+                <a:gd name="connsiteX3" fmla="*/ 4816475 w 4816475"/>
+                <a:gd name="connsiteY3" fmla="*/ 2163603 h 4571046"/>
+                <a:gd name="connsiteX4" fmla="*/ 3612753 w 4816475"/>
+                <a:gd name="connsiteY4" fmla="*/ 4571046 h 4571046"/>
+                <a:gd name="connsiteX5" fmla="*/ 1203722 w 4816475"/>
+                <a:gd name="connsiteY5" fmla="*/ 4571046 h 4571046"/>
+                <a:gd name="connsiteX6" fmla="*/ 0 w 4816475"/>
+                <a:gd name="connsiteY6" fmla="*/ 2163603 h 4571046"/>
+                <a:gd name="connsiteX0" fmla="*/ 0 w 4958715"/>
+                <a:gd name="connsiteY0" fmla="*/ 2163603 h 4571046"/>
+                <a:gd name="connsiteX1" fmla="*/ 2199402 w 4958715"/>
+                <a:gd name="connsiteY1" fmla="*/ 0 h 4571046"/>
+                <a:gd name="connsiteX2" fmla="*/ 4608433 w 4958715"/>
+                <a:gd name="connsiteY2" fmla="*/ 721360 h 4571046"/>
+                <a:gd name="connsiteX3" fmla="*/ 4958715 w 4958715"/>
+                <a:gd name="connsiteY3" fmla="*/ 2803683 h 4571046"/>
+                <a:gd name="connsiteX4" fmla="*/ 3612753 w 4958715"/>
+                <a:gd name="connsiteY4" fmla="*/ 4571046 h 4571046"/>
+                <a:gd name="connsiteX5" fmla="*/ 1203722 w 4958715"/>
+                <a:gd name="connsiteY5" fmla="*/ 4571046 h 4571046"/>
+                <a:gd name="connsiteX6" fmla="*/ 0 w 4958715"/>
+                <a:gd name="connsiteY6" fmla="*/ 2163603 h 4571046"/>
+                <a:gd name="connsiteX0" fmla="*/ 0 w 4916043"/>
+                <a:gd name="connsiteY0" fmla="*/ 1273587 h 4571046"/>
+                <a:gd name="connsiteX1" fmla="*/ 2156730 w 4916043"/>
+                <a:gd name="connsiteY1" fmla="*/ 0 h 4571046"/>
+                <a:gd name="connsiteX2" fmla="*/ 4565761 w 4916043"/>
+                <a:gd name="connsiteY2" fmla="*/ 721360 h 4571046"/>
+                <a:gd name="connsiteX3" fmla="*/ 4916043 w 4916043"/>
+                <a:gd name="connsiteY3" fmla="*/ 2803683 h 4571046"/>
+                <a:gd name="connsiteX4" fmla="*/ 3570081 w 4916043"/>
+                <a:gd name="connsiteY4" fmla="*/ 4571046 h 4571046"/>
+                <a:gd name="connsiteX5" fmla="*/ 1161050 w 4916043"/>
+                <a:gd name="connsiteY5" fmla="*/ 4571046 h 4571046"/>
+                <a:gd name="connsiteX6" fmla="*/ 0 w 4916043"/>
+                <a:gd name="connsiteY6" fmla="*/ 1273587 h 4571046"/>
+                <a:gd name="connsiteX0" fmla="*/ 0 w 4916043"/>
+                <a:gd name="connsiteY0" fmla="*/ 1273587 h 4571046"/>
+                <a:gd name="connsiteX1" fmla="*/ 2156730 w 4916043"/>
+                <a:gd name="connsiteY1" fmla="*/ 0 h 4571046"/>
+                <a:gd name="connsiteX2" fmla="*/ 4565761 w 4916043"/>
+                <a:gd name="connsiteY2" fmla="*/ 721360 h 4571046"/>
+                <a:gd name="connsiteX3" fmla="*/ 4916043 w 4916043"/>
+                <a:gd name="connsiteY3" fmla="*/ 2803683 h 4571046"/>
+                <a:gd name="connsiteX4" fmla="*/ 3570081 w 4916043"/>
+                <a:gd name="connsiteY4" fmla="*/ 4571046 h 4571046"/>
+                <a:gd name="connsiteX5" fmla="*/ 21098 w 4916043"/>
+                <a:gd name="connsiteY5" fmla="*/ 3815142 h 4571046"/>
+                <a:gd name="connsiteX6" fmla="*/ 0 w 4916043"/>
+                <a:gd name="connsiteY6" fmla="*/ 1273587 h 4571046"/>
+                <a:gd name="connsiteX0" fmla="*/ 0 w 4916043"/>
+                <a:gd name="connsiteY0" fmla="*/ 1273587 h 5066346"/>
+                <a:gd name="connsiteX1" fmla="*/ 2156730 w 4916043"/>
+                <a:gd name="connsiteY1" fmla="*/ 0 h 5066346"/>
+                <a:gd name="connsiteX2" fmla="*/ 4565761 w 4916043"/>
+                <a:gd name="connsiteY2" fmla="*/ 721360 h 5066346"/>
+                <a:gd name="connsiteX3" fmla="*/ 4916043 w 4916043"/>
+                <a:gd name="connsiteY3" fmla="*/ 2803683 h 5066346"/>
+                <a:gd name="connsiteX4" fmla="*/ 2236581 w 4916043"/>
+                <a:gd name="connsiteY4" fmla="*/ 5066346 h 5066346"/>
+                <a:gd name="connsiteX5" fmla="*/ 21098 w 4916043"/>
+                <a:gd name="connsiteY5" fmla="*/ 3815142 h 5066346"/>
+                <a:gd name="connsiteX6" fmla="*/ 0 w 4916043"/>
+                <a:gd name="connsiteY6" fmla="*/ 1273587 h 5066346"/>
+                <a:gd name="connsiteX0" fmla="*/ 0 w 4565761"/>
+                <a:gd name="connsiteY0" fmla="*/ 1273587 h 5066346"/>
+                <a:gd name="connsiteX1" fmla="*/ 2156730 w 4565761"/>
+                <a:gd name="connsiteY1" fmla="*/ 0 h 5066346"/>
+                <a:gd name="connsiteX2" fmla="*/ 4565761 w 4565761"/>
+                <a:gd name="connsiteY2" fmla="*/ 721360 h 5066346"/>
+                <a:gd name="connsiteX3" fmla="*/ 4405503 w 4565761"/>
+                <a:gd name="connsiteY3" fmla="*/ 3801903 h 5066346"/>
+                <a:gd name="connsiteX4" fmla="*/ 2236581 w 4565761"/>
+                <a:gd name="connsiteY4" fmla="*/ 5066346 h 5066346"/>
+                <a:gd name="connsiteX5" fmla="*/ 21098 w 4565761"/>
+                <a:gd name="connsiteY5" fmla="*/ 3815142 h 5066346"/>
+                <a:gd name="connsiteX6" fmla="*/ 0 w 4565761"/>
+                <a:gd name="connsiteY6" fmla="*/ 1273587 h 5066346"/>
+                <a:gd name="connsiteX0" fmla="*/ 0 w 4405503"/>
+                <a:gd name="connsiteY0" fmla="*/ 1273587 h 5066346"/>
+                <a:gd name="connsiteX1" fmla="*/ 2156730 w 4405503"/>
+                <a:gd name="connsiteY1" fmla="*/ 0 h 5066346"/>
+                <a:gd name="connsiteX2" fmla="*/ 4398121 w 4405503"/>
+                <a:gd name="connsiteY2" fmla="*/ 1277620 h 5066346"/>
+                <a:gd name="connsiteX3" fmla="*/ 4405503 w 4405503"/>
+                <a:gd name="connsiteY3" fmla="*/ 3801903 h 5066346"/>
+                <a:gd name="connsiteX4" fmla="*/ 2236581 w 4405503"/>
+                <a:gd name="connsiteY4" fmla="*/ 5066346 h 5066346"/>
+                <a:gd name="connsiteX5" fmla="*/ 21098 w 4405503"/>
+                <a:gd name="connsiteY5" fmla="*/ 3815142 h 5066346"/>
+                <a:gd name="connsiteX6" fmla="*/ 0 w 4405503"/>
+                <a:gd name="connsiteY6" fmla="*/ 1273587 h 5066346"/>
+              </a:gdLst>
+              <a:ahLst/>
+              <a:cxnLst>
+                <a:cxn ang="0">
+                  <a:pos x="connsiteX0" y="connsiteY0"/>
+                </a:cxn>
+                <a:cxn ang="0">
+                  <a:pos x="connsiteX1" y="connsiteY1"/>
+                </a:cxn>
+                <a:cxn ang="0">
+                  <a:pos x="connsiteX2" y="connsiteY2"/>
+                </a:cxn>
+                <a:cxn ang="0">
+                  <a:pos x="connsiteX3" y="connsiteY3"/>
+                </a:cxn>
+                <a:cxn ang="0">
+                  <a:pos x="connsiteX4" y="connsiteY4"/>
+                </a:cxn>
+                <a:cxn ang="0">
+                  <a:pos x="connsiteX5" y="connsiteY5"/>
+                </a:cxn>
+                <a:cxn ang="0">
+                  <a:pos x="connsiteX6" y="connsiteY6"/>
+                </a:cxn>
+              </a:cxnLst>
+              <a:rect l="l" t="t" r="r" b="b"/>
+              <a:pathLst>
+                <a:path w="4405503" h="5066346">
+                  <a:moveTo>
+                    <a:pt x="0" y="1273587"/>
+                  </a:moveTo>
+                  <a:lnTo>
+                    <a:pt x="2156730" y="0"/>
+                  </a:lnTo>
+                  <a:lnTo>
+                    <a:pt x="4398121" y="1277620"/>
+                  </a:lnTo>
+                  <a:cubicBezTo>
+                    <a:pt x="4400582" y="2119048"/>
+                    <a:pt x="4403042" y="2960475"/>
+                    <a:pt x="4405503" y="3801903"/>
+                  </a:cubicBezTo>
+                  <a:lnTo>
+                    <a:pt x="2236581" y="5066346"/>
+                  </a:lnTo>
+                  <a:lnTo>
+                    <a:pt x="21098" y="3815142"/>
+                  </a:lnTo>
+                  <a:lnTo>
+                    <a:pt x="0" y="1273587"/>
+                  </a:lnTo>
+                  <a:close/>
+                </a:path>
+              </a:pathLst>
+            </a:custGeom>
+            <a:solidFill>
+              <a:schemeClr val="tx2">
+                <a:lumMod val="50000"/>
+                <a:lumOff val="50000"/>
+              </a:schemeClr>
+            </a:solidFill>
+            <a:ln w="38100">
+              <a:noFill/>
+            </a:ln>
+          </p:spPr>
+        </p:pic>
+        <p:pic>
+          <p:nvPicPr>
+            <p:cNvPr id="7" name="Graphic 6">
+              <a:extLst>
+                <a:ext uri="{FF2B5EF4-FFF2-40B4-BE49-F238E27FC236}">
+                  <a16:creationId xmlns:a16="http://schemas.microsoft.com/office/drawing/2014/main" id="{58B2C25B-DCD5-DB5A-57BA-418E81EDAF89}"/>
+                </a:ext>
+              </a:extLst>
+            </p:cNvPr>
+            <p:cNvPicPr>
+              <a:picLocks noChangeAspect="1"/>
+            </p:cNvPicPr>
+            <p:nvPr/>
+          </p:nvPicPr>
+          <p:blipFill>
+            <a:blip r:embed="rId3"/>
+            <a:srcRect/>
+            <a:stretch/>
+          </p:blipFill>
+          <p:spPr>
+            <a:xfrm>
+              <a:off x="10124513" y="4593626"/>
+              <a:ext cx="1411300" cy="1411300"/>
+            </a:xfrm>
+            <a:prstGeom prst="rect">
+              <a:avLst/>
+            </a:prstGeom>
+          </p:spPr>
+        </p:pic>
+      </p:grpSp>
+      <p:sp>
+        <p:nvSpPr>
+          <p:cNvPr id="3" name="TextBox 2">
+            <a:extLst>
+              <a:ext uri="{FF2B5EF4-FFF2-40B4-BE49-F238E27FC236}">
+                <a16:creationId xmlns:a16="http://schemas.microsoft.com/office/drawing/2014/main" id="{26BABB6A-806C-531C-4FCF-7F83E2CF9AFC}"/>
+              </a:ext>
+            </a:extLst>
+          </p:cNvPr>
+          <p:cNvSpPr txBox="1"/>
+          <p:nvPr/>
+        </p:nvSpPr>
+        <p:spPr>
+          <a:xfrm flipH="1">
+            <a:off x="3397727" y="1491308"/>
+            <a:ext cx="4408896" cy="707886"/>
+          </a:xfrm>
+          <a:prstGeom prst="rect">
+            <a:avLst/>
+          </a:prstGeom>
+        </p:spPr>
+        <p:txBody>
+          <a:bodyPr wrap="square" rtlCol="0">
+            <a:spAutoFit/>
+          </a:bodyPr>
+          <a:lstStyle/>
+          <a:p>
+            <a:pPr marL="0" indent="0" algn="ctr">
+              <a:lnSpc>
+                <a:spcPct val="100000"/>
+              </a:lnSpc>
+              <a:spcBef>
+                <a:spcPts val="0"/>
+              </a:spcBef>
+              <a:buFontTx/>
+              <a:buNone/>
+            </a:pPr>
+            <a:r>
+              <a:rPr lang="sr-Latn-RS" sz="2000" b="1" dirty="0" err="1">
+                <a:solidFill>
+                  <a:prstClr val="white"/>
+                </a:solidFill>
+                <a:effectLst>
+                  <a:outerShdw blurRad="38100" dist="38100" dir="2700000" algn="tl">
+                    <a:srgbClr val="000000">
+                      <a:alpha val="43137"/>
+                    </a:srgbClr>
+                  </a:outerShdw>
+                </a:effectLst>
+                <a:latin typeface="Posterama" panose="020B0504020200020000" pitchFamily="34" charset="0"/>
+                <a:ea typeface="微软雅黑"/>
+                <a:cs typeface="Posterama" panose="020B0504020200020000" pitchFamily="34" charset="0"/>
+              </a:rPr>
+              <a:t>Replicated</a:t>
+            </a:r>
+            <a:r>
+              <a:rPr lang="sr-Latn-RS" sz="2000" b="1" dirty="0">
+                <a:solidFill>
+                  <a:prstClr val="white"/>
+                </a:solidFill>
+                <a:effectLst>
+                  <a:outerShdw blurRad="38100" dist="38100" dir="2700000" algn="tl">
+                    <a:srgbClr val="000000">
+                      <a:alpha val="43137"/>
+                    </a:srgbClr>
+                  </a:outerShdw>
+                </a:effectLst>
+                <a:latin typeface="Posterama" panose="020B0504020200020000" pitchFamily="34" charset="0"/>
+                <a:ea typeface="微软雅黑"/>
+                <a:cs typeface="Posterama" panose="020B0504020200020000" pitchFamily="34" charset="0"/>
+              </a:rPr>
+              <a:t> </a:t>
+            </a:r>
+            <a:r>
+              <a:rPr lang="sr-Latn-RS" sz="2000" b="1" dirty="0" err="1">
+                <a:solidFill>
+                  <a:prstClr val="white"/>
+                </a:solidFill>
+                <a:effectLst>
+                  <a:outerShdw blurRad="38100" dist="38100" dir="2700000" algn="tl">
+                    <a:srgbClr val="000000">
+                      <a:alpha val="43137"/>
+                    </a:srgbClr>
+                  </a:outerShdw>
+                </a:effectLst>
+                <a:latin typeface="Posterama" panose="020B0504020200020000" pitchFamily="34" charset="0"/>
+                <a:ea typeface="微软雅黑"/>
+                <a:cs typeface="Posterama" panose="020B0504020200020000" pitchFamily="34" charset="0"/>
+              </a:rPr>
+              <a:t>and</a:t>
+            </a:r>
+            <a:r>
+              <a:rPr lang="sr-Latn-RS" sz="2000" b="1" dirty="0">
+                <a:solidFill>
+                  <a:prstClr val="white"/>
+                </a:solidFill>
+                <a:effectLst>
+                  <a:outerShdw blurRad="38100" dist="38100" dir="2700000" algn="tl">
+                    <a:srgbClr val="000000">
+                      <a:alpha val="43137"/>
+                    </a:srgbClr>
+                  </a:outerShdw>
+                </a:effectLst>
+                <a:latin typeface="Posterama" panose="020B0504020200020000" pitchFamily="34" charset="0"/>
+                <a:ea typeface="微软雅黑"/>
+                <a:cs typeface="Posterama" panose="020B0504020200020000" pitchFamily="34" charset="0"/>
+              </a:rPr>
+              <a:t> </a:t>
+            </a:r>
+            <a:r>
+              <a:rPr lang="sr-Latn-RS" sz="2000" b="1" dirty="0" err="1">
+                <a:solidFill>
+                  <a:prstClr val="white"/>
+                </a:solidFill>
+                <a:effectLst>
+                  <a:outerShdw blurRad="38100" dist="38100" dir="2700000" algn="tl">
+                    <a:srgbClr val="000000">
+                      <a:alpha val="43137"/>
+                    </a:srgbClr>
+                  </a:outerShdw>
+                </a:effectLst>
+                <a:latin typeface="Posterama" panose="020B0504020200020000" pitchFamily="34" charset="0"/>
+                <a:ea typeface="微软雅黑"/>
+                <a:cs typeface="Posterama" panose="020B0504020200020000" pitchFamily="34" charset="0"/>
+              </a:rPr>
+              <a:t>fault</a:t>
+            </a:r>
+            <a:r>
+              <a:rPr lang="sr-Latn-RS" sz="2000" b="1" dirty="0">
+                <a:solidFill>
+                  <a:prstClr val="white"/>
+                </a:solidFill>
+                <a:effectLst>
+                  <a:outerShdw blurRad="38100" dist="38100" dir="2700000" algn="tl">
+                    <a:srgbClr val="000000">
+                      <a:alpha val="43137"/>
+                    </a:srgbClr>
+                  </a:outerShdw>
+                </a:effectLst>
+                <a:latin typeface="Posterama" panose="020B0504020200020000" pitchFamily="34" charset="0"/>
+                <a:ea typeface="微软雅黑"/>
+                <a:cs typeface="Posterama" panose="020B0504020200020000" pitchFamily="34" charset="0"/>
+              </a:rPr>
+              <a:t> </a:t>
+            </a:r>
+            <a:r>
+              <a:rPr lang="sr-Latn-RS" sz="2000" b="1" dirty="0" err="1">
+                <a:solidFill>
+                  <a:prstClr val="white"/>
+                </a:solidFill>
+                <a:effectLst>
+                  <a:outerShdw blurRad="38100" dist="38100" dir="2700000" algn="tl">
+                    <a:srgbClr val="000000">
+                      <a:alpha val="43137"/>
+                    </a:srgbClr>
+                  </a:outerShdw>
+                </a:effectLst>
+                <a:latin typeface="Posterama" panose="020B0504020200020000" pitchFamily="34" charset="0"/>
+                <a:ea typeface="微软雅黑"/>
+                <a:cs typeface="Posterama" panose="020B0504020200020000" pitchFamily="34" charset="0"/>
+              </a:rPr>
+              <a:t>tolerant</a:t>
+            </a:r>
+            <a:r>
+              <a:rPr lang="sr-Latn-RS" sz="2000" b="1" dirty="0">
+                <a:solidFill>
+                  <a:prstClr val="white"/>
+                </a:solidFill>
+                <a:effectLst>
+                  <a:outerShdw blurRad="38100" dist="38100" dir="2700000" algn="tl">
+                    <a:srgbClr val="000000">
+                      <a:alpha val="43137"/>
+                    </a:srgbClr>
+                  </a:outerShdw>
+                </a:effectLst>
+                <a:latin typeface="Posterama" panose="020B0504020200020000" pitchFamily="34" charset="0"/>
+                <a:ea typeface="微软雅黑"/>
+                <a:cs typeface="Posterama" panose="020B0504020200020000" pitchFamily="34" charset="0"/>
+              </a:rPr>
+              <a:t> </a:t>
+            </a:r>
+          </a:p>
+          <a:p>
+            <a:pPr marL="0" indent="0" algn="ctr">
+              <a:lnSpc>
+                <a:spcPct val="100000"/>
+              </a:lnSpc>
+              <a:spcBef>
+                <a:spcPts val="0"/>
+              </a:spcBef>
+              <a:buFontTx/>
+              <a:buNone/>
+            </a:pPr>
+            <a:r>
+              <a:rPr lang="sr-Latn-RS" sz="2000" b="1" dirty="0">
+                <a:solidFill>
+                  <a:prstClr val="white"/>
+                </a:solidFill>
+                <a:effectLst>
+                  <a:outerShdw blurRad="38100" dist="38100" dir="2700000" algn="tl">
+                    <a:srgbClr val="000000">
+                      <a:alpha val="43137"/>
+                    </a:srgbClr>
+                  </a:outerShdw>
+                </a:effectLst>
+                <a:latin typeface="Posterama" panose="020B0504020200020000" pitchFamily="34" charset="0"/>
+                <a:ea typeface="微软雅黑"/>
+                <a:cs typeface="Posterama" panose="020B0504020200020000" pitchFamily="34" charset="0"/>
+              </a:rPr>
+              <a:t>(Repliciran i otporan na defekte)</a:t>
+            </a:r>
+            <a:endParaRPr lang="sr-Latn-RS" sz="1800" b="1" dirty="0">
+              <a:solidFill>
+                <a:prstClr val="white"/>
+              </a:solidFill>
+              <a:effectLst>
+                <a:outerShdw blurRad="38100" dist="38100" dir="2700000" algn="tl">
+                  <a:srgbClr val="000000">
+                    <a:alpha val="43137"/>
+                  </a:srgbClr>
+                </a:outerShdw>
+              </a:effectLst>
+              <a:latin typeface="Posterama" panose="020B0504020200020000" pitchFamily="34" charset="0"/>
+              <a:ea typeface="微软雅黑"/>
+              <a:cs typeface="Posterama" panose="020B0504020200020000" pitchFamily="34" charset="0"/>
+            </a:endParaRPr>
+          </a:p>
+        </p:txBody>
+      </p:sp>
+      <p:sp>
+        <p:nvSpPr>
+          <p:cNvPr id="4" name="TextBox 3">
+            <a:extLst>
+              <a:ext uri="{FF2B5EF4-FFF2-40B4-BE49-F238E27FC236}">
+                <a16:creationId xmlns:a16="http://schemas.microsoft.com/office/drawing/2014/main" id="{1DF94702-B6EE-1A71-55F7-F8D6D28C25EA}"/>
+              </a:ext>
+            </a:extLst>
+          </p:cNvPr>
+          <p:cNvSpPr txBox="1"/>
+          <p:nvPr/>
+        </p:nvSpPr>
+        <p:spPr>
+          <a:xfrm flipH="1">
+            <a:off x="5545105" y="4487793"/>
+            <a:ext cx="6646895" cy="400110"/>
+          </a:xfrm>
+          <a:prstGeom prst="rect">
+            <a:avLst/>
+          </a:prstGeom>
+        </p:spPr>
+        <p:txBody>
+          <a:bodyPr wrap="square" rtlCol="0">
+            <a:spAutoFit/>
+          </a:bodyPr>
+          <a:lstStyle/>
+          <a:p>
+            <a:pPr marL="0" indent="0" algn="ctr">
+              <a:lnSpc>
+                <a:spcPct val="100000"/>
+              </a:lnSpc>
+              <a:spcBef>
+                <a:spcPts val="0"/>
+              </a:spcBef>
+              <a:buFontTx/>
+              <a:buNone/>
+            </a:pPr>
+            <a:r>
+              <a:rPr lang="sr-Latn-RS" sz="2000" b="1" dirty="0">
+                <a:solidFill>
+                  <a:prstClr val="white"/>
+                </a:solidFill>
+                <a:effectLst>
+                  <a:outerShdw blurRad="38100" dist="38100" dir="2700000" algn="tl">
+                    <a:srgbClr val="000000">
+                      <a:alpha val="43137"/>
+                    </a:srgbClr>
+                  </a:outerShdw>
+                </a:effectLst>
+                <a:latin typeface="Posterama" panose="020B0504020200020000" pitchFamily="34" charset="0"/>
+                <a:ea typeface="微软雅黑"/>
+                <a:cs typeface="Posterama" panose="020B0504020200020000" pitchFamily="34" charset="0"/>
+              </a:rPr>
+              <a:t>Održavanje stanja automata konzistentnim</a:t>
+            </a:r>
+          </a:p>
+        </p:txBody>
+      </p:sp>
+      <p:sp>
+        <p:nvSpPr>
+          <p:cNvPr id="5" name="TextBox 4">
+            <a:extLst>
+              <a:ext uri="{FF2B5EF4-FFF2-40B4-BE49-F238E27FC236}">
+                <a16:creationId xmlns:a16="http://schemas.microsoft.com/office/drawing/2014/main" id="{591EC29F-C3E2-49F5-38D7-F7FA86B7617E}"/>
+              </a:ext>
+            </a:extLst>
+          </p:cNvPr>
+          <p:cNvSpPr txBox="1"/>
+          <p:nvPr/>
+        </p:nvSpPr>
+        <p:spPr>
+          <a:xfrm flipH="1">
+            <a:off x="2482488" y="3060491"/>
+            <a:ext cx="4631311" cy="954107"/>
+          </a:xfrm>
+          <a:prstGeom prst="rect">
+            <a:avLst/>
+          </a:prstGeom>
+        </p:spPr>
+        <p:txBody>
+          <a:bodyPr wrap="square" rtlCol="0">
+            <a:spAutoFit/>
+          </a:bodyPr>
+          <a:lstStyle/>
+          <a:p>
+            <a:pPr marL="0" indent="0" algn="ctr">
+              <a:lnSpc>
+                <a:spcPct val="100000"/>
+              </a:lnSpc>
+              <a:spcBef>
+                <a:spcPts val="0"/>
+              </a:spcBef>
+              <a:buFontTx/>
+              <a:buNone/>
+            </a:pPr>
+            <a:r>
+              <a:rPr lang="sr-Latn-RS" sz="2000" b="1" dirty="0">
+                <a:solidFill>
+                  <a:prstClr val="white"/>
+                </a:solidFill>
+                <a:effectLst>
+                  <a:outerShdw blurRad="38100" dist="38100" dir="2700000" algn="tl">
+                    <a:srgbClr val="000000">
+                      <a:alpha val="43137"/>
+                    </a:srgbClr>
+                  </a:outerShdw>
+                </a:effectLst>
+                <a:latin typeface="Posterama" panose="020B0504020200020000" pitchFamily="34" charset="0"/>
+                <a:ea typeface="微软雅黑"/>
+                <a:cs typeface="Posterama" panose="020B0504020200020000" pitchFamily="34" charset="0"/>
+              </a:rPr>
+              <a:t>Dnevnik evidentiranih događaja</a:t>
+            </a:r>
+          </a:p>
+          <a:p>
+            <a:pPr marL="285750" indent="-285750">
+              <a:lnSpc>
+                <a:spcPct val="100000"/>
+              </a:lnSpc>
+              <a:spcBef>
+                <a:spcPts val="0"/>
+              </a:spcBef>
+              <a:buFont typeface="Arial" panose="020B0604020202020204" pitchFamily="34" charset="0"/>
+              <a:buChar char="•"/>
+            </a:pPr>
+            <a:r>
+              <a:rPr lang="sr-Latn-RS" dirty="0">
+                <a:solidFill>
+                  <a:prstClr val="white"/>
+                </a:solidFill>
+                <a:latin typeface="Posterama" panose="020B0504020200020000" pitchFamily="34" charset="0"/>
+                <a:ea typeface="微软雅黑"/>
+                <a:cs typeface="Posterama" panose="020B0504020200020000" pitchFamily="34" charset="0"/>
+              </a:rPr>
+              <a:t>Rekonstrukcija stanja</a:t>
+            </a:r>
+          </a:p>
+          <a:p>
+            <a:pPr marL="285750" indent="-285750">
+              <a:lnSpc>
+                <a:spcPct val="100000"/>
+              </a:lnSpc>
+              <a:spcBef>
+                <a:spcPts val="0"/>
+              </a:spcBef>
+              <a:buFont typeface="Arial" panose="020B0604020202020204" pitchFamily="34" charset="0"/>
+              <a:buChar char="•"/>
+            </a:pPr>
+            <a:r>
+              <a:rPr lang="sr-Latn-RS" dirty="0">
+                <a:solidFill>
+                  <a:prstClr val="white"/>
+                </a:solidFill>
+                <a:latin typeface="Posterama" panose="020B0504020200020000" pitchFamily="34" charset="0"/>
+                <a:ea typeface="微软雅黑"/>
+                <a:cs typeface="Posterama" panose="020B0504020200020000" pitchFamily="34" charset="0"/>
+              </a:rPr>
+              <a:t>Kompresija u permanentnom skladištu</a:t>
+            </a:r>
+          </a:p>
+        </p:txBody>
+      </p:sp>
+      <p:sp>
+        <p:nvSpPr>
+          <p:cNvPr id="6" name="TextBox 5">
+            <a:extLst>
+              <a:ext uri="{FF2B5EF4-FFF2-40B4-BE49-F238E27FC236}">
+                <a16:creationId xmlns:a16="http://schemas.microsoft.com/office/drawing/2014/main" id="{CF41D875-0E7E-3D1D-20C2-18F6D4B86FFD}"/>
+              </a:ext>
+            </a:extLst>
+          </p:cNvPr>
+          <p:cNvSpPr txBox="1"/>
+          <p:nvPr/>
+        </p:nvSpPr>
+        <p:spPr>
+          <a:xfrm flipH="1">
+            <a:off x="8314982" y="2767512"/>
+            <a:ext cx="2789059" cy="954107"/>
+          </a:xfrm>
+          <a:prstGeom prst="rect">
+            <a:avLst/>
+          </a:prstGeom>
+        </p:spPr>
+        <p:txBody>
+          <a:bodyPr wrap="square" rtlCol="0">
+            <a:spAutoFit/>
+          </a:bodyPr>
+          <a:lstStyle/>
+          <a:p>
+            <a:pPr marL="0" indent="0" algn="ctr">
+              <a:lnSpc>
+                <a:spcPct val="100000"/>
+              </a:lnSpc>
+              <a:spcBef>
+                <a:spcPts val="0"/>
+              </a:spcBef>
+              <a:buFontTx/>
+              <a:buNone/>
+            </a:pPr>
+            <a:r>
+              <a:rPr lang="sr-Latn-RS" sz="2000" b="1" dirty="0">
+                <a:solidFill>
+                  <a:prstClr val="white"/>
+                </a:solidFill>
+                <a:effectLst>
+                  <a:outerShdw blurRad="38100" dist="38100" dir="2700000" algn="tl">
+                    <a:srgbClr val="000000">
+                      <a:alpha val="43137"/>
+                    </a:srgbClr>
+                  </a:outerShdw>
+                </a:effectLst>
+                <a:latin typeface="Posterama" panose="020B0504020200020000" pitchFamily="34" charset="0"/>
+                <a:ea typeface="微软雅黑"/>
+                <a:cs typeface="Posterama" panose="020B0504020200020000" pitchFamily="34" charset="0"/>
+              </a:rPr>
+              <a:t>RPC</a:t>
+            </a:r>
+          </a:p>
+          <a:p>
+            <a:pPr marL="285750" indent="-285750">
+              <a:lnSpc>
+                <a:spcPct val="100000"/>
+              </a:lnSpc>
+              <a:spcBef>
+                <a:spcPts val="0"/>
+              </a:spcBef>
+              <a:buFont typeface="Arial" panose="020B0604020202020204" pitchFamily="34" charset="0"/>
+              <a:buChar char="•"/>
+            </a:pPr>
+            <a:r>
+              <a:rPr lang="sr-Latn-RS" dirty="0" err="1">
+                <a:solidFill>
+                  <a:prstClr val="white"/>
+                </a:solidFill>
+                <a:latin typeface="Posterama" panose="020B0504020200020000" pitchFamily="34" charset="0"/>
+                <a:ea typeface="微软雅黑"/>
+                <a:cs typeface="Posterama" panose="020B0504020200020000" pitchFamily="34" charset="0"/>
+              </a:rPr>
+              <a:t>AppendEntries</a:t>
+            </a:r>
+            <a:r>
+              <a:rPr lang="sr-Latn-RS" dirty="0">
+                <a:solidFill>
+                  <a:prstClr val="white"/>
+                </a:solidFill>
+                <a:latin typeface="Posterama" panose="020B0504020200020000" pitchFamily="34" charset="0"/>
+                <a:ea typeface="微软雅黑"/>
+                <a:cs typeface="Posterama" panose="020B0504020200020000" pitchFamily="34" charset="0"/>
+              </a:rPr>
+              <a:t>(</a:t>
+            </a:r>
+            <a:r>
+              <a:rPr lang="sr-Latn-RS" dirty="0" err="1">
+                <a:solidFill>
+                  <a:prstClr val="white"/>
+                </a:solidFill>
+                <a:latin typeface="Posterama" panose="020B0504020200020000" pitchFamily="34" charset="0"/>
+                <a:ea typeface="微软雅黑"/>
+                <a:cs typeface="Posterama" panose="020B0504020200020000" pitchFamily="34" charset="0"/>
+              </a:rPr>
+              <a:t>args</a:t>
+            </a:r>
+            <a:r>
+              <a:rPr lang="sr-Latn-RS" dirty="0">
+                <a:solidFill>
+                  <a:prstClr val="white"/>
+                </a:solidFill>
+                <a:latin typeface="Posterama" panose="020B0504020200020000" pitchFamily="34" charset="0"/>
+                <a:ea typeface="微软雅黑"/>
+                <a:cs typeface="Posterama" panose="020B0504020200020000" pitchFamily="34" charset="0"/>
+              </a:rPr>
+              <a:t>)</a:t>
+            </a:r>
+          </a:p>
+          <a:p>
+            <a:pPr marL="285750" indent="-285750">
+              <a:lnSpc>
+                <a:spcPct val="100000"/>
+              </a:lnSpc>
+              <a:spcBef>
+                <a:spcPts val="0"/>
+              </a:spcBef>
+              <a:buFont typeface="Arial" panose="020B0604020202020204" pitchFamily="34" charset="0"/>
+              <a:buChar char="•"/>
+            </a:pPr>
+            <a:r>
+              <a:rPr lang="sr-Latn-RS" sz="1800" dirty="0" err="1">
+                <a:solidFill>
+                  <a:prstClr val="white"/>
+                </a:solidFill>
+                <a:latin typeface="Posterama" panose="020B0504020200020000" pitchFamily="34" charset="0"/>
+                <a:ea typeface="微软雅黑"/>
+                <a:cs typeface="Posterama" panose="020B0504020200020000" pitchFamily="34" charset="0"/>
+              </a:rPr>
+              <a:t>Re</a:t>
+            </a:r>
+            <a:r>
+              <a:rPr lang="sr-Latn-RS" dirty="0" err="1">
+                <a:solidFill>
+                  <a:prstClr val="white"/>
+                </a:solidFill>
+                <a:latin typeface="Posterama" panose="020B0504020200020000" pitchFamily="34" charset="0"/>
+                <a:ea typeface="微软雅黑"/>
+                <a:cs typeface="Posterama" panose="020B0504020200020000" pitchFamily="34" charset="0"/>
+              </a:rPr>
+              <a:t>questVote</a:t>
+            </a:r>
+            <a:r>
+              <a:rPr lang="sr-Latn-RS" dirty="0">
+                <a:solidFill>
+                  <a:prstClr val="white"/>
+                </a:solidFill>
+                <a:latin typeface="Posterama" panose="020B0504020200020000" pitchFamily="34" charset="0"/>
+                <a:ea typeface="微软雅黑"/>
+                <a:cs typeface="Posterama" panose="020B0504020200020000" pitchFamily="34" charset="0"/>
+              </a:rPr>
+              <a:t>(</a:t>
+            </a:r>
+            <a:r>
+              <a:rPr lang="sr-Latn-RS" dirty="0" err="1">
+                <a:solidFill>
+                  <a:prstClr val="white"/>
+                </a:solidFill>
+                <a:latin typeface="Posterama" panose="020B0504020200020000" pitchFamily="34" charset="0"/>
+                <a:ea typeface="微软雅黑"/>
+                <a:cs typeface="Posterama" panose="020B0504020200020000" pitchFamily="34" charset="0"/>
+              </a:rPr>
+              <a:t>args</a:t>
+            </a:r>
+            <a:r>
+              <a:rPr lang="sr-Latn-RS" dirty="0">
+                <a:solidFill>
+                  <a:prstClr val="white"/>
+                </a:solidFill>
+                <a:latin typeface="Posterama" panose="020B0504020200020000" pitchFamily="34" charset="0"/>
+                <a:ea typeface="微软雅黑"/>
+                <a:cs typeface="Posterama" panose="020B0504020200020000" pitchFamily="34" charset="0"/>
+              </a:rPr>
+              <a:t>)</a:t>
+            </a:r>
+            <a:endParaRPr lang="sr-Latn-RS" sz="1800" dirty="0">
+              <a:solidFill>
+                <a:prstClr val="white"/>
+              </a:solidFill>
+              <a:latin typeface="Posterama" panose="020B0504020200020000" pitchFamily="34" charset="0"/>
+              <a:ea typeface="微软雅黑"/>
+              <a:cs typeface="Posterama" panose="020B0504020200020000" pitchFamily="34" charset="0"/>
+            </a:endParaRPr>
+          </a:p>
+        </p:txBody>
+      </p:sp>
+      <p:sp>
+        <p:nvSpPr>
+          <p:cNvPr id="9" name="TextBox 8">
+            <a:extLst>
+              <a:ext uri="{FF2B5EF4-FFF2-40B4-BE49-F238E27FC236}">
+                <a16:creationId xmlns:a16="http://schemas.microsoft.com/office/drawing/2014/main" id="{92F7FBA5-B4B3-1670-559F-24CC6DF73468}"/>
+              </a:ext>
+            </a:extLst>
+          </p:cNvPr>
+          <p:cNvSpPr txBox="1"/>
+          <p:nvPr/>
+        </p:nvSpPr>
+        <p:spPr>
+          <a:xfrm flipH="1">
+            <a:off x="8706699" y="1135241"/>
+            <a:ext cx="2912949" cy="954107"/>
+          </a:xfrm>
+          <a:prstGeom prst="rect">
+            <a:avLst/>
+          </a:prstGeom>
+        </p:spPr>
+        <p:txBody>
+          <a:bodyPr wrap="square" rtlCol="0">
+            <a:spAutoFit/>
+          </a:bodyPr>
+          <a:lstStyle/>
+          <a:p>
+            <a:pPr marL="0" indent="0" algn="ctr">
+              <a:lnSpc>
+                <a:spcPct val="100000"/>
+              </a:lnSpc>
+              <a:spcBef>
+                <a:spcPts val="0"/>
+              </a:spcBef>
+              <a:buFontTx/>
+              <a:buNone/>
+            </a:pPr>
+            <a:r>
+              <a:rPr lang="sr-Latn-RS" sz="2000" b="1" dirty="0">
+                <a:solidFill>
+                  <a:prstClr val="white"/>
+                </a:solidFill>
+                <a:effectLst>
+                  <a:outerShdw blurRad="38100" dist="38100" dir="2700000" algn="tl">
+                    <a:srgbClr val="000000">
+                      <a:alpha val="43137"/>
+                    </a:srgbClr>
+                  </a:outerShdw>
+                </a:effectLst>
+                <a:latin typeface="Posterama" panose="020B0504020200020000" pitchFamily="34" charset="0"/>
+                <a:ea typeface="微软雅黑"/>
+                <a:cs typeface="Posterama" panose="020B0504020200020000" pitchFamily="34" charset="0"/>
+              </a:rPr>
+              <a:t>Faze algoritma</a:t>
+            </a:r>
+          </a:p>
+          <a:p>
+            <a:pPr marL="285750" indent="-285750">
+              <a:lnSpc>
+                <a:spcPct val="100000"/>
+              </a:lnSpc>
+              <a:spcBef>
+                <a:spcPts val="0"/>
+              </a:spcBef>
+              <a:buFont typeface="Arial" panose="020B0604020202020204" pitchFamily="34" charset="0"/>
+              <a:buChar char="•"/>
+            </a:pPr>
+            <a:r>
+              <a:rPr lang="sr-Latn-RS" dirty="0">
+                <a:solidFill>
+                  <a:prstClr val="white"/>
+                </a:solidFill>
+                <a:latin typeface="Posterama" panose="020B0504020200020000" pitchFamily="34" charset="0"/>
+                <a:ea typeface="微软雅黑"/>
+                <a:cs typeface="Posterama" panose="020B0504020200020000" pitchFamily="34" charset="0"/>
+              </a:rPr>
+              <a:t>Izbor lidera</a:t>
+            </a:r>
+          </a:p>
+          <a:p>
+            <a:pPr marL="285750" indent="-285750">
+              <a:lnSpc>
+                <a:spcPct val="100000"/>
+              </a:lnSpc>
+              <a:spcBef>
+                <a:spcPts val="0"/>
+              </a:spcBef>
+              <a:buFont typeface="Arial" panose="020B0604020202020204" pitchFamily="34" charset="0"/>
+              <a:buChar char="•"/>
+            </a:pPr>
+            <a:r>
+              <a:rPr lang="sr-Latn-RS" dirty="0" err="1">
+                <a:solidFill>
+                  <a:prstClr val="white"/>
+                </a:solidFill>
+                <a:latin typeface="Posterama" panose="020B0504020200020000" pitchFamily="34" charset="0"/>
+                <a:ea typeface="微软雅黑"/>
+                <a:cs typeface="Posterama" panose="020B0504020200020000" pitchFamily="34" charset="0"/>
+              </a:rPr>
+              <a:t>Replikacija</a:t>
+            </a:r>
+            <a:r>
+              <a:rPr lang="sr-Latn-RS" dirty="0">
+                <a:solidFill>
+                  <a:prstClr val="white"/>
+                </a:solidFill>
+                <a:latin typeface="Posterama" panose="020B0504020200020000" pitchFamily="34" charset="0"/>
+                <a:ea typeface="微软雅黑"/>
+                <a:cs typeface="Posterama" panose="020B0504020200020000" pitchFamily="34" charset="0"/>
+              </a:rPr>
+              <a:t> dnevnika</a:t>
+            </a:r>
+            <a:endParaRPr lang="sr-Latn-RS" sz="1800" dirty="0">
+              <a:solidFill>
+                <a:prstClr val="white"/>
+              </a:solidFill>
+              <a:latin typeface="Posterama" panose="020B0504020200020000" pitchFamily="34" charset="0"/>
+              <a:ea typeface="微软雅黑"/>
+              <a:cs typeface="Posterama" panose="020B0504020200020000" pitchFamily="34" charset="0"/>
+            </a:endParaRPr>
+          </a:p>
+        </p:txBody>
+      </p:sp>
+      <p:sp>
+        <p:nvSpPr>
+          <p:cNvPr id="11" name="TextBox 10">
+            <a:extLst>
+              <a:ext uri="{FF2B5EF4-FFF2-40B4-BE49-F238E27FC236}">
+                <a16:creationId xmlns:a16="http://schemas.microsoft.com/office/drawing/2014/main" id="{225859E7-DBF1-2D8D-0599-6EED83B8E159}"/>
+              </a:ext>
+            </a:extLst>
+          </p:cNvPr>
+          <p:cNvSpPr txBox="1"/>
+          <p:nvPr/>
+        </p:nvSpPr>
+        <p:spPr>
+          <a:xfrm>
+            <a:off x="259810" y="4613826"/>
+            <a:ext cx="8897308" cy="2062103"/>
+          </a:xfrm>
+          <a:prstGeom prst="rect">
+            <a:avLst/>
+          </a:prstGeom>
+        </p:spPr>
+        <p:txBody>
+          <a:bodyPr wrap="square" rtlCol="0">
+            <a:spAutoFit/>
+          </a:bodyPr>
+          <a:lstStyle/>
+          <a:p>
+            <a:pPr>
+              <a:lnSpc>
+                <a:spcPct val="100000"/>
+              </a:lnSpc>
+              <a:spcBef>
+                <a:spcPts val="0"/>
+              </a:spcBef>
+            </a:pPr>
+            <a:r>
+              <a:rPr lang="sr-Latn-RS" sz="2000" b="1" dirty="0">
+                <a:solidFill>
+                  <a:schemeClr val="bg1"/>
+                </a:solidFill>
+                <a:effectLst>
+                  <a:outerShdw blurRad="38100" dist="38100" dir="2700000" algn="tl">
+                    <a:srgbClr val="000000">
+                      <a:alpha val="43137"/>
+                    </a:srgbClr>
+                  </a:outerShdw>
+                </a:effectLst>
+                <a:latin typeface="Posterama" panose="020B0504020200020000" pitchFamily="34" charset="0"/>
+                <a:cs typeface="Posterama" panose="020B0504020200020000" pitchFamily="34" charset="0"/>
+              </a:rPr>
+              <a:t>Ograničenja</a:t>
+            </a:r>
+          </a:p>
+          <a:p>
+            <a:pPr marL="285750" indent="-285750">
+              <a:lnSpc>
+                <a:spcPct val="100000"/>
+              </a:lnSpc>
+              <a:spcBef>
+                <a:spcPts val="0"/>
+              </a:spcBef>
+              <a:buFont typeface="Arial" panose="020B0604020202020204" pitchFamily="34" charset="0"/>
+              <a:buChar char="•"/>
+            </a:pPr>
+            <a:r>
+              <a:rPr lang="sr-Latn-RS" dirty="0">
+                <a:solidFill>
+                  <a:schemeClr val="bg1"/>
+                </a:solidFill>
+                <a:latin typeface="Posterama" panose="020B0504020200020000" pitchFamily="34" charset="0"/>
+                <a:cs typeface="Posterama" panose="020B0504020200020000" pitchFamily="34" charset="0"/>
+              </a:rPr>
+              <a:t>Nema grešaka vizantijskog tipa.</a:t>
+            </a:r>
+          </a:p>
+          <a:p>
+            <a:pPr marL="285750" indent="-285750">
+              <a:lnSpc>
+                <a:spcPct val="100000"/>
+              </a:lnSpc>
+              <a:spcBef>
+                <a:spcPts val="0"/>
+              </a:spcBef>
+              <a:buFont typeface="Arial" panose="020B0604020202020204" pitchFamily="34" charset="0"/>
+              <a:buChar char="•"/>
+            </a:pPr>
+            <a:r>
+              <a:rPr lang="sr-Latn-RS" dirty="0">
+                <a:solidFill>
+                  <a:schemeClr val="bg1"/>
+                </a:solidFill>
+                <a:latin typeface="Posterama" panose="020B0504020200020000" pitchFamily="34" charset="0"/>
+                <a:cs typeface="Posterama" panose="020B0504020200020000" pitchFamily="34" charset="0"/>
+              </a:rPr>
+              <a:t>Nepouzdana mrežna komunikacija.</a:t>
+            </a:r>
+          </a:p>
+          <a:p>
+            <a:pPr marL="285750" indent="-285750">
+              <a:lnSpc>
+                <a:spcPct val="100000"/>
+              </a:lnSpc>
+              <a:spcBef>
+                <a:spcPts val="0"/>
+              </a:spcBef>
+              <a:buFont typeface="Arial" panose="020B0604020202020204" pitchFamily="34" charset="0"/>
+              <a:buChar char="•"/>
+            </a:pPr>
+            <a:r>
+              <a:rPr lang="sr-Latn-RS" dirty="0">
+                <a:solidFill>
+                  <a:schemeClr val="bg1"/>
+                </a:solidFill>
+                <a:latin typeface="Posterama" panose="020B0504020200020000" pitchFamily="34" charset="0"/>
+                <a:cs typeface="Posterama" panose="020B0504020200020000" pitchFamily="34" charset="0"/>
+              </a:rPr>
+              <a:t>Asinhrona komunikacija i procesori.</a:t>
+            </a:r>
+          </a:p>
+          <a:p>
+            <a:pPr marL="285750" indent="-285750">
+              <a:lnSpc>
+                <a:spcPct val="100000"/>
+              </a:lnSpc>
+              <a:spcBef>
+                <a:spcPts val="0"/>
+              </a:spcBef>
+              <a:buFont typeface="Arial" panose="020B0604020202020204" pitchFamily="34" charset="0"/>
+              <a:buChar char="•"/>
+            </a:pPr>
+            <a:r>
+              <a:rPr lang="sr-Latn-RS" dirty="0" err="1">
+                <a:solidFill>
+                  <a:schemeClr val="bg1"/>
+                </a:solidFill>
+                <a:latin typeface="Posterama" panose="020B0504020200020000" pitchFamily="34" charset="0"/>
+                <a:cs typeface="Posterama" panose="020B0504020200020000" pitchFamily="34" charset="0"/>
+              </a:rPr>
+              <a:t>Deterministički</a:t>
+            </a:r>
+            <a:r>
+              <a:rPr lang="sr-Latn-RS" dirty="0">
+                <a:solidFill>
+                  <a:schemeClr val="bg1"/>
+                </a:solidFill>
+                <a:latin typeface="Posterama" panose="020B0504020200020000" pitchFamily="34" charset="0"/>
+                <a:cs typeface="Posterama" panose="020B0504020200020000" pitchFamily="34" charset="0"/>
+              </a:rPr>
+              <a:t> automat na svakom čvoru koji počinje u istom početnom stanju.</a:t>
+            </a:r>
+          </a:p>
+          <a:p>
+            <a:pPr marL="285750" indent="-285750">
+              <a:lnSpc>
+                <a:spcPct val="100000"/>
+              </a:lnSpc>
+              <a:spcBef>
+                <a:spcPts val="0"/>
+              </a:spcBef>
+              <a:buFont typeface="Arial" panose="020B0604020202020204" pitchFamily="34" charset="0"/>
+              <a:buChar char="•"/>
+            </a:pPr>
+            <a:r>
+              <a:rPr lang="sr-Latn-RS" dirty="0" err="1">
+                <a:solidFill>
+                  <a:schemeClr val="bg1"/>
+                </a:solidFill>
+                <a:latin typeface="Posterama" panose="020B0504020200020000" pitchFamily="34" charset="0"/>
+                <a:cs typeface="Posterama" panose="020B0504020200020000" pitchFamily="34" charset="0"/>
+              </a:rPr>
+              <a:t>Write-ahead</a:t>
+            </a:r>
+            <a:r>
+              <a:rPr lang="sr-Latn-RS" dirty="0">
+                <a:solidFill>
+                  <a:schemeClr val="bg1"/>
+                </a:solidFill>
+                <a:latin typeface="Posterama" panose="020B0504020200020000" pitchFamily="34" charset="0"/>
+                <a:cs typeface="Posterama" panose="020B0504020200020000" pitchFamily="34" charset="0"/>
+              </a:rPr>
+              <a:t> </a:t>
+            </a:r>
+            <a:r>
+              <a:rPr lang="sr-Latn-RS" dirty="0" err="1">
+                <a:solidFill>
+                  <a:schemeClr val="bg1"/>
+                </a:solidFill>
+                <a:latin typeface="Posterama" panose="020B0504020200020000" pitchFamily="34" charset="0"/>
+                <a:cs typeface="Posterama" panose="020B0504020200020000" pitchFamily="34" charset="0"/>
+              </a:rPr>
+              <a:t>logging</a:t>
+            </a:r>
+            <a:r>
+              <a:rPr lang="sr-Latn-RS" dirty="0">
+                <a:solidFill>
+                  <a:schemeClr val="bg1"/>
+                </a:solidFill>
+                <a:latin typeface="Posterama" panose="020B0504020200020000" pitchFamily="34" charset="0"/>
+                <a:cs typeface="Posterama" panose="020B0504020200020000" pitchFamily="34" charset="0"/>
+              </a:rPr>
+              <a:t> skladišta podataka</a:t>
+            </a:r>
+          </a:p>
+          <a:p>
+            <a:pPr marL="285750" indent="-285750">
+              <a:lnSpc>
+                <a:spcPct val="100000"/>
+              </a:lnSpc>
+              <a:spcBef>
+                <a:spcPts val="0"/>
+              </a:spcBef>
+              <a:buFont typeface="Arial" panose="020B0604020202020204" pitchFamily="34" charset="0"/>
+              <a:buChar char="•"/>
+            </a:pPr>
+            <a:r>
+              <a:rPr lang="sr-Latn-RS" dirty="0">
+                <a:solidFill>
+                  <a:schemeClr val="bg1"/>
+                </a:solidFill>
+                <a:latin typeface="Posterama" panose="020B0504020200020000" pitchFamily="34" charset="0"/>
+                <a:cs typeface="Posterama" panose="020B0504020200020000" pitchFamily="34" charset="0"/>
+              </a:rPr>
+              <a:t>Klijent mora striktno da komunicira samo sa aktuelnim liderom.</a:t>
+            </a:r>
+          </a:p>
+        </p:txBody>
+      </p:sp>
+    </p:spTree>
+    <p:extLst>
+      <p:ext uri="{BB962C8B-B14F-4D97-AF65-F5344CB8AC3E}">
+        <p14:creationId xmlns:p14="http://schemas.microsoft.com/office/powerpoint/2010/main" val="134845104"/>
+      </p:ext>
+    </p:extLst>
+  </p:cSld>
+  <p:clrMapOvr>
+    <a:masterClrMapping/>
+  </p:clrMapOvr>
+</p:sld>
+</file>
+
+<file path=ppt/slides/slide11.xml><?xml version="1.0" encoding="utf-8"?>
 <p:sld xmlns:a="http://schemas.openxmlformats.org/drawingml/2006/main" xmlns:r="http://schemas.openxmlformats.org/officeDocument/2006/relationships" xmlns:p="http://schemas.openxmlformats.org/presentationml/2006/main" showMasterSp="0">
   <p:cSld>
     <p:spTree>
@@ -22959,7 +24697,7 @@
 </p:sld>
 </file>
 
-<file path=ppt/slides/slide11.xml><?xml version="1.0" encoding="utf-8"?>
+<file path=ppt/slides/slide12.xml><?xml version="1.0" encoding="utf-8"?>
 <p:sld xmlns:a="http://schemas.openxmlformats.org/drawingml/2006/main" xmlns:r="http://schemas.openxmlformats.org/officeDocument/2006/relationships" xmlns:p="http://schemas.openxmlformats.org/presentationml/2006/main">
   <p:cSld>
     <p:spTree>
@@ -23718,7 +25456,7 @@
 </p:sld>
 </file>
 
-<file path=ppt/slides/slide12.xml><?xml version="1.0" encoding="utf-8"?>
+<file path=ppt/slides/slide13.xml><?xml version="1.0" encoding="utf-8"?>
 <p:sld xmlns:a="http://schemas.openxmlformats.org/drawingml/2006/main" xmlns:r="http://schemas.openxmlformats.org/officeDocument/2006/relationships" xmlns:p="http://schemas.openxmlformats.org/presentationml/2006/main">
   <p:cSld>
     <p:spTree>
@@ -26455,6 +28193,519 @@
 </file>
 
 <file path=ppt/slides/slide4.xml><?xml version="1.0" encoding="utf-8"?>
+<p:sld xmlns:a="http://schemas.openxmlformats.org/drawingml/2006/main" xmlns:r="http://schemas.openxmlformats.org/officeDocument/2006/relationships" xmlns:p="http://schemas.openxmlformats.org/presentationml/2006/main">
+  <p:cSld>
+    <p:spTree>
+      <p:nvGrpSpPr>
+        <p:cNvPr id="1" name=""/>
+        <p:cNvGrpSpPr/>
+        <p:nvPr/>
+      </p:nvGrpSpPr>
+      <p:grpSpPr>
+        <a:xfrm>
+          <a:off x="0" y="0"/>
+          <a:ext cx="0" cy="0"/>
+          <a:chOff x="0" y="0"/>
+          <a:chExt cx="0" cy="0"/>
+        </a:xfrm>
+      </p:grpSpPr>
+      <p:sp>
+        <p:nvSpPr>
+          <p:cNvPr id="6" name="Title 5">
+            <a:extLst>
+              <a:ext uri="{FF2B5EF4-FFF2-40B4-BE49-F238E27FC236}">
+                <a16:creationId xmlns:a16="http://schemas.microsoft.com/office/drawing/2014/main" id="{613663CA-BA5A-41E7-1FBE-D38846DFEF75}"/>
+              </a:ext>
+            </a:extLst>
+          </p:cNvPr>
+          <p:cNvSpPr>
+            <a:spLocks noGrp="1"/>
+          </p:cNvSpPr>
+          <p:nvPr>
+            <p:ph type="title"/>
+          </p:nvPr>
+        </p:nvSpPr>
+        <p:spPr>
+          <a:xfrm>
+            <a:off x="4150659" y="883023"/>
+            <a:ext cx="7368987" cy="5091953"/>
+          </a:xfrm>
+        </p:spPr>
+        <p:txBody>
+          <a:bodyPr/>
+          <a:lstStyle/>
+          <a:p>
+            <a:r>
+              <a:rPr lang="en-US" dirty="0" err="1">
+                <a:solidFill>
+                  <a:schemeClr val="accent2">
+                    <a:lumMod val="40000"/>
+                    <a:lumOff val="60000"/>
+                  </a:schemeClr>
+                </a:solidFill>
+                <a:cs typeface="Times New Roman" panose="02020603050405020304" pitchFamily="18" charset="0"/>
+              </a:rPr>
+              <a:t>Svaki</a:t>
+            </a:r>
+            <a:r>
+              <a:rPr lang="en-US" dirty="0">
+                <a:solidFill>
+                  <a:schemeClr val="accent2">
+                    <a:lumMod val="40000"/>
+                    <a:lumOff val="60000"/>
+                  </a:schemeClr>
+                </a:solidFill>
+                <a:cs typeface="Times New Roman" panose="02020603050405020304" pitchFamily="18" charset="0"/>
+              </a:rPr>
+              <a:t> k</a:t>
+            </a:r>
+            <a:r>
+              <a:rPr lang="sr-Latn-RS" dirty="0" err="1">
+                <a:solidFill>
+                  <a:schemeClr val="accent2">
+                    <a:lumMod val="40000"/>
+                    <a:lumOff val="60000"/>
+                  </a:schemeClr>
+                </a:solidFill>
+                <a:cs typeface="Times New Roman" panose="02020603050405020304" pitchFamily="18" charset="0"/>
+              </a:rPr>
+              <a:t>onsenzus</a:t>
+            </a:r>
+            <a:r>
+              <a:rPr lang="sr-Latn-RS" dirty="0">
+                <a:solidFill>
+                  <a:schemeClr val="accent2">
+                    <a:lumMod val="40000"/>
+                    <a:lumOff val="60000"/>
+                  </a:schemeClr>
+                </a:solidFill>
+                <a:cs typeface="Times New Roman" panose="02020603050405020304" pitchFamily="18" charset="0"/>
+              </a:rPr>
+              <a:t> algoritam</a:t>
+            </a:r>
+            <a:r>
+              <a:rPr lang="en-US" dirty="0">
+                <a:solidFill>
+                  <a:schemeClr val="accent2">
+                    <a:lumMod val="40000"/>
+                    <a:lumOff val="60000"/>
+                  </a:schemeClr>
+                </a:solidFill>
+                <a:cs typeface="Times New Roman" panose="02020603050405020304" pitchFamily="18" charset="0"/>
+              </a:rPr>
+              <a:t> se </a:t>
+            </a:r>
+            <a:r>
+              <a:rPr lang="sr-Latn-RS" dirty="0">
+                <a:solidFill>
+                  <a:schemeClr val="accent2">
+                    <a:lumMod val="40000"/>
+                    <a:lumOff val="60000"/>
+                  </a:schemeClr>
+                </a:solidFill>
+                <a:cs typeface="Times New Roman" panose="02020603050405020304" pitchFamily="18" charset="0"/>
+              </a:rPr>
+              <a:t>t</a:t>
+            </a:r>
+            <a:r>
+              <a:rPr lang="en-US" dirty="0" err="1">
+                <a:solidFill>
+                  <a:schemeClr val="accent2">
+                    <a:lumMod val="40000"/>
+                    <a:lumOff val="60000"/>
+                  </a:schemeClr>
+                </a:solidFill>
+                <a:cs typeface="Times New Roman" panose="02020603050405020304" pitchFamily="18" charset="0"/>
+              </a:rPr>
+              <a:t>rudi</a:t>
+            </a:r>
+            <a:r>
+              <a:rPr lang="en-US" dirty="0">
+                <a:solidFill>
+                  <a:schemeClr val="accent2">
+                    <a:lumMod val="40000"/>
+                    <a:lumOff val="60000"/>
+                  </a:schemeClr>
+                </a:solidFill>
+                <a:cs typeface="Times New Roman" panose="02020603050405020304" pitchFamily="18" charset="0"/>
+              </a:rPr>
+              <a:t> </a:t>
+            </a:r>
+            <a:r>
+              <a:rPr lang="sr-Latn-RS" dirty="0">
+                <a:solidFill>
+                  <a:schemeClr val="accent2">
+                    <a:lumMod val="40000"/>
+                    <a:lumOff val="60000"/>
+                  </a:schemeClr>
+                </a:solidFill>
+                <a:cs typeface="Times New Roman" panose="02020603050405020304" pitchFamily="18" charset="0"/>
+              </a:rPr>
+              <a:t>da </a:t>
+            </a:r>
+            <a:r>
+              <a:rPr lang="en-US" dirty="0" err="1">
+                <a:solidFill>
+                  <a:schemeClr val="accent2">
+                    <a:lumMod val="40000"/>
+                    <a:lumOff val="60000"/>
+                  </a:schemeClr>
+                </a:solidFill>
+                <a:cs typeface="Times New Roman" panose="02020603050405020304" pitchFamily="18" charset="0"/>
+              </a:rPr>
+              <a:t>obezbe</a:t>
+            </a:r>
+            <a:r>
+              <a:rPr lang="sr-Latn-RS" dirty="0">
+                <a:solidFill>
+                  <a:schemeClr val="accent2">
+                    <a:lumMod val="40000"/>
+                    <a:lumOff val="60000"/>
+                  </a:schemeClr>
+                </a:solidFill>
+                <a:cs typeface="Times New Roman" panose="02020603050405020304" pitchFamily="18" charset="0"/>
+              </a:rPr>
+              <a:t>di</a:t>
+            </a:r>
+            <a:r>
+              <a:rPr lang="en-US" dirty="0">
+                <a:solidFill>
+                  <a:schemeClr val="accent2">
+                    <a:lumMod val="40000"/>
+                    <a:lumOff val="60000"/>
+                  </a:schemeClr>
+                </a:solidFill>
+                <a:cs typeface="Times New Roman" panose="02020603050405020304" pitchFamily="18" charset="0"/>
+              </a:rPr>
+              <a:t>:</a:t>
+            </a:r>
+            <a:br>
+              <a:rPr lang="sr-Latn-RS" dirty="0">
+                <a:solidFill>
+                  <a:schemeClr val="accent2">
+                    <a:lumMod val="40000"/>
+                    <a:lumOff val="60000"/>
+                  </a:schemeClr>
+                </a:solidFill>
+                <a:cs typeface="Times New Roman" panose="02020603050405020304" pitchFamily="18" charset="0"/>
+              </a:rPr>
+            </a:br>
+            <a:br>
+              <a:rPr lang="sr-Latn-RS" dirty="0">
+                <a:solidFill>
+                  <a:schemeClr val="accent2">
+                    <a:lumMod val="40000"/>
+                    <a:lumOff val="60000"/>
+                  </a:schemeClr>
+                </a:solidFill>
+                <a:cs typeface="Times New Roman" panose="02020603050405020304" pitchFamily="18" charset="0"/>
+              </a:rPr>
+            </a:br>
+            <a:br>
+              <a:rPr lang="en-US" dirty="0">
+                <a:solidFill>
+                  <a:schemeClr val="accent2">
+                    <a:lumMod val="40000"/>
+                    <a:lumOff val="60000"/>
+                  </a:schemeClr>
+                </a:solidFill>
+                <a:cs typeface="Times New Roman" panose="02020603050405020304" pitchFamily="18" charset="0"/>
+              </a:rPr>
+            </a:br>
+            <a:r>
+              <a:rPr lang="sr-Latn-RS" sz="3000" dirty="0">
+                <a:cs typeface="Times New Roman" panose="02020603050405020304" pitchFamily="18" charset="0"/>
+              </a:rPr>
+              <a:t>1. </a:t>
+            </a:r>
+            <a:r>
+              <a:rPr lang="sr-Latn-RS" sz="3000" dirty="0"/>
+              <a:t>Postizanje sporazuma</a:t>
+            </a:r>
+            <a:br>
+              <a:rPr lang="sr-Latn-RS" sz="3000" dirty="0"/>
+            </a:br>
+            <a:r>
+              <a:rPr lang="sr-Latn-RS" sz="3000" dirty="0"/>
+              <a:t>2. Učešće svih čvorova</a:t>
+            </a:r>
+            <a:br>
+              <a:rPr lang="sr-Latn-RS" sz="3000" dirty="0"/>
+            </a:br>
+            <a:r>
+              <a:rPr lang="sr-Latn-RS" sz="3000" dirty="0"/>
+              <a:t>3. Podjednak značaj čvorova</a:t>
+            </a:r>
+            <a:br>
+              <a:rPr lang="en-US" sz="3000" dirty="0"/>
+            </a:br>
+            <a:r>
+              <a:rPr lang="sr-Latn-RS" sz="3000" dirty="0"/>
+              <a:t>4. Sistem bez dvostruke potrošnje</a:t>
+            </a:r>
+            <a:br>
+              <a:rPr lang="en-US" sz="3000" dirty="0"/>
+            </a:br>
+            <a:r>
+              <a:rPr lang="sr-Latn-RS" sz="3000" dirty="0"/>
+              <a:t>5. Sistem otporan na greške</a:t>
+            </a:r>
+            <a:br>
+              <a:rPr lang="en-US" sz="3000" dirty="0"/>
+            </a:br>
+            <a:r>
+              <a:rPr lang="sr-Latn-RS" sz="3000" dirty="0"/>
+              <a:t>6. </a:t>
+            </a:r>
+            <a:r>
+              <a:rPr lang="sr-Latn-RS" sz="3000"/>
+              <a:t>Jednaku </a:t>
+            </a:r>
+            <a:r>
+              <a:rPr lang="sr-Latn-RS" sz="3000" dirty="0"/>
+              <a:t>aktivnost (opterećenje) čvorova</a:t>
+            </a:r>
+            <a:endParaRPr lang="en-US" sz="3000" dirty="0">
+              <a:cs typeface="Times New Roman" panose="02020603050405020304" pitchFamily="18" charset="0"/>
+            </a:endParaRPr>
+          </a:p>
+        </p:txBody>
+      </p:sp>
+      <p:pic>
+        <p:nvPicPr>
+          <p:cNvPr id="8" name="Shape 31">
+            <a:extLst>
+              <a:ext uri="{FF2B5EF4-FFF2-40B4-BE49-F238E27FC236}">
+                <a16:creationId xmlns:a16="http://schemas.microsoft.com/office/drawing/2014/main" id="{B220483E-2D42-705F-2495-0E2BB499C035}"/>
+              </a:ext>
+              <a:ext uri="{C183D7F6-B498-43B3-948B-1728B52AA6E4}">
+                <adec:decorative xmlns:adec="http://schemas.microsoft.com/office/drawing/2017/decorative" val="1"/>
+              </a:ext>
+            </a:extLst>
+          </p:cNvPr>
+          <p:cNvPicPr>
+            <a:picLocks noChangeAspect="1"/>
+          </p:cNvPicPr>
+          <p:nvPr/>
+        </p:nvPicPr>
+        <p:blipFill>
+          <a:blip r:embed="rId2" cstate="print">
+            <a:extLst>
+              <a:ext uri="{28A0092B-C50C-407E-A947-70E740481C1C}">
+                <a14:useLocalDpi xmlns:a14="http://schemas.microsoft.com/office/drawing/2010/main"/>
+              </a:ext>
+            </a:extLst>
+          </a:blip>
+          <a:srcRect t="2555" b="2555"/>
+          <a:stretch>
+            <a:fillRect/>
+          </a:stretch>
+        </p:blipFill>
+        <p:spPr>
+          <a:xfrm>
+            <a:off x="1935512" y="2429868"/>
+            <a:ext cx="1636594" cy="1872299"/>
+          </a:xfrm>
+          <a:custGeom>
+            <a:avLst/>
+            <a:gdLst>
+              <a:gd name="connsiteX0" fmla="*/ 0 w 4816475"/>
+              <a:gd name="connsiteY0" fmla="*/ 2407444 h 4814888"/>
+              <a:gd name="connsiteX1" fmla="*/ 1203722 w 4816475"/>
+              <a:gd name="connsiteY1" fmla="*/ 1 h 4814888"/>
+              <a:gd name="connsiteX2" fmla="*/ 3612753 w 4816475"/>
+              <a:gd name="connsiteY2" fmla="*/ 1 h 4814888"/>
+              <a:gd name="connsiteX3" fmla="*/ 4816475 w 4816475"/>
+              <a:gd name="connsiteY3" fmla="*/ 2407444 h 4814888"/>
+              <a:gd name="connsiteX4" fmla="*/ 3612753 w 4816475"/>
+              <a:gd name="connsiteY4" fmla="*/ 4814887 h 4814888"/>
+              <a:gd name="connsiteX5" fmla="*/ 1203722 w 4816475"/>
+              <a:gd name="connsiteY5" fmla="*/ 4814887 h 4814888"/>
+              <a:gd name="connsiteX6" fmla="*/ 0 w 4816475"/>
+              <a:gd name="connsiteY6" fmla="*/ 2407444 h 4814888"/>
+              <a:gd name="connsiteX0" fmla="*/ 0 w 4816475"/>
+              <a:gd name="connsiteY0" fmla="*/ 2407443 h 4814886"/>
+              <a:gd name="connsiteX1" fmla="*/ 2199402 w 4816475"/>
+              <a:gd name="connsiteY1" fmla="*/ 243840 h 4814886"/>
+              <a:gd name="connsiteX2" fmla="*/ 3612753 w 4816475"/>
+              <a:gd name="connsiteY2" fmla="*/ 0 h 4814886"/>
+              <a:gd name="connsiteX3" fmla="*/ 4816475 w 4816475"/>
+              <a:gd name="connsiteY3" fmla="*/ 2407443 h 4814886"/>
+              <a:gd name="connsiteX4" fmla="*/ 3612753 w 4816475"/>
+              <a:gd name="connsiteY4" fmla="*/ 4814886 h 4814886"/>
+              <a:gd name="connsiteX5" fmla="*/ 1203722 w 4816475"/>
+              <a:gd name="connsiteY5" fmla="*/ 4814886 h 4814886"/>
+              <a:gd name="connsiteX6" fmla="*/ 0 w 4816475"/>
+              <a:gd name="connsiteY6" fmla="*/ 2407443 h 4814886"/>
+              <a:gd name="connsiteX0" fmla="*/ 0 w 4816475"/>
+              <a:gd name="connsiteY0" fmla="*/ 2163603 h 4571046"/>
+              <a:gd name="connsiteX1" fmla="*/ 2199402 w 4816475"/>
+              <a:gd name="connsiteY1" fmla="*/ 0 h 4571046"/>
+              <a:gd name="connsiteX2" fmla="*/ 4608433 w 4816475"/>
+              <a:gd name="connsiteY2" fmla="*/ 721360 h 4571046"/>
+              <a:gd name="connsiteX3" fmla="*/ 4816475 w 4816475"/>
+              <a:gd name="connsiteY3" fmla="*/ 2163603 h 4571046"/>
+              <a:gd name="connsiteX4" fmla="*/ 3612753 w 4816475"/>
+              <a:gd name="connsiteY4" fmla="*/ 4571046 h 4571046"/>
+              <a:gd name="connsiteX5" fmla="*/ 1203722 w 4816475"/>
+              <a:gd name="connsiteY5" fmla="*/ 4571046 h 4571046"/>
+              <a:gd name="connsiteX6" fmla="*/ 0 w 4816475"/>
+              <a:gd name="connsiteY6" fmla="*/ 2163603 h 4571046"/>
+              <a:gd name="connsiteX0" fmla="*/ 0 w 4958715"/>
+              <a:gd name="connsiteY0" fmla="*/ 2163603 h 4571046"/>
+              <a:gd name="connsiteX1" fmla="*/ 2199402 w 4958715"/>
+              <a:gd name="connsiteY1" fmla="*/ 0 h 4571046"/>
+              <a:gd name="connsiteX2" fmla="*/ 4608433 w 4958715"/>
+              <a:gd name="connsiteY2" fmla="*/ 721360 h 4571046"/>
+              <a:gd name="connsiteX3" fmla="*/ 4958715 w 4958715"/>
+              <a:gd name="connsiteY3" fmla="*/ 2803683 h 4571046"/>
+              <a:gd name="connsiteX4" fmla="*/ 3612753 w 4958715"/>
+              <a:gd name="connsiteY4" fmla="*/ 4571046 h 4571046"/>
+              <a:gd name="connsiteX5" fmla="*/ 1203722 w 4958715"/>
+              <a:gd name="connsiteY5" fmla="*/ 4571046 h 4571046"/>
+              <a:gd name="connsiteX6" fmla="*/ 0 w 4958715"/>
+              <a:gd name="connsiteY6" fmla="*/ 2163603 h 4571046"/>
+              <a:gd name="connsiteX0" fmla="*/ 0 w 4916043"/>
+              <a:gd name="connsiteY0" fmla="*/ 1273587 h 4571046"/>
+              <a:gd name="connsiteX1" fmla="*/ 2156730 w 4916043"/>
+              <a:gd name="connsiteY1" fmla="*/ 0 h 4571046"/>
+              <a:gd name="connsiteX2" fmla="*/ 4565761 w 4916043"/>
+              <a:gd name="connsiteY2" fmla="*/ 721360 h 4571046"/>
+              <a:gd name="connsiteX3" fmla="*/ 4916043 w 4916043"/>
+              <a:gd name="connsiteY3" fmla="*/ 2803683 h 4571046"/>
+              <a:gd name="connsiteX4" fmla="*/ 3570081 w 4916043"/>
+              <a:gd name="connsiteY4" fmla="*/ 4571046 h 4571046"/>
+              <a:gd name="connsiteX5" fmla="*/ 1161050 w 4916043"/>
+              <a:gd name="connsiteY5" fmla="*/ 4571046 h 4571046"/>
+              <a:gd name="connsiteX6" fmla="*/ 0 w 4916043"/>
+              <a:gd name="connsiteY6" fmla="*/ 1273587 h 4571046"/>
+              <a:gd name="connsiteX0" fmla="*/ 0 w 4916043"/>
+              <a:gd name="connsiteY0" fmla="*/ 1273587 h 4571046"/>
+              <a:gd name="connsiteX1" fmla="*/ 2156730 w 4916043"/>
+              <a:gd name="connsiteY1" fmla="*/ 0 h 4571046"/>
+              <a:gd name="connsiteX2" fmla="*/ 4565761 w 4916043"/>
+              <a:gd name="connsiteY2" fmla="*/ 721360 h 4571046"/>
+              <a:gd name="connsiteX3" fmla="*/ 4916043 w 4916043"/>
+              <a:gd name="connsiteY3" fmla="*/ 2803683 h 4571046"/>
+              <a:gd name="connsiteX4" fmla="*/ 3570081 w 4916043"/>
+              <a:gd name="connsiteY4" fmla="*/ 4571046 h 4571046"/>
+              <a:gd name="connsiteX5" fmla="*/ 21098 w 4916043"/>
+              <a:gd name="connsiteY5" fmla="*/ 3815142 h 4571046"/>
+              <a:gd name="connsiteX6" fmla="*/ 0 w 4916043"/>
+              <a:gd name="connsiteY6" fmla="*/ 1273587 h 4571046"/>
+              <a:gd name="connsiteX0" fmla="*/ 0 w 4916043"/>
+              <a:gd name="connsiteY0" fmla="*/ 1273587 h 5066346"/>
+              <a:gd name="connsiteX1" fmla="*/ 2156730 w 4916043"/>
+              <a:gd name="connsiteY1" fmla="*/ 0 h 5066346"/>
+              <a:gd name="connsiteX2" fmla="*/ 4565761 w 4916043"/>
+              <a:gd name="connsiteY2" fmla="*/ 721360 h 5066346"/>
+              <a:gd name="connsiteX3" fmla="*/ 4916043 w 4916043"/>
+              <a:gd name="connsiteY3" fmla="*/ 2803683 h 5066346"/>
+              <a:gd name="connsiteX4" fmla="*/ 2236581 w 4916043"/>
+              <a:gd name="connsiteY4" fmla="*/ 5066346 h 5066346"/>
+              <a:gd name="connsiteX5" fmla="*/ 21098 w 4916043"/>
+              <a:gd name="connsiteY5" fmla="*/ 3815142 h 5066346"/>
+              <a:gd name="connsiteX6" fmla="*/ 0 w 4916043"/>
+              <a:gd name="connsiteY6" fmla="*/ 1273587 h 5066346"/>
+              <a:gd name="connsiteX0" fmla="*/ 0 w 4565761"/>
+              <a:gd name="connsiteY0" fmla="*/ 1273587 h 5066346"/>
+              <a:gd name="connsiteX1" fmla="*/ 2156730 w 4565761"/>
+              <a:gd name="connsiteY1" fmla="*/ 0 h 5066346"/>
+              <a:gd name="connsiteX2" fmla="*/ 4565761 w 4565761"/>
+              <a:gd name="connsiteY2" fmla="*/ 721360 h 5066346"/>
+              <a:gd name="connsiteX3" fmla="*/ 4405503 w 4565761"/>
+              <a:gd name="connsiteY3" fmla="*/ 3801903 h 5066346"/>
+              <a:gd name="connsiteX4" fmla="*/ 2236581 w 4565761"/>
+              <a:gd name="connsiteY4" fmla="*/ 5066346 h 5066346"/>
+              <a:gd name="connsiteX5" fmla="*/ 21098 w 4565761"/>
+              <a:gd name="connsiteY5" fmla="*/ 3815142 h 5066346"/>
+              <a:gd name="connsiteX6" fmla="*/ 0 w 4565761"/>
+              <a:gd name="connsiteY6" fmla="*/ 1273587 h 5066346"/>
+              <a:gd name="connsiteX0" fmla="*/ 0 w 4405503"/>
+              <a:gd name="connsiteY0" fmla="*/ 1273587 h 5066346"/>
+              <a:gd name="connsiteX1" fmla="*/ 2156730 w 4405503"/>
+              <a:gd name="connsiteY1" fmla="*/ 0 h 5066346"/>
+              <a:gd name="connsiteX2" fmla="*/ 4398121 w 4405503"/>
+              <a:gd name="connsiteY2" fmla="*/ 1277620 h 5066346"/>
+              <a:gd name="connsiteX3" fmla="*/ 4405503 w 4405503"/>
+              <a:gd name="connsiteY3" fmla="*/ 3801903 h 5066346"/>
+              <a:gd name="connsiteX4" fmla="*/ 2236581 w 4405503"/>
+              <a:gd name="connsiteY4" fmla="*/ 5066346 h 5066346"/>
+              <a:gd name="connsiteX5" fmla="*/ 21098 w 4405503"/>
+              <a:gd name="connsiteY5" fmla="*/ 3815142 h 5066346"/>
+              <a:gd name="connsiteX6" fmla="*/ 0 w 4405503"/>
+              <a:gd name="connsiteY6" fmla="*/ 1273587 h 5066346"/>
+            </a:gdLst>
+            <a:ahLst/>
+            <a:cxnLst>
+              <a:cxn ang="0">
+                <a:pos x="connsiteX0" y="connsiteY0"/>
+              </a:cxn>
+              <a:cxn ang="0">
+                <a:pos x="connsiteX1" y="connsiteY1"/>
+              </a:cxn>
+              <a:cxn ang="0">
+                <a:pos x="connsiteX2" y="connsiteY2"/>
+              </a:cxn>
+              <a:cxn ang="0">
+                <a:pos x="connsiteX3" y="connsiteY3"/>
+              </a:cxn>
+              <a:cxn ang="0">
+                <a:pos x="connsiteX4" y="connsiteY4"/>
+              </a:cxn>
+              <a:cxn ang="0">
+                <a:pos x="connsiteX5" y="connsiteY5"/>
+              </a:cxn>
+              <a:cxn ang="0">
+                <a:pos x="connsiteX6" y="connsiteY6"/>
+              </a:cxn>
+            </a:cxnLst>
+            <a:rect l="l" t="t" r="r" b="b"/>
+            <a:pathLst>
+              <a:path w="4405503" h="5066346">
+                <a:moveTo>
+                  <a:pt x="0" y="1273587"/>
+                </a:moveTo>
+                <a:lnTo>
+                  <a:pt x="2156730" y="0"/>
+                </a:lnTo>
+                <a:lnTo>
+                  <a:pt x="4398121" y="1277620"/>
+                </a:lnTo>
+                <a:cubicBezTo>
+                  <a:pt x="4400582" y="2119048"/>
+                  <a:pt x="4403042" y="2960475"/>
+                  <a:pt x="4405503" y="3801903"/>
+                </a:cubicBezTo>
+                <a:lnTo>
+                  <a:pt x="2236581" y="5066346"/>
+                </a:lnTo>
+                <a:lnTo>
+                  <a:pt x="21098" y="3815142"/>
+                </a:lnTo>
+                <a:lnTo>
+                  <a:pt x="0" y="1273587"/>
+                </a:lnTo>
+                <a:close/>
+              </a:path>
+            </a:pathLst>
+          </a:custGeom>
+        </p:spPr>
+      </p:pic>
+    </p:spTree>
+    <p:extLst>
+      <p:ext uri="{BB962C8B-B14F-4D97-AF65-F5344CB8AC3E}">
+        <p14:creationId xmlns:p14="http://schemas.microsoft.com/office/powerpoint/2010/main" val="1702512990"/>
+      </p:ext>
+    </p:extLst>
+  </p:cSld>
+  <p:clrMapOvr>
+    <a:masterClrMapping/>
+  </p:clrMapOvr>
+</p:sld>
+</file>
+
+<file path=ppt/slides/slide5.xml><?xml version="1.0" encoding="utf-8"?>
 <p:sld xmlns:a="http://schemas.openxmlformats.org/drawingml/2006/main" xmlns:r="http://schemas.openxmlformats.org/officeDocument/2006/relationships" xmlns:p="http://schemas.openxmlformats.org/presentationml/2006/main">
   <p:cSld>
     <p:spTree>
@@ -27905,7 +30156,7 @@
 </p:sld>
 </file>
 
-<file path=ppt/slides/slide5.xml><?xml version="1.0" encoding="utf-8"?>
+<file path=ppt/slides/slide6.xml><?xml version="1.0" encoding="utf-8"?>
 <p:sld xmlns:a="http://schemas.openxmlformats.org/drawingml/2006/main" xmlns:r="http://schemas.openxmlformats.org/officeDocument/2006/relationships" xmlns:p="http://schemas.openxmlformats.org/presentationml/2006/main">
   <p:cSld>
     <p:spTree>
@@ -30658,7 +32909,7 @@
 </p:sld>
 </file>
 
-<file path=ppt/slides/slide6.xml><?xml version="1.0" encoding="utf-8"?>
+<file path=ppt/slides/slide7.xml><?xml version="1.0" encoding="utf-8"?>
 <p:sld xmlns:a="http://schemas.openxmlformats.org/drawingml/2006/main" xmlns:r="http://schemas.openxmlformats.org/officeDocument/2006/relationships" xmlns:p="http://schemas.openxmlformats.org/presentationml/2006/main">
   <p:cSld>
     <p:spTree>
@@ -34054,7 +36305,7 @@
 </p:sld>
 </file>
 
-<file path=ppt/slides/slide7.xml><?xml version="1.0" encoding="utf-8"?>
+<file path=ppt/slides/slide8.xml><?xml version="1.0" encoding="utf-8"?>
 <p:sld xmlns:a="http://schemas.openxmlformats.org/drawingml/2006/main" xmlns:r="http://schemas.openxmlformats.org/officeDocument/2006/relationships" xmlns:p="http://schemas.openxmlformats.org/presentationml/2006/main">
   <p:cSld>
     <p:spTree>
@@ -35042,7 +37293,7 @@
 </p:sld>
 </file>
 
-<file path=ppt/slides/slide8.xml><?xml version="1.0" encoding="utf-8"?>
+<file path=ppt/slides/slide9.xml><?xml version="1.0" encoding="utf-8"?>
 <p:sld xmlns:a="http://schemas.openxmlformats.org/drawingml/2006/main" xmlns:r="http://schemas.openxmlformats.org/officeDocument/2006/relationships" xmlns:p="http://schemas.openxmlformats.org/presentationml/2006/main" showMasterSp="0">
   <p:cSld>
     <p:spTree>
@@ -35130,1743 +37381,6 @@
     <p:extLst>
       <p:ext uri="{BB962C8B-B14F-4D97-AF65-F5344CB8AC3E}">
         <p14:creationId xmlns:p14="http://schemas.microsoft.com/office/powerpoint/2010/main" val="3902592826"/>
-      </p:ext>
-    </p:extLst>
-  </p:cSld>
-  <p:clrMapOvr>
-    <a:masterClrMapping/>
-  </p:clrMapOvr>
-</p:sld>
-</file>
-
-<file path=ppt/slides/slide9.xml><?xml version="1.0" encoding="utf-8"?>
-<p:sld xmlns:a="http://schemas.openxmlformats.org/drawingml/2006/main" xmlns:r="http://schemas.openxmlformats.org/officeDocument/2006/relationships" xmlns:p="http://schemas.openxmlformats.org/presentationml/2006/main">
-  <p:cSld>
-    <p:spTree>
-      <p:nvGrpSpPr>
-        <p:cNvPr id="1" name=""/>
-        <p:cNvGrpSpPr/>
-        <p:nvPr/>
-      </p:nvGrpSpPr>
-      <p:grpSpPr>
-        <a:xfrm>
-          <a:off x="0" y="0"/>
-          <a:ext cx="0" cy="0"/>
-          <a:chOff x="0" y="0"/>
-          <a:chExt cx="0" cy="0"/>
-        </a:xfrm>
-      </p:grpSpPr>
-      <p:pic>
-        <p:nvPicPr>
-          <p:cNvPr id="10" name="Shape 31">
-            <a:extLst>
-              <a:ext uri="{FF2B5EF4-FFF2-40B4-BE49-F238E27FC236}">
-                <a16:creationId xmlns:a16="http://schemas.microsoft.com/office/drawing/2014/main" id="{C79B25E1-4197-DEB8-98ED-5F4946F5260A}"/>
-              </a:ext>
-              <a:ext uri="{C183D7F6-B498-43B3-948B-1728B52AA6E4}">
-                <adec:decorative xmlns:adec="http://schemas.microsoft.com/office/drawing/2017/decorative" val="1"/>
-              </a:ext>
-            </a:extLst>
-          </p:cNvPr>
-          <p:cNvPicPr>
-            <a:picLocks noChangeAspect="1"/>
-          </p:cNvPicPr>
-          <p:nvPr/>
-        </p:nvPicPr>
-        <p:blipFill>
-          <a:blip r:embed="rId2" cstate="print">
-            <a:alphaModFix amt="5000"/>
-            <a:extLst>
-              <a:ext uri="{28A0092B-C50C-407E-A947-70E740481C1C}">
-                <a14:useLocalDpi xmlns:a14="http://schemas.microsoft.com/office/drawing/2010/main"/>
-              </a:ext>
-            </a:extLst>
-          </a:blip>
-          <a:srcRect t="2555" b="2555"/>
-          <a:stretch>
-            <a:fillRect/>
-          </a:stretch>
-        </p:blipFill>
-        <p:spPr>
-          <a:xfrm>
-            <a:off x="-289432" y="-576610"/>
-            <a:ext cx="2533650" cy="2898549"/>
-          </a:xfrm>
-          <a:custGeom>
-            <a:avLst/>
-            <a:gdLst>
-              <a:gd name="connsiteX0" fmla="*/ 0 w 4816475"/>
-              <a:gd name="connsiteY0" fmla="*/ 2407444 h 4814888"/>
-              <a:gd name="connsiteX1" fmla="*/ 1203722 w 4816475"/>
-              <a:gd name="connsiteY1" fmla="*/ 1 h 4814888"/>
-              <a:gd name="connsiteX2" fmla="*/ 3612753 w 4816475"/>
-              <a:gd name="connsiteY2" fmla="*/ 1 h 4814888"/>
-              <a:gd name="connsiteX3" fmla="*/ 4816475 w 4816475"/>
-              <a:gd name="connsiteY3" fmla="*/ 2407444 h 4814888"/>
-              <a:gd name="connsiteX4" fmla="*/ 3612753 w 4816475"/>
-              <a:gd name="connsiteY4" fmla="*/ 4814887 h 4814888"/>
-              <a:gd name="connsiteX5" fmla="*/ 1203722 w 4816475"/>
-              <a:gd name="connsiteY5" fmla="*/ 4814887 h 4814888"/>
-              <a:gd name="connsiteX6" fmla="*/ 0 w 4816475"/>
-              <a:gd name="connsiteY6" fmla="*/ 2407444 h 4814888"/>
-              <a:gd name="connsiteX0" fmla="*/ 0 w 4816475"/>
-              <a:gd name="connsiteY0" fmla="*/ 2407443 h 4814886"/>
-              <a:gd name="connsiteX1" fmla="*/ 2199402 w 4816475"/>
-              <a:gd name="connsiteY1" fmla="*/ 243840 h 4814886"/>
-              <a:gd name="connsiteX2" fmla="*/ 3612753 w 4816475"/>
-              <a:gd name="connsiteY2" fmla="*/ 0 h 4814886"/>
-              <a:gd name="connsiteX3" fmla="*/ 4816475 w 4816475"/>
-              <a:gd name="connsiteY3" fmla="*/ 2407443 h 4814886"/>
-              <a:gd name="connsiteX4" fmla="*/ 3612753 w 4816475"/>
-              <a:gd name="connsiteY4" fmla="*/ 4814886 h 4814886"/>
-              <a:gd name="connsiteX5" fmla="*/ 1203722 w 4816475"/>
-              <a:gd name="connsiteY5" fmla="*/ 4814886 h 4814886"/>
-              <a:gd name="connsiteX6" fmla="*/ 0 w 4816475"/>
-              <a:gd name="connsiteY6" fmla="*/ 2407443 h 4814886"/>
-              <a:gd name="connsiteX0" fmla="*/ 0 w 4816475"/>
-              <a:gd name="connsiteY0" fmla="*/ 2163603 h 4571046"/>
-              <a:gd name="connsiteX1" fmla="*/ 2199402 w 4816475"/>
-              <a:gd name="connsiteY1" fmla="*/ 0 h 4571046"/>
-              <a:gd name="connsiteX2" fmla="*/ 4608433 w 4816475"/>
-              <a:gd name="connsiteY2" fmla="*/ 721360 h 4571046"/>
-              <a:gd name="connsiteX3" fmla="*/ 4816475 w 4816475"/>
-              <a:gd name="connsiteY3" fmla="*/ 2163603 h 4571046"/>
-              <a:gd name="connsiteX4" fmla="*/ 3612753 w 4816475"/>
-              <a:gd name="connsiteY4" fmla="*/ 4571046 h 4571046"/>
-              <a:gd name="connsiteX5" fmla="*/ 1203722 w 4816475"/>
-              <a:gd name="connsiteY5" fmla="*/ 4571046 h 4571046"/>
-              <a:gd name="connsiteX6" fmla="*/ 0 w 4816475"/>
-              <a:gd name="connsiteY6" fmla="*/ 2163603 h 4571046"/>
-              <a:gd name="connsiteX0" fmla="*/ 0 w 4958715"/>
-              <a:gd name="connsiteY0" fmla="*/ 2163603 h 4571046"/>
-              <a:gd name="connsiteX1" fmla="*/ 2199402 w 4958715"/>
-              <a:gd name="connsiteY1" fmla="*/ 0 h 4571046"/>
-              <a:gd name="connsiteX2" fmla="*/ 4608433 w 4958715"/>
-              <a:gd name="connsiteY2" fmla="*/ 721360 h 4571046"/>
-              <a:gd name="connsiteX3" fmla="*/ 4958715 w 4958715"/>
-              <a:gd name="connsiteY3" fmla="*/ 2803683 h 4571046"/>
-              <a:gd name="connsiteX4" fmla="*/ 3612753 w 4958715"/>
-              <a:gd name="connsiteY4" fmla="*/ 4571046 h 4571046"/>
-              <a:gd name="connsiteX5" fmla="*/ 1203722 w 4958715"/>
-              <a:gd name="connsiteY5" fmla="*/ 4571046 h 4571046"/>
-              <a:gd name="connsiteX6" fmla="*/ 0 w 4958715"/>
-              <a:gd name="connsiteY6" fmla="*/ 2163603 h 4571046"/>
-              <a:gd name="connsiteX0" fmla="*/ 0 w 4916043"/>
-              <a:gd name="connsiteY0" fmla="*/ 1273587 h 4571046"/>
-              <a:gd name="connsiteX1" fmla="*/ 2156730 w 4916043"/>
-              <a:gd name="connsiteY1" fmla="*/ 0 h 4571046"/>
-              <a:gd name="connsiteX2" fmla="*/ 4565761 w 4916043"/>
-              <a:gd name="connsiteY2" fmla="*/ 721360 h 4571046"/>
-              <a:gd name="connsiteX3" fmla="*/ 4916043 w 4916043"/>
-              <a:gd name="connsiteY3" fmla="*/ 2803683 h 4571046"/>
-              <a:gd name="connsiteX4" fmla="*/ 3570081 w 4916043"/>
-              <a:gd name="connsiteY4" fmla="*/ 4571046 h 4571046"/>
-              <a:gd name="connsiteX5" fmla="*/ 1161050 w 4916043"/>
-              <a:gd name="connsiteY5" fmla="*/ 4571046 h 4571046"/>
-              <a:gd name="connsiteX6" fmla="*/ 0 w 4916043"/>
-              <a:gd name="connsiteY6" fmla="*/ 1273587 h 4571046"/>
-              <a:gd name="connsiteX0" fmla="*/ 0 w 4916043"/>
-              <a:gd name="connsiteY0" fmla="*/ 1273587 h 4571046"/>
-              <a:gd name="connsiteX1" fmla="*/ 2156730 w 4916043"/>
-              <a:gd name="connsiteY1" fmla="*/ 0 h 4571046"/>
-              <a:gd name="connsiteX2" fmla="*/ 4565761 w 4916043"/>
-              <a:gd name="connsiteY2" fmla="*/ 721360 h 4571046"/>
-              <a:gd name="connsiteX3" fmla="*/ 4916043 w 4916043"/>
-              <a:gd name="connsiteY3" fmla="*/ 2803683 h 4571046"/>
-              <a:gd name="connsiteX4" fmla="*/ 3570081 w 4916043"/>
-              <a:gd name="connsiteY4" fmla="*/ 4571046 h 4571046"/>
-              <a:gd name="connsiteX5" fmla="*/ 21098 w 4916043"/>
-              <a:gd name="connsiteY5" fmla="*/ 3815142 h 4571046"/>
-              <a:gd name="connsiteX6" fmla="*/ 0 w 4916043"/>
-              <a:gd name="connsiteY6" fmla="*/ 1273587 h 4571046"/>
-              <a:gd name="connsiteX0" fmla="*/ 0 w 4916043"/>
-              <a:gd name="connsiteY0" fmla="*/ 1273587 h 5066346"/>
-              <a:gd name="connsiteX1" fmla="*/ 2156730 w 4916043"/>
-              <a:gd name="connsiteY1" fmla="*/ 0 h 5066346"/>
-              <a:gd name="connsiteX2" fmla="*/ 4565761 w 4916043"/>
-              <a:gd name="connsiteY2" fmla="*/ 721360 h 5066346"/>
-              <a:gd name="connsiteX3" fmla="*/ 4916043 w 4916043"/>
-              <a:gd name="connsiteY3" fmla="*/ 2803683 h 5066346"/>
-              <a:gd name="connsiteX4" fmla="*/ 2236581 w 4916043"/>
-              <a:gd name="connsiteY4" fmla="*/ 5066346 h 5066346"/>
-              <a:gd name="connsiteX5" fmla="*/ 21098 w 4916043"/>
-              <a:gd name="connsiteY5" fmla="*/ 3815142 h 5066346"/>
-              <a:gd name="connsiteX6" fmla="*/ 0 w 4916043"/>
-              <a:gd name="connsiteY6" fmla="*/ 1273587 h 5066346"/>
-              <a:gd name="connsiteX0" fmla="*/ 0 w 4565761"/>
-              <a:gd name="connsiteY0" fmla="*/ 1273587 h 5066346"/>
-              <a:gd name="connsiteX1" fmla="*/ 2156730 w 4565761"/>
-              <a:gd name="connsiteY1" fmla="*/ 0 h 5066346"/>
-              <a:gd name="connsiteX2" fmla="*/ 4565761 w 4565761"/>
-              <a:gd name="connsiteY2" fmla="*/ 721360 h 5066346"/>
-              <a:gd name="connsiteX3" fmla="*/ 4405503 w 4565761"/>
-              <a:gd name="connsiteY3" fmla="*/ 3801903 h 5066346"/>
-              <a:gd name="connsiteX4" fmla="*/ 2236581 w 4565761"/>
-              <a:gd name="connsiteY4" fmla="*/ 5066346 h 5066346"/>
-              <a:gd name="connsiteX5" fmla="*/ 21098 w 4565761"/>
-              <a:gd name="connsiteY5" fmla="*/ 3815142 h 5066346"/>
-              <a:gd name="connsiteX6" fmla="*/ 0 w 4565761"/>
-              <a:gd name="connsiteY6" fmla="*/ 1273587 h 5066346"/>
-              <a:gd name="connsiteX0" fmla="*/ 0 w 4405503"/>
-              <a:gd name="connsiteY0" fmla="*/ 1273587 h 5066346"/>
-              <a:gd name="connsiteX1" fmla="*/ 2156730 w 4405503"/>
-              <a:gd name="connsiteY1" fmla="*/ 0 h 5066346"/>
-              <a:gd name="connsiteX2" fmla="*/ 4398121 w 4405503"/>
-              <a:gd name="connsiteY2" fmla="*/ 1277620 h 5066346"/>
-              <a:gd name="connsiteX3" fmla="*/ 4405503 w 4405503"/>
-              <a:gd name="connsiteY3" fmla="*/ 3801903 h 5066346"/>
-              <a:gd name="connsiteX4" fmla="*/ 2236581 w 4405503"/>
-              <a:gd name="connsiteY4" fmla="*/ 5066346 h 5066346"/>
-              <a:gd name="connsiteX5" fmla="*/ 21098 w 4405503"/>
-              <a:gd name="connsiteY5" fmla="*/ 3815142 h 5066346"/>
-              <a:gd name="connsiteX6" fmla="*/ 0 w 4405503"/>
-              <a:gd name="connsiteY6" fmla="*/ 1273587 h 5066346"/>
-            </a:gdLst>
-            <a:ahLst/>
-            <a:cxnLst>
-              <a:cxn ang="0">
-                <a:pos x="connsiteX0" y="connsiteY0"/>
-              </a:cxn>
-              <a:cxn ang="0">
-                <a:pos x="connsiteX1" y="connsiteY1"/>
-              </a:cxn>
-              <a:cxn ang="0">
-                <a:pos x="connsiteX2" y="connsiteY2"/>
-              </a:cxn>
-              <a:cxn ang="0">
-                <a:pos x="connsiteX3" y="connsiteY3"/>
-              </a:cxn>
-              <a:cxn ang="0">
-                <a:pos x="connsiteX4" y="connsiteY4"/>
-              </a:cxn>
-              <a:cxn ang="0">
-                <a:pos x="connsiteX5" y="connsiteY5"/>
-              </a:cxn>
-              <a:cxn ang="0">
-                <a:pos x="connsiteX6" y="connsiteY6"/>
-              </a:cxn>
-            </a:cxnLst>
-            <a:rect l="l" t="t" r="r" b="b"/>
-            <a:pathLst>
-              <a:path w="4405503" h="5066346">
-                <a:moveTo>
-                  <a:pt x="0" y="1273587"/>
-                </a:moveTo>
-                <a:lnTo>
-                  <a:pt x="2156730" y="0"/>
-                </a:lnTo>
-                <a:lnTo>
-                  <a:pt x="4398121" y="1277620"/>
-                </a:lnTo>
-                <a:cubicBezTo>
-                  <a:pt x="4400582" y="2119048"/>
-                  <a:pt x="4403042" y="2960475"/>
-                  <a:pt x="4405503" y="3801903"/>
-                </a:cubicBezTo>
-                <a:lnTo>
-                  <a:pt x="2236581" y="5066346"/>
-                </a:lnTo>
-                <a:lnTo>
-                  <a:pt x="21098" y="3815142"/>
-                </a:lnTo>
-                <a:lnTo>
-                  <a:pt x="0" y="1273587"/>
-                </a:lnTo>
-                <a:close/>
-              </a:path>
-            </a:pathLst>
-          </a:custGeom>
-          <a:solidFill>
-            <a:schemeClr val="tx2">
-              <a:lumMod val="10000"/>
-              <a:lumOff val="90000"/>
-            </a:schemeClr>
-          </a:solidFill>
-          <a:ln w="38100">
-            <a:noFill/>
-          </a:ln>
-        </p:spPr>
-      </p:pic>
-      <p:pic>
-        <p:nvPicPr>
-          <p:cNvPr id="2" name="Shape 31">
-            <a:extLst>
-              <a:ext uri="{FF2B5EF4-FFF2-40B4-BE49-F238E27FC236}">
-                <a16:creationId xmlns:a16="http://schemas.microsoft.com/office/drawing/2014/main" id="{A09BD05B-09FB-99DA-8FBE-CADF437A1B2C}"/>
-              </a:ext>
-              <a:ext uri="{C183D7F6-B498-43B3-948B-1728B52AA6E4}">
-                <adec:decorative xmlns:adec="http://schemas.microsoft.com/office/drawing/2017/decorative" val="1"/>
-              </a:ext>
-            </a:extLst>
-          </p:cNvPr>
-          <p:cNvPicPr>
-            <a:picLocks noChangeAspect="1"/>
-          </p:cNvPicPr>
-          <p:nvPr/>
-        </p:nvPicPr>
-        <p:blipFill>
-          <a:blip r:embed="rId2" cstate="print">
-            <a:alphaModFix amt="5000"/>
-            <a:extLst>
-              <a:ext uri="{28A0092B-C50C-407E-A947-70E740481C1C}">
-                <a14:useLocalDpi xmlns:a14="http://schemas.microsoft.com/office/drawing/2010/main"/>
-              </a:ext>
-            </a:extLst>
-          </a:blip>
-          <a:srcRect t="2555" b="2555"/>
-          <a:stretch>
-            <a:fillRect/>
-          </a:stretch>
-        </p:blipFill>
-        <p:spPr>
-          <a:xfrm>
-            <a:off x="291233" y="437287"/>
-            <a:ext cx="2533650" cy="2898549"/>
-          </a:xfrm>
-          <a:custGeom>
-            <a:avLst/>
-            <a:gdLst>
-              <a:gd name="connsiteX0" fmla="*/ 0 w 4816475"/>
-              <a:gd name="connsiteY0" fmla="*/ 2407444 h 4814888"/>
-              <a:gd name="connsiteX1" fmla="*/ 1203722 w 4816475"/>
-              <a:gd name="connsiteY1" fmla="*/ 1 h 4814888"/>
-              <a:gd name="connsiteX2" fmla="*/ 3612753 w 4816475"/>
-              <a:gd name="connsiteY2" fmla="*/ 1 h 4814888"/>
-              <a:gd name="connsiteX3" fmla="*/ 4816475 w 4816475"/>
-              <a:gd name="connsiteY3" fmla="*/ 2407444 h 4814888"/>
-              <a:gd name="connsiteX4" fmla="*/ 3612753 w 4816475"/>
-              <a:gd name="connsiteY4" fmla="*/ 4814887 h 4814888"/>
-              <a:gd name="connsiteX5" fmla="*/ 1203722 w 4816475"/>
-              <a:gd name="connsiteY5" fmla="*/ 4814887 h 4814888"/>
-              <a:gd name="connsiteX6" fmla="*/ 0 w 4816475"/>
-              <a:gd name="connsiteY6" fmla="*/ 2407444 h 4814888"/>
-              <a:gd name="connsiteX0" fmla="*/ 0 w 4816475"/>
-              <a:gd name="connsiteY0" fmla="*/ 2407443 h 4814886"/>
-              <a:gd name="connsiteX1" fmla="*/ 2199402 w 4816475"/>
-              <a:gd name="connsiteY1" fmla="*/ 243840 h 4814886"/>
-              <a:gd name="connsiteX2" fmla="*/ 3612753 w 4816475"/>
-              <a:gd name="connsiteY2" fmla="*/ 0 h 4814886"/>
-              <a:gd name="connsiteX3" fmla="*/ 4816475 w 4816475"/>
-              <a:gd name="connsiteY3" fmla="*/ 2407443 h 4814886"/>
-              <a:gd name="connsiteX4" fmla="*/ 3612753 w 4816475"/>
-              <a:gd name="connsiteY4" fmla="*/ 4814886 h 4814886"/>
-              <a:gd name="connsiteX5" fmla="*/ 1203722 w 4816475"/>
-              <a:gd name="connsiteY5" fmla="*/ 4814886 h 4814886"/>
-              <a:gd name="connsiteX6" fmla="*/ 0 w 4816475"/>
-              <a:gd name="connsiteY6" fmla="*/ 2407443 h 4814886"/>
-              <a:gd name="connsiteX0" fmla="*/ 0 w 4816475"/>
-              <a:gd name="connsiteY0" fmla="*/ 2163603 h 4571046"/>
-              <a:gd name="connsiteX1" fmla="*/ 2199402 w 4816475"/>
-              <a:gd name="connsiteY1" fmla="*/ 0 h 4571046"/>
-              <a:gd name="connsiteX2" fmla="*/ 4608433 w 4816475"/>
-              <a:gd name="connsiteY2" fmla="*/ 721360 h 4571046"/>
-              <a:gd name="connsiteX3" fmla="*/ 4816475 w 4816475"/>
-              <a:gd name="connsiteY3" fmla="*/ 2163603 h 4571046"/>
-              <a:gd name="connsiteX4" fmla="*/ 3612753 w 4816475"/>
-              <a:gd name="connsiteY4" fmla="*/ 4571046 h 4571046"/>
-              <a:gd name="connsiteX5" fmla="*/ 1203722 w 4816475"/>
-              <a:gd name="connsiteY5" fmla="*/ 4571046 h 4571046"/>
-              <a:gd name="connsiteX6" fmla="*/ 0 w 4816475"/>
-              <a:gd name="connsiteY6" fmla="*/ 2163603 h 4571046"/>
-              <a:gd name="connsiteX0" fmla="*/ 0 w 4958715"/>
-              <a:gd name="connsiteY0" fmla="*/ 2163603 h 4571046"/>
-              <a:gd name="connsiteX1" fmla="*/ 2199402 w 4958715"/>
-              <a:gd name="connsiteY1" fmla="*/ 0 h 4571046"/>
-              <a:gd name="connsiteX2" fmla="*/ 4608433 w 4958715"/>
-              <a:gd name="connsiteY2" fmla="*/ 721360 h 4571046"/>
-              <a:gd name="connsiteX3" fmla="*/ 4958715 w 4958715"/>
-              <a:gd name="connsiteY3" fmla="*/ 2803683 h 4571046"/>
-              <a:gd name="connsiteX4" fmla="*/ 3612753 w 4958715"/>
-              <a:gd name="connsiteY4" fmla="*/ 4571046 h 4571046"/>
-              <a:gd name="connsiteX5" fmla="*/ 1203722 w 4958715"/>
-              <a:gd name="connsiteY5" fmla="*/ 4571046 h 4571046"/>
-              <a:gd name="connsiteX6" fmla="*/ 0 w 4958715"/>
-              <a:gd name="connsiteY6" fmla="*/ 2163603 h 4571046"/>
-              <a:gd name="connsiteX0" fmla="*/ 0 w 4916043"/>
-              <a:gd name="connsiteY0" fmla="*/ 1273587 h 4571046"/>
-              <a:gd name="connsiteX1" fmla="*/ 2156730 w 4916043"/>
-              <a:gd name="connsiteY1" fmla="*/ 0 h 4571046"/>
-              <a:gd name="connsiteX2" fmla="*/ 4565761 w 4916043"/>
-              <a:gd name="connsiteY2" fmla="*/ 721360 h 4571046"/>
-              <a:gd name="connsiteX3" fmla="*/ 4916043 w 4916043"/>
-              <a:gd name="connsiteY3" fmla="*/ 2803683 h 4571046"/>
-              <a:gd name="connsiteX4" fmla="*/ 3570081 w 4916043"/>
-              <a:gd name="connsiteY4" fmla="*/ 4571046 h 4571046"/>
-              <a:gd name="connsiteX5" fmla="*/ 1161050 w 4916043"/>
-              <a:gd name="connsiteY5" fmla="*/ 4571046 h 4571046"/>
-              <a:gd name="connsiteX6" fmla="*/ 0 w 4916043"/>
-              <a:gd name="connsiteY6" fmla="*/ 1273587 h 4571046"/>
-              <a:gd name="connsiteX0" fmla="*/ 0 w 4916043"/>
-              <a:gd name="connsiteY0" fmla="*/ 1273587 h 4571046"/>
-              <a:gd name="connsiteX1" fmla="*/ 2156730 w 4916043"/>
-              <a:gd name="connsiteY1" fmla="*/ 0 h 4571046"/>
-              <a:gd name="connsiteX2" fmla="*/ 4565761 w 4916043"/>
-              <a:gd name="connsiteY2" fmla="*/ 721360 h 4571046"/>
-              <a:gd name="connsiteX3" fmla="*/ 4916043 w 4916043"/>
-              <a:gd name="connsiteY3" fmla="*/ 2803683 h 4571046"/>
-              <a:gd name="connsiteX4" fmla="*/ 3570081 w 4916043"/>
-              <a:gd name="connsiteY4" fmla="*/ 4571046 h 4571046"/>
-              <a:gd name="connsiteX5" fmla="*/ 21098 w 4916043"/>
-              <a:gd name="connsiteY5" fmla="*/ 3815142 h 4571046"/>
-              <a:gd name="connsiteX6" fmla="*/ 0 w 4916043"/>
-              <a:gd name="connsiteY6" fmla="*/ 1273587 h 4571046"/>
-              <a:gd name="connsiteX0" fmla="*/ 0 w 4916043"/>
-              <a:gd name="connsiteY0" fmla="*/ 1273587 h 5066346"/>
-              <a:gd name="connsiteX1" fmla="*/ 2156730 w 4916043"/>
-              <a:gd name="connsiteY1" fmla="*/ 0 h 5066346"/>
-              <a:gd name="connsiteX2" fmla="*/ 4565761 w 4916043"/>
-              <a:gd name="connsiteY2" fmla="*/ 721360 h 5066346"/>
-              <a:gd name="connsiteX3" fmla="*/ 4916043 w 4916043"/>
-              <a:gd name="connsiteY3" fmla="*/ 2803683 h 5066346"/>
-              <a:gd name="connsiteX4" fmla="*/ 2236581 w 4916043"/>
-              <a:gd name="connsiteY4" fmla="*/ 5066346 h 5066346"/>
-              <a:gd name="connsiteX5" fmla="*/ 21098 w 4916043"/>
-              <a:gd name="connsiteY5" fmla="*/ 3815142 h 5066346"/>
-              <a:gd name="connsiteX6" fmla="*/ 0 w 4916043"/>
-              <a:gd name="connsiteY6" fmla="*/ 1273587 h 5066346"/>
-              <a:gd name="connsiteX0" fmla="*/ 0 w 4565761"/>
-              <a:gd name="connsiteY0" fmla="*/ 1273587 h 5066346"/>
-              <a:gd name="connsiteX1" fmla="*/ 2156730 w 4565761"/>
-              <a:gd name="connsiteY1" fmla="*/ 0 h 5066346"/>
-              <a:gd name="connsiteX2" fmla="*/ 4565761 w 4565761"/>
-              <a:gd name="connsiteY2" fmla="*/ 721360 h 5066346"/>
-              <a:gd name="connsiteX3" fmla="*/ 4405503 w 4565761"/>
-              <a:gd name="connsiteY3" fmla="*/ 3801903 h 5066346"/>
-              <a:gd name="connsiteX4" fmla="*/ 2236581 w 4565761"/>
-              <a:gd name="connsiteY4" fmla="*/ 5066346 h 5066346"/>
-              <a:gd name="connsiteX5" fmla="*/ 21098 w 4565761"/>
-              <a:gd name="connsiteY5" fmla="*/ 3815142 h 5066346"/>
-              <a:gd name="connsiteX6" fmla="*/ 0 w 4565761"/>
-              <a:gd name="connsiteY6" fmla="*/ 1273587 h 5066346"/>
-              <a:gd name="connsiteX0" fmla="*/ 0 w 4405503"/>
-              <a:gd name="connsiteY0" fmla="*/ 1273587 h 5066346"/>
-              <a:gd name="connsiteX1" fmla="*/ 2156730 w 4405503"/>
-              <a:gd name="connsiteY1" fmla="*/ 0 h 5066346"/>
-              <a:gd name="connsiteX2" fmla="*/ 4398121 w 4405503"/>
-              <a:gd name="connsiteY2" fmla="*/ 1277620 h 5066346"/>
-              <a:gd name="connsiteX3" fmla="*/ 4405503 w 4405503"/>
-              <a:gd name="connsiteY3" fmla="*/ 3801903 h 5066346"/>
-              <a:gd name="connsiteX4" fmla="*/ 2236581 w 4405503"/>
-              <a:gd name="connsiteY4" fmla="*/ 5066346 h 5066346"/>
-              <a:gd name="connsiteX5" fmla="*/ 21098 w 4405503"/>
-              <a:gd name="connsiteY5" fmla="*/ 3815142 h 5066346"/>
-              <a:gd name="connsiteX6" fmla="*/ 0 w 4405503"/>
-              <a:gd name="connsiteY6" fmla="*/ 1273587 h 5066346"/>
-            </a:gdLst>
-            <a:ahLst/>
-            <a:cxnLst>
-              <a:cxn ang="0">
-                <a:pos x="connsiteX0" y="connsiteY0"/>
-              </a:cxn>
-              <a:cxn ang="0">
-                <a:pos x="connsiteX1" y="connsiteY1"/>
-              </a:cxn>
-              <a:cxn ang="0">
-                <a:pos x="connsiteX2" y="connsiteY2"/>
-              </a:cxn>
-              <a:cxn ang="0">
-                <a:pos x="connsiteX3" y="connsiteY3"/>
-              </a:cxn>
-              <a:cxn ang="0">
-                <a:pos x="connsiteX4" y="connsiteY4"/>
-              </a:cxn>
-              <a:cxn ang="0">
-                <a:pos x="connsiteX5" y="connsiteY5"/>
-              </a:cxn>
-              <a:cxn ang="0">
-                <a:pos x="connsiteX6" y="connsiteY6"/>
-              </a:cxn>
-            </a:cxnLst>
-            <a:rect l="l" t="t" r="r" b="b"/>
-            <a:pathLst>
-              <a:path w="4405503" h="5066346">
-                <a:moveTo>
-                  <a:pt x="0" y="1273587"/>
-                </a:moveTo>
-                <a:lnTo>
-                  <a:pt x="2156730" y="0"/>
-                </a:lnTo>
-                <a:lnTo>
-                  <a:pt x="4398121" y="1277620"/>
-                </a:lnTo>
-                <a:cubicBezTo>
-                  <a:pt x="4400582" y="2119048"/>
-                  <a:pt x="4403042" y="2960475"/>
-                  <a:pt x="4405503" y="3801903"/>
-                </a:cubicBezTo>
-                <a:lnTo>
-                  <a:pt x="2236581" y="5066346"/>
-                </a:lnTo>
-                <a:lnTo>
-                  <a:pt x="21098" y="3815142"/>
-                </a:lnTo>
-                <a:lnTo>
-                  <a:pt x="0" y="1273587"/>
-                </a:lnTo>
-                <a:close/>
-              </a:path>
-            </a:pathLst>
-          </a:custGeom>
-          <a:noFill/>
-          <a:ln w="38100">
-            <a:solidFill>
-              <a:schemeClr val="accent2">
-                <a:lumMod val="20000"/>
-                <a:lumOff val="80000"/>
-              </a:schemeClr>
-            </a:solidFill>
-          </a:ln>
-        </p:spPr>
-      </p:pic>
-      <p:sp>
-        <p:nvSpPr>
-          <p:cNvPr id="31" name="Title 7">
-            <a:extLst>
-              <a:ext uri="{FF2B5EF4-FFF2-40B4-BE49-F238E27FC236}">
-                <a16:creationId xmlns:a16="http://schemas.microsoft.com/office/drawing/2014/main" id="{C4C7F438-F5D5-E2D9-3CAA-43E8CB032579}"/>
-              </a:ext>
-            </a:extLst>
-          </p:cNvPr>
-          <p:cNvSpPr>
-            <a:spLocks noGrp="1"/>
-          </p:cNvSpPr>
-          <p:nvPr>
-            <p:ph type="title"/>
-          </p:nvPr>
-        </p:nvSpPr>
-        <p:spPr>
-          <a:xfrm>
-            <a:off x="3226815" y="277240"/>
-            <a:ext cx="1562001" cy="654970"/>
-          </a:xfrm>
-        </p:spPr>
-        <p:txBody>
-          <a:bodyPr/>
-          <a:lstStyle/>
-          <a:p>
-            <a:r>
-              <a:rPr lang="sr-Latn-RS" sz="5000" dirty="0" err="1"/>
-              <a:t>Raft</a:t>
-            </a:r>
-            <a:endParaRPr lang="en-US" sz="5000" dirty="0"/>
-          </a:p>
-        </p:txBody>
-      </p:sp>
-      <p:grpSp>
-        <p:nvGrpSpPr>
-          <p:cNvPr id="8" name="Group 7">
-            <a:extLst>
-              <a:ext uri="{FF2B5EF4-FFF2-40B4-BE49-F238E27FC236}">
-                <a16:creationId xmlns:a16="http://schemas.microsoft.com/office/drawing/2014/main" id="{E4182C38-55D8-A2C0-EB19-DA7391BF9A14}"/>
-              </a:ext>
-            </a:extLst>
-          </p:cNvPr>
-          <p:cNvGrpSpPr/>
-          <p:nvPr/>
-        </p:nvGrpSpPr>
-        <p:grpSpPr>
-          <a:xfrm>
-            <a:off x="100913" y="0"/>
-            <a:ext cx="2533650" cy="2898550"/>
-            <a:chOff x="9786376" y="4095751"/>
-            <a:chExt cx="2085975" cy="2386400"/>
-          </a:xfrm>
-        </p:grpSpPr>
-        <p:pic>
-          <p:nvPicPr>
-            <p:cNvPr id="27" name="Shape 31">
-              <a:extLst>
-                <a:ext uri="{FF2B5EF4-FFF2-40B4-BE49-F238E27FC236}">
-                  <a16:creationId xmlns:a16="http://schemas.microsoft.com/office/drawing/2014/main" id="{D92714C4-3EAC-6BBB-96F5-8199F2CA1742}"/>
-                </a:ext>
-                <a:ext uri="{C183D7F6-B498-43B3-948B-1728B52AA6E4}">
-                  <adec:decorative xmlns:adec="http://schemas.microsoft.com/office/drawing/2017/decorative" val="1"/>
-                </a:ext>
-              </a:extLst>
-            </p:cNvPr>
-            <p:cNvPicPr>
-              <a:picLocks noChangeAspect="1"/>
-            </p:cNvPicPr>
-            <p:nvPr/>
-          </p:nvPicPr>
-          <p:blipFill>
-            <a:blip r:embed="rId2" cstate="print">
-              <a:alphaModFix amt="5000"/>
-              <a:extLst>
-                <a:ext uri="{28A0092B-C50C-407E-A947-70E740481C1C}">
-                  <a14:useLocalDpi xmlns:a14="http://schemas.microsoft.com/office/drawing/2010/main"/>
-                </a:ext>
-              </a:extLst>
-            </a:blip>
-            <a:srcRect t="2555" b="2555"/>
-            <a:stretch>
-              <a:fillRect/>
-            </a:stretch>
-          </p:blipFill>
-          <p:spPr>
-            <a:xfrm>
-              <a:off x="9786376" y="4095751"/>
-              <a:ext cx="2085975" cy="2386400"/>
-            </a:xfrm>
-            <a:custGeom>
-              <a:avLst/>
-              <a:gdLst>
-                <a:gd name="connsiteX0" fmla="*/ 0 w 4816475"/>
-                <a:gd name="connsiteY0" fmla="*/ 2407444 h 4814888"/>
-                <a:gd name="connsiteX1" fmla="*/ 1203722 w 4816475"/>
-                <a:gd name="connsiteY1" fmla="*/ 1 h 4814888"/>
-                <a:gd name="connsiteX2" fmla="*/ 3612753 w 4816475"/>
-                <a:gd name="connsiteY2" fmla="*/ 1 h 4814888"/>
-                <a:gd name="connsiteX3" fmla="*/ 4816475 w 4816475"/>
-                <a:gd name="connsiteY3" fmla="*/ 2407444 h 4814888"/>
-                <a:gd name="connsiteX4" fmla="*/ 3612753 w 4816475"/>
-                <a:gd name="connsiteY4" fmla="*/ 4814887 h 4814888"/>
-                <a:gd name="connsiteX5" fmla="*/ 1203722 w 4816475"/>
-                <a:gd name="connsiteY5" fmla="*/ 4814887 h 4814888"/>
-                <a:gd name="connsiteX6" fmla="*/ 0 w 4816475"/>
-                <a:gd name="connsiteY6" fmla="*/ 2407444 h 4814888"/>
-                <a:gd name="connsiteX0" fmla="*/ 0 w 4816475"/>
-                <a:gd name="connsiteY0" fmla="*/ 2407443 h 4814886"/>
-                <a:gd name="connsiteX1" fmla="*/ 2199402 w 4816475"/>
-                <a:gd name="connsiteY1" fmla="*/ 243840 h 4814886"/>
-                <a:gd name="connsiteX2" fmla="*/ 3612753 w 4816475"/>
-                <a:gd name="connsiteY2" fmla="*/ 0 h 4814886"/>
-                <a:gd name="connsiteX3" fmla="*/ 4816475 w 4816475"/>
-                <a:gd name="connsiteY3" fmla="*/ 2407443 h 4814886"/>
-                <a:gd name="connsiteX4" fmla="*/ 3612753 w 4816475"/>
-                <a:gd name="connsiteY4" fmla="*/ 4814886 h 4814886"/>
-                <a:gd name="connsiteX5" fmla="*/ 1203722 w 4816475"/>
-                <a:gd name="connsiteY5" fmla="*/ 4814886 h 4814886"/>
-                <a:gd name="connsiteX6" fmla="*/ 0 w 4816475"/>
-                <a:gd name="connsiteY6" fmla="*/ 2407443 h 4814886"/>
-                <a:gd name="connsiteX0" fmla="*/ 0 w 4816475"/>
-                <a:gd name="connsiteY0" fmla="*/ 2163603 h 4571046"/>
-                <a:gd name="connsiteX1" fmla="*/ 2199402 w 4816475"/>
-                <a:gd name="connsiteY1" fmla="*/ 0 h 4571046"/>
-                <a:gd name="connsiteX2" fmla="*/ 4608433 w 4816475"/>
-                <a:gd name="connsiteY2" fmla="*/ 721360 h 4571046"/>
-                <a:gd name="connsiteX3" fmla="*/ 4816475 w 4816475"/>
-                <a:gd name="connsiteY3" fmla="*/ 2163603 h 4571046"/>
-                <a:gd name="connsiteX4" fmla="*/ 3612753 w 4816475"/>
-                <a:gd name="connsiteY4" fmla="*/ 4571046 h 4571046"/>
-                <a:gd name="connsiteX5" fmla="*/ 1203722 w 4816475"/>
-                <a:gd name="connsiteY5" fmla="*/ 4571046 h 4571046"/>
-                <a:gd name="connsiteX6" fmla="*/ 0 w 4816475"/>
-                <a:gd name="connsiteY6" fmla="*/ 2163603 h 4571046"/>
-                <a:gd name="connsiteX0" fmla="*/ 0 w 4958715"/>
-                <a:gd name="connsiteY0" fmla="*/ 2163603 h 4571046"/>
-                <a:gd name="connsiteX1" fmla="*/ 2199402 w 4958715"/>
-                <a:gd name="connsiteY1" fmla="*/ 0 h 4571046"/>
-                <a:gd name="connsiteX2" fmla="*/ 4608433 w 4958715"/>
-                <a:gd name="connsiteY2" fmla="*/ 721360 h 4571046"/>
-                <a:gd name="connsiteX3" fmla="*/ 4958715 w 4958715"/>
-                <a:gd name="connsiteY3" fmla="*/ 2803683 h 4571046"/>
-                <a:gd name="connsiteX4" fmla="*/ 3612753 w 4958715"/>
-                <a:gd name="connsiteY4" fmla="*/ 4571046 h 4571046"/>
-                <a:gd name="connsiteX5" fmla="*/ 1203722 w 4958715"/>
-                <a:gd name="connsiteY5" fmla="*/ 4571046 h 4571046"/>
-                <a:gd name="connsiteX6" fmla="*/ 0 w 4958715"/>
-                <a:gd name="connsiteY6" fmla="*/ 2163603 h 4571046"/>
-                <a:gd name="connsiteX0" fmla="*/ 0 w 4916043"/>
-                <a:gd name="connsiteY0" fmla="*/ 1273587 h 4571046"/>
-                <a:gd name="connsiteX1" fmla="*/ 2156730 w 4916043"/>
-                <a:gd name="connsiteY1" fmla="*/ 0 h 4571046"/>
-                <a:gd name="connsiteX2" fmla="*/ 4565761 w 4916043"/>
-                <a:gd name="connsiteY2" fmla="*/ 721360 h 4571046"/>
-                <a:gd name="connsiteX3" fmla="*/ 4916043 w 4916043"/>
-                <a:gd name="connsiteY3" fmla="*/ 2803683 h 4571046"/>
-                <a:gd name="connsiteX4" fmla="*/ 3570081 w 4916043"/>
-                <a:gd name="connsiteY4" fmla="*/ 4571046 h 4571046"/>
-                <a:gd name="connsiteX5" fmla="*/ 1161050 w 4916043"/>
-                <a:gd name="connsiteY5" fmla="*/ 4571046 h 4571046"/>
-                <a:gd name="connsiteX6" fmla="*/ 0 w 4916043"/>
-                <a:gd name="connsiteY6" fmla="*/ 1273587 h 4571046"/>
-                <a:gd name="connsiteX0" fmla="*/ 0 w 4916043"/>
-                <a:gd name="connsiteY0" fmla="*/ 1273587 h 4571046"/>
-                <a:gd name="connsiteX1" fmla="*/ 2156730 w 4916043"/>
-                <a:gd name="connsiteY1" fmla="*/ 0 h 4571046"/>
-                <a:gd name="connsiteX2" fmla="*/ 4565761 w 4916043"/>
-                <a:gd name="connsiteY2" fmla="*/ 721360 h 4571046"/>
-                <a:gd name="connsiteX3" fmla="*/ 4916043 w 4916043"/>
-                <a:gd name="connsiteY3" fmla="*/ 2803683 h 4571046"/>
-                <a:gd name="connsiteX4" fmla="*/ 3570081 w 4916043"/>
-                <a:gd name="connsiteY4" fmla="*/ 4571046 h 4571046"/>
-                <a:gd name="connsiteX5" fmla="*/ 21098 w 4916043"/>
-                <a:gd name="connsiteY5" fmla="*/ 3815142 h 4571046"/>
-                <a:gd name="connsiteX6" fmla="*/ 0 w 4916043"/>
-                <a:gd name="connsiteY6" fmla="*/ 1273587 h 4571046"/>
-                <a:gd name="connsiteX0" fmla="*/ 0 w 4916043"/>
-                <a:gd name="connsiteY0" fmla="*/ 1273587 h 5066346"/>
-                <a:gd name="connsiteX1" fmla="*/ 2156730 w 4916043"/>
-                <a:gd name="connsiteY1" fmla="*/ 0 h 5066346"/>
-                <a:gd name="connsiteX2" fmla="*/ 4565761 w 4916043"/>
-                <a:gd name="connsiteY2" fmla="*/ 721360 h 5066346"/>
-                <a:gd name="connsiteX3" fmla="*/ 4916043 w 4916043"/>
-                <a:gd name="connsiteY3" fmla="*/ 2803683 h 5066346"/>
-                <a:gd name="connsiteX4" fmla="*/ 2236581 w 4916043"/>
-                <a:gd name="connsiteY4" fmla="*/ 5066346 h 5066346"/>
-                <a:gd name="connsiteX5" fmla="*/ 21098 w 4916043"/>
-                <a:gd name="connsiteY5" fmla="*/ 3815142 h 5066346"/>
-                <a:gd name="connsiteX6" fmla="*/ 0 w 4916043"/>
-                <a:gd name="connsiteY6" fmla="*/ 1273587 h 5066346"/>
-                <a:gd name="connsiteX0" fmla="*/ 0 w 4565761"/>
-                <a:gd name="connsiteY0" fmla="*/ 1273587 h 5066346"/>
-                <a:gd name="connsiteX1" fmla="*/ 2156730 w 4565761"/>
-                <a:gd name="connsiteY1" fmla="*/ 0 h 5066346"/>
-                <a:gd name="connsiteX2" fmla="*/ 4565761 w 4565761"/>
-                <a:gd name="connsiteY2" fmla="*/ 721360 h 5066346"/>
-                <a:gd name="connsiteX3" fmla="*/ 4405503 w 4565761"/>
-                <a:gd name="connsiteY3" fmla="*/ 3801903 h 5066346"/>
-                <a:gd name="connsiteX4" fmla="*/ 2236581 w 4565761"/>
-                <a:gd name="connsiteY4" fmla="*/ 5066346 h 5066346"/>
-                <a:gd name="connsiteX5" fmla="*/ 21098 w 4565761"/>
-                <a:gd name="connsiteY5" fmla="*/ 3815142 h 5066346"/>
-                <a:gd name="connsiteX6" fmla="*/ 0 w 4565761"/>
-                <a:gd name="connsiteY6" fmla="*/ 1273587 h 5066346"/>
-                <a:gd name="connsiteX0" fmla="*/ 0 w 4405503"/>
-                <a:gd name="connsiteY0" fmla="*/ 1273587 h 5066346"/>
-                <a:gd name="connsiteX1" fmla="*/ 2156730 w 4405503"/>
-                <a:gd name="connsiteY1" fmla="*/ 0 h 5066346"/>
-                <a:gd name="connsiteX2" fmla="*/ 4398121 w 4405503"/>
-                <a:gd name="connsiteY2" fmla="*/ 1277620 h 5066346"/>
-                <a:gd name="connsiteX3" fmla="*/ 4405503 w 4405503"/>
-                <a:gd name="connsiteY3" fmla="*/ 3801903 h 5066346"/>
-                <a:gd name="connsiteX4" fmla="*/ 2236581 w 4405503"/>
-                <a:gd name="connsiteY4" fmla="*/ 5066346 h 5066346"/>
-                <a:gd name="connsiteX5" fmla="*/ 21098 w 4405503"/>
-                <a:gd name="connsiteY5" fmla="*/ 3815142 h 5066346"/>
-                <a:gd name="connsiteX6" fmla="*/ 0 w 4405503"/>
-                <a:gd name="connsiteY6" fmla="*/ 1273587 h 5066346"/>
-              </a:gdLst>
-              <a:ahLst/>
-              <a:cxnLst>
-                <a:cxn ang="0">
-                  <a:pos x="connsiteX0" y="connsiteY0"/>
-                </a:cxn>
-                <a:cxn ang="0">
-                  <a:pos x="connsiteX1" y="connsiteY1"/>
-                </a:cxn>
-                <a:cxn ang="0">
-                  <a:pos x="connsiteX2" y="connsiteY2"/>
-                </a:cxn>
-                <a:cxn ang="0">
-                  <a:pos x="connsiteX3" y="connsiteY3"/>
-                </a:cxn>
-                <a:cxn ang="0">
-                  <a:pos x="connsiteX4" y="connsiteY4"/>
-                </a:cxn>
-                <a:cxn ang="0">
-                  <a:pos x="connsiteX5" y="connsiteY5"/>
-                </a:cxn>
-                <a:cxn ang="0">
-                  <a:pos x="connsiteX6" y="connsiteY6"/>
-                </a:cxn>
-              </a:cxnLst>
-              <a:rect l="l" t="t" r="r" b="b"/>
-              <a:pathLst>
-                <a:path w="4405503" h="5066346">
-                  <a:moveTo>
-                    <a:pt x="0" y="1273587"/>
-                  </a:moveTo>
-                  <a:lnTo>
-                    <a:pt x="2156730" y="0"/>
-                  </a:lnTo>
-                  <a:lnTo>
-                    <a:pt x="4398121" y="1277620"/>
-                  </a:lnTo>
-                  <a:cubicBezTo>
-                    <a:pt x="4400582" y="2119048"/>
-                    <a:pt x="4403042" y="2960475"/>
-                    <a:pt x="4405503" y="3801903"/>
-                  </a:cubicBezTo>
-                  <a:lnTo>
-                    <a:pt x="2236581" y="5066346"/>
-                  </a:lnTo>
-                  <a:lnTo>
-                    <a:pt x="21098" y="3815142"/>
-                  </a:lnTo>
-                  <a:lnTo>
-                    <a:pt x="0" y="1273587"/>
-                  </a:lnTo>
-                  <a:close/>
-                </a:path>
-              </a:pathLst>
-            </a:custGeom>
-            <a:solidFill>
-              <a:schemeClr val="tx2">
-                <a:lumMod val="50000"/>
-                <a:lumOff val="50000"/>
-              </a:schemeClr>
-            </a:solidFill>
-            <a:ln w="38100">
-              <a:noFill/>
-            </a:ln>
-          </p:spPr>
-        </p:pic>
-        <p:pic>
-          <p:nvPicPr>
-            <p:cNvPr id="7" name="Graphic 6">
-              <a:extLst>
-                <a:ext uri="{FF2B5EF4-FFF2-40B4-BE49-F238E27FC236}">
-                  <a16:creationId xmlns:a16="http://schemas.microsoft.com/office/drawing/2014/main" id="{58B2C25B-DCD5-DB5A-57BA-418E81EDAF89}"/>
-                </a:ext>
-              </a:extLst>
-            </p:cNvPr>
-            <p:cNvPicPr>
-              <a:picLocks noChangeAspect="1"/>
-            </p:cNvPicPr>
-            <p:nvPr/>
-          </p:nvPicPr>
-          <p:blipFill>
-            <a:blip r:embed="rId3"/>
-            <a:srcRect/>
-            <a:stretch/>
-          </p:blipFill>
-          <p:spPr>
-            <a:xfrm>
-              <a:off x="10124513" y="4593626"/>
-              <a:ext cx="1411300" cy="1411300"/>
-            </a:xfrm>
-            <a:prstGeom prst="rect">
-              <a:avLst/>
-            </a:prstGeom>
-          </p:spPr>
-        </p:pic>
-      </p:grpSp>
-      <p:sp>
-        <p:nvSpPr>
-          <p:cNvPr id="3" name="TextBox 2">
-            <a:extLst>
-              <a:ext uri="{FF2B5EF4-FFF2-40B4-BE49-F238E27FC236}">
-                <a16:creationId xmlns:a16="http://schemas.microsoft.com/office/drawing/2014/main" id="{26BABB6A-806C-531C-4FCF-7F83E2CF9AFC}"/>
-              </a:ext>
-            </a:extLst>
-          </p:cNvPr>
-          <p:cNvSpPr txBox="1"/>
-          <p:nvPr/>
-        </p:nvSpPr>
-        <p:spPr>
-          <a:xfrm flipH="1">
-            <a:off x="3397727" y="1491308"/>
-            <a:ext cx="4408896" cy="707886"/>
-          </a:xfrm>
-          <a:prstGeom prst="rect">
-            <a:avLst/>
-          </a:prstGeom>
-        </p:spPr>
-        <p:txBody>
-          <a:bodyPr wrap="square" rtlCol="0">
-            <a:spAutoFit/>
-          </a:bodyPr>
-          <a:lstStyle/>
-          <a:p>
-            <a:pPr marL="0" indent="0" algn="ctr">
-              <a:lnSpc>
-                <a:spcPct val="100000"/>
-              </a:lnSpc>
-              <a:spcBef>
-                <a:spcPts val="0"/>
-              </a:spcBef>
-              <a:buFontTx/>
-              <a:buNone/>
-            </a:pPr>
-            <a:r>
-              <a:rPr lang="sr-Latn-RS" sz="2000" b="1" dirty="0" err="1">
-                <a:solidFill>
-                  <a:prstClr val="white"/>
-                </a:solidFill>
-                <a:effectLst>
-                  <a:outerShdw blurRad="38100" dist="38100" dir="2700000" algn="tl">
-                    <a:srgbClr val="000000">
-                      <a:alpha val="43137"/>
-                    </a:srgbClr>
-                  </a:outerShdw>
-                </a:effectLst>
-                <a:latin typeface="Posterama" panose="020B0504020200020000" pitchFamily="34" charset="0"/>
-                <a:ea typeface="微软雅黑"/>
-                <a:cs typeface="Posterama" panose="020B0504020200020000" pitchFamily="34" charset="0"/>
-              </a:rPr>
-              <a:t>Replicated</a:t>
-            </a:r>
-            <a:r>
-              <a:rPr lang="sr-Latn-RS" sz="2000" b="1" dirty="0">
-                <a:solidFill>
-                  <a:prstClr val="white"/>
-                </a:solidFill>
-                <a:effectLst>
-                  <a:outerShdw blurRad="38100" dist="38100" dir="2700000" algn="tl">
-                    <a:srgbClr val="000000">
-                      <a:alpha val="43137"/>
-                    </a:srgbClr>
-                  </a:outerShdw>
-                </a:effectLst>
-                <a:latin typeface="Posterama" panose="020B0504020200020000" pitchFamily="34" charset="0"/>
-                <a:ea typeface="微软雅黑"/>
-                <a:cs typeface="Posterama" panose="020B0504020200020000" pitchFamily="34" charset="0"/>
-              </a:rPr>
-              <a:t> </a:t>
-            </a:r>
-            <a:r>
-              <a:rPr lang="sr-Latn-RS" sz="2000" b="1" dirty="0" err="1">
-                <a:solidFill>
-                  <a:prstClr val="white"/>
-                </a:solidFill>
-                <a:effectLst>
-                  <a:outerShdw blurRad="38100" dist="38100" dir="2700000" algn="tl">
-                    <a:srgbClr val="000000">
-                      <a:alpha val="43137"/>
-                    </a:srgbClr>
-                  </a:outerShdw>
-                </a:effectLst>
-                <a:latin typeface="Posterama" panose="020B0504020200020000" pitchFamily="34" charset="0"/>
-                <a:ea typeface="微软雅黑"/>
-                <a:cs typeface="Posterama" panose="020B0504020200020000" pitchFamily="34" charset="0"/>
-              </a:rPr>
-              <a:t>and</a:t>
-            </a:r>
-            <a:r>
-              <a:rPr lang="sr-Latn-RS" sz="2000" b="1" dirty="0">
-                <a:solidFill>
-                  <a:prstClr val="white"/>
-                </a:solidFill>
-                <a:effectLst>
-                  <a:outerShdw blurRad="38100" dist="38100" dir="2700000" algn="tl">
-                    <a:srgbClr val="000000">
-                      <a:alpha val="43137"/>
-                    </a:srgbClr>
-                  </a:outerShdw>
-                </a:effectLst>
-                <a:latin typeface="Posterama" panose="020B0504020200020000" pitchFamily="34" charset="0"/>
-                <a:ea typeface="微软雅黑"/>
-                <a:cs typeface="Posterama" panose="020B0504020200020000" pitchFamily="34" charset="0"/>
-              </a:rPr>
-              <a:t> </a:t>
-            </a:r>
-            <a:r>
-              <a:rPr lang="sr-Latn-RS" sz="2000" b="1" dirty="0" err="1">
-                <a:solidFill>
-                  <a:prstClr val="white"/>
-                </a:solidFill>
-                <a:effectLst>
-                  <a:outerShdw blurRad="38100" dist="38100" dir="2700000" algn="tl">
-                    <a:srgbClr val="000000">
-                      <a:alpha val="43137"/>
-                    </a:srgbClr>
-                  </a:outerShdw>
-                </a:effectLst>
-                <a:latin typeface="Posterama" panose="020B0504020200020000" pitchFamily="34" charset="0"/>
-                <a:ea typeface="微软雅黑"/>
-                <a:cs typeface="Posterama" panose="020B0504020200020000" pitchFamily="34" charset="0"/>
-              </a:rPr>
-              <a:t>fault</a:t>
-            </a:r>
-            <a:r>
-              <a:rPr lang="sr-Latn-RS" sz="2000" b="1" dirty="0">
-                <a:solidFill>
-                  <a:prstClr val="white"/>
-                </a:solidFill>
-                <a:effectLst>
-                  <a:outerShdw blurRad="38100" dist="38100" dir="2700000" algn="tl">
-                    <a:srgbClr val="000000">
-                      <a:alpha val="43137"/>
-                    </a:srgbClr>
-                  </a:outerShdw>
-                </a:effectLst>
-                <a:latin typeface="Posterama" panose="020B0504020200020000" pitchFamily="34" charset="0"/>
-                <a:ea typeface="微软雅黑"/>
-                <a:cs typeface="Posterama" panose="020B0504020200020000" pitchFamily="34" charset="0"/>
-              </a:rPr>
-              <a:t> </a:t>
-            </a:r>
-            <a:r>
-              <a:rPr lang="sr-Latn-RS" sz="2000" b="1" dirty="0" err="1">
-                <a:solidFill>
-                  <a:prstClr val="white"/>
-                </a:solidFill>
-                <a:effectLst>
-                  <a:outerShdw blurRad="38100" dist="38100" dir="2700000" algn="tl">
-                    <a:srgbClr val="000000">
-                      <a:alpha val="43137"/>
-                    </a:srgbClr>
-                  </a:outerShdw>
-                </a:effectLst>
-                <a:latin typeface="Posterama" panose="020B0504020200020000" pitchFamily="34" charset="0"/>
-                <a:ea typeface="微软雅黑"/>
-                <a:cs typeface="Posterama" panose="020B0504020200020000" pitchFamily="34" charset="0"/>
-              </a:rPr>
-              <a:t>tolerant</a:t>
-            </a:r>
-            <a:r>
-              <a:rPr lang="sr-Latn-RS" sz="2000" b="1" dirty="0">
-                <a:solidFill>
-                  <a:prstClr val="white"/>
-                </a:solidFill>
-                <a:effectLst>
-                  <a:outerShdw blurRad="38100" dist="38100" dir="2700000" algn="tl">
-                    <a:srgbClr val="000000">
-                      <a:alpha val="43137"/>
-                    </a:srgbClr>
-                  </a:outerShdw>
-                </a:effectLst>
-                <a:latin typeface="Posterama" panose="020B0504020200020000" pitchFamily="34" charset="0"/>
-                <a:ea typeface="微软雅黑"/>
-                <a:cs typeface="Posterama" panose="020B0504020200020000" pitchFamily="34" charset="0"/>
-              </a:rPr>
-              <a:t> </a:t>
-            </a:r>
-          </a:p>
-          <a:p>
-            <a:pPr marL="0" indent="0" algn="ctr">
-              <a:lnSpc>
-                <a:spcPct val="100000"/>
-              </a:lnSpc>
-              <a:spcBef>
-                <a:spcPts val="0"/>
-              </a:spcBef>
-              <a:buFontTx/>
-              <a:buNone/>
-            </a:pPr>
-            <a:r>
-              <a:rPr lang="sr-Latn-RS" sz="2000" b="1" dirty="0">
-                <a:solidFill>
-                  <a:prstClr val="white"/>
-                </a:solidFill>
-                <a:effectLst>
-                  <a:outerShdw blurRad="38100" dist="38100" dir="2700000" algn="tl">
-                    <a:srgbClr val="000000">
-                      <a:alpha val="43137"/>
-                    </a:srgbClr>
-                  </a:outerShdw>
-                </a:effectLst>
-                <a:latin typeface="Posterama" panose="020B0504020200020000" pitchFamily="34" charset="0"/>
-                <a:ea typeface="微软雅黑"/>
-                <a:cs typeface="Posterama" panose="020B0504020200020000" pitchFamily="34" charset="0"/>
-              </a:rPr>
-              <a:t>(Repliciran i otporan na defekte)</a:t>
-            </a:r>
-            <a:endParaRPr lang="sr-Latn-RS" sz="1800" b="1" dirty="0">
-              <a:solidFill>
-                <a:prstClr val="white"/>
-              </a:solidFill>
-              <a:effectLst>
-                <a:outerShdw blurRad="38100" dist="38100" dir="2700000" algn="tl">
-                  <a:srgbClr val="000000">
-                    <a:alpha val="43137"/>
-                  </a:srgbClr>
-                </a:outerShdw>
-              </a:effectLst>
-              <a:latin typeface="Posterama" panose="020B0504020200020000" pitchFamily="34" charset="0"/>
-              <a:ea typeface="微软雅黑"/>
-              <a:cs typeface="Posterama" panose="020B0504020200020000" pitchFamily="34" charset="0"/>
-            </a:endParaRPr>
-          </a:p>
-        </p:txBody>
-      </p:sp>
-      <p:sp>
-        <p:nvSpPr>
-          <p:cNvPr id="4" name="TextBox 3">
-            <a:extLst>
-              <a:ext uri="{FF2B5EF4-FFF2-40B4-BE49-F238E27FC236}">
-                <a16:creationId xmlns:a16="http://schemas.microsoft.com/office/drawing/2014/main" id="{1DF94702-B6EE-1A71-55F7-F8D6D28C25EA}"/>
-              </a:ext>
-            </a:extLst>
-          </p:cNvPr>
-          <p:cNvSpPr txBox="1"/>
-          <p:nvPr/>
-        </p:nvSpPr>
-        <p:spPr>
-          <a:xfrm flipH="1">
-            <a:off x="5545105" y="4487793"/>
-            <a:ext cx="6646895" cy="400110"/>
-          </a:xfrm>
-          <a:prstGeom prst="rect">
-            <a:avLst/>
-          </a:prstGeom>
-        </p:spPr>
-        <p:txBody>
-          <a:bodyPr wrap="square" rtlCol="0">
-            <a:spAutoFit/>
-          </a:bodyPr>
-          <a:lstStyle/>
-          <a:p>
-            <a:pPr marL="0" indent="0" algn="ctr">
-              <a:lnSpc>
-                <a:spcPct val="100000"/>
-              </a:lnSpc>
-              <a:spcBef>
-                <a:spcPts val="0"/>
-              </a:spcBef>
-              <a:buFontTx/>
-              <a:buNone/>
-            </a:pPr>
-            <a:r>
-              <a:rPr lang="sr-Latn-RS" sz="2000" b="1" dirty="0">
-                <a:solidFill>
-                  <a:prstClr val="white"/>
-                </a:solidFill>
-                <a:effectLst>
-                  <a:outerShdw blurRad="38100" dist="38100" dir="2700000" algn="tl">
-                    <a:srgbClr val="000000">
-                      <a:alpha val="43137"/>
-                    </a:srgbClr>
-                  </a:outerShdw>
-                </a:effectLst>
-                <a:latin typeface="Posterama" panose="020B0504020200020000" pitchFamily="34" charset="0"/>
-                <a:ea typeface="微软雅黑"/>
-                <a:cs typeface="Posterama" panose="020B0504020200020000" pitchFamily="34" charset="0"/>
-              </a:rPr>
-              <a:t>Održavanje stanja automata konzistentnim</a:t>
-            </a:r>
-          </a:p>
-        </p:txBody>
-      </p:sp>
-      <p:sp>
-        <p:nvSpPr>
-          <p:cNvPr id="5" name="TextBox 4">
-            <a:extLst>
-              <a:ext uri="{FF2B5EF4-FFF2-40B4-BE49-F238E27FC236}">
-                <a16:creationId xmlns:a16="http://schemas.microsoft.com/office/drawing/2014/main" id="{591EC29F-C3E2-49F5-38D7-F7FA86B7617E}"/>
-              </a:ext>
-            </a:extLst>
-          </p:cNvPr>
-          <p:cNvSpPr txBox="1"/>
-          <p:nvPr/>
-        </p:nvSpPr>
-        <p:spPr>
-          <a:xfrm flipH="1">
-            <a:off x="2482488" y="3060491"/>
-            <a:ext cx="4631311" cy="954107"/>
-          </a:xfrm>
-          <a:prstGeom prst="rect">
-            <a:avLst/>
-          </a:prstGeom>
-        </p:spPr>
-        <p:txBody>
-          <a:bodyPr wrap="square" rtlCol="0">
-            <a:spAutoFit/>
-          </a:bodyPr>
-          <a:lstStyle/>
-          <a:p>
-            <a:pPr marL="0" indent="0" algn="ctr">
-              <a:lnSpc>
-                <a:spcPct val="100000"/>
-              </a:lnSpc>
-              <a:spcBef>
-                <a:spcPts val="0"/>
-              </a:spcBef>
-              <a:buFontTx/>
-              <a:buNone/>
-            </a:pPr>
-            <a:r>
-              <a:rPr lang="sr-Latn-RS" sz="2000" b="1" dirty="0">
-                <a:solidFill>
-                  <a:prstClr val="white"/>
-                </a:solidFill>
-                <a:effectLst>
-                  <a:outerShdw blurRad="38100" dist="38100" dir="2700000" algn="tl">
-                    <a:srgbClr val="000000">
-                      <a:alpha val="43137"/>
-                    </a:srgbClr>
-                  </a:outerShdw>
-                </a:effectLst>
-                <a:latin typeface="Posterama" panose="020B0504020200020000" pitchFamily="34" charset="0"/>
-                <a:ea typeface="微软雅黑"/>
-                <a:cs typeface="Posterama" panose="020B0504020200020000" pitchFamily="34" charset="0"/>
-              </a:rPr>
-              <a:t>Dnevnik evidentiranih događaja</a:t>
-            </a:r>
-          </a:p>
-          <a:p>
-            <a:pPr marL="285750" indent="-285750">
-              <a:lnSpc>
-                <a:spcPct val="100000"/>
-              </a:lnSpc>
-              <a:spcBef>
-                <a:spcPts val="0"/>
-              </a:spcBef>
-              <a:buFont typeface="Arial" panose="020B0604020202020204" pitchFamily="34" charset="0"/>
-              <a:buChar char="•"/>
-            </a:pPr>
-            <a:r>
-              <a:rPr lang="sr-Latn-RS" dirty="0">
-                <a:solidFill>
-                  <a:prstClr val="white"/>
-                </a:solidFill>
-                <a:latin typeface="Posterama" panose="020B0504020200020000" pitchFamily="34" charset="0"/>
-                <a:ea typeface="微软雅黑"/>
-                <a:cs typeface="Posterama" panose="020B0504020200020000" pitchFamily="34" charset="0"/>
-              </a:rPr>
-              <a:t>Rekonstrukcija stanja</a:t>
-            </a:r>
-          </a:p>
-          <a:p>
-            <a:pPr marL="285750" indent="-285750">
-              <a:lnSpc>
-                <a:spcPct val="100000"/>
-              </a:lnSpc>
-              <a:spcBef>
-                <a:spcPts val="0"/>
-              </a:spcBef>
-              <a:buFont typeface="Arial" panose="020B0604020202020204" pitchFamily="34" charset="0"/>
-              <a:buChar char="•"/>
-            </a:pPr>
-            <a:r>
-              <a:rPr lang="sr-Latn-RS" dirty="0">
-                <a:solidFill>
-                  <a:prstClr val="white"/>
-                </a:solidFill>
-                <a:latin typeface="Posterama" panose="020B0504020200020000" pitchFamily="34" charset="0"/>
-                <a:ea typeface="微软雅黑"/>
-                <a:cs typeface="Posterama" panose="020B0504020200020000" pitchFamily="34" charset="0"/>
-              </a:rPr>
-              <a:t>Kompresija u permanentnom skladištu</a:t>
-            </a:r>
-          </a:p>
-        </p:txBody>
-      </p:sp>
-      <p:sp>
-        <p:nvSpPr>
-          <p:cNvPr id="6" name="TextBox 5">
-            <a:extLst>
-              <a:ext uri="{FF2B5EF4-FFF2-40B4-BE49-F238E27FC236}">
-                <a16:creationId xmlns:a16="http://schemas.microsoft.com/office/drawing/2014/main" id="{CF41D875-0E7E-3D1D-20C2-18F6D4B86FFD}"/>
-              </a:ext>
-            </a:extLst>
-          </p:cNvPr>
-          <p:cNvSpPr txBox="1"/>
-          <p:nvPr/>
-        </p:nvSpPr>
-        <p:spPr>
-          <a:xfrm flipH="1">
-            <a:off x="8314982" y="2767512"/>
-            <a:ext cx="2789059" cy="954107"/>
-          </a:xfrm>
-          <a:prstGeom prst="rect">
-            <a:avLst/>
-          </a:prstGeom>
-        </p:spPr>
-        <p:txBody>
-          <a:bodyPr wrap="square" rtlCol="0">
-            <a:spAutoFit/>
-          </a:bodyPr>
-          <a:lstStyle/>
-          <a:p>
-            <a:pPr marL="0" indent="0" algn="ctr">
-              <a:lnSpc>
-                <a:spcPct val="100000"/>
-              </a:lnSpc>
-              <a:spcBef>
-                <a:spcPts val="0"/>
-              </a:spcBef>
-              <a:buFontTx/>
-              <a:buNone/>
-            </a:pPr>
-            <a:r>
-              <a:rPr lang="sr-Latn-RS" sz="2000" b="1" dirty="0">
-                <a:solidFill>
-                  <a:prstClr val="white"/>
-                </a:solidFill>
-                <a:effectLst>
-                  <a:outerShdw blurRad="38100" dist="38100" dir="2700000" algn="tl">
-                    <a:srgbClr val="000000">
-                      <a:alpha val="43137"/>
-                    </a:srgbClr>
-                  </a:outerShdw>
-                </a:effectLst>
-                <a:latin typeface="Posterama" panose="020B0504020200020000" pitchFamily="34" charset="0"/>
-                <a:ea typeface="微软雅黑"/>
-                <a:cs typeface="Posterama" panose="020B0504020200020000" pitchFamily="34" charset="0"/>
-              </a:rPr>
-              <a:t>RPC</a:t>
-            </a:r>
-          </a:p>
-          <a:p>
-            <a:pPr marL="285750" indent="-285750">
-              <a:lnSpc>
-                <a:spcPct val="100000"/>
-              </a:lnSpc>
-              <a:spcBef>
-                <a:spcPts val="0"/>
-              </a:spcBef>
-              <a:buFont typeface="Arial" panose="020B0604020202020204" pitchFamily="34" charset="0"/>
-              <a:buChar char="•"/>
-            </a:pPr>
-            <a:r>
-              <a:rPr lang="sr-Latn-RS" dirty="0" err="1">
-                <a:solidFill>
-                  <a:prstClr val="white"/>
-                </a:solidFill>
-                <a:latin typeface="Posterama" panose="020B0504020200020000" pitchFamily="34" charset="0"/>
-                <a:ea typeface="微软雅黑"/>
-                <a:cs typeface="Posterama" panose="020B0504020200020000" pitchFamily="34" charset="0"/>
-              </a:rPr>
-              <a:t>AppendEntries</a:t>
-            </a:r>
-            <a:r>
-              <a:rPr lang="sr-Latn-RS" dirty="0">
-                <a:solidFill>
-                  <a:prstClr val="white"/>
-                </a:solidFill>
-                <a:latin typeface="Posterama" panose="020B0504020200020000" pitchFamily="34" charset="0"/>
-                <a:ea typeface="微软雅黑"/>
-                <a:cs typeface="Posterama" panose="020B0504020200020000" pitchFamily="34" charset="0"/>
-              </a:rPr>
-              <a:t>(</a:t>
-            </a:r>
-            <a:r>
-              <a:rPr lang="sr-Latn-RS" dirty="0" err="1">
-                <a:solidFill>
-                  <a:prstClr val="white"/>
-                </a:solidFill>
-                <a:latin typeface="Posterama" panose="020B0504020200020000" pitchFamily="34" charset="0"/>
-                <a:ea typeface="微软雅黑"/>
-                <a:cs typeface="Posterama" panose="020B0504020200020000" pitchFamily="34" charset="0"/>
-              </a:rPr>
-              <a:t>args</a:t>
-            </a:r>
-            <a:r>
-              <a:rPr lang="sr-Latn-RS" dirty="0">
-                <a:solidFill>
-                  <a:prstClr val="white"/>
-                </a:solidFill>
-                <a:latin typeface="Posterama" panose="020B0504020200020000" pitchFamily="34" charset="0"/>
-                <a:ea typeface="微软雅黑"/>
-                <a:cs typeface="Posterama" panose="020B0504020200020000" pitchFamily="34" charset="0"/>
-              </a:rPr>
-              <a:t>)</a:t>
-            </a:r>
-          </a:p>
-          <a:p>
-            <a:pPr marL="285750" indent="-285750">
-              <a:lnSpc>
-                <a:spcPct val="100000"/>
-              </a:lnSpc>
-              <a:spcBef>
-                <a:spcPts val="0"/>
-              </a:spcBef>
-              <a:buFont typeface="Arial" panose="020B0604020202020204" pitchFamily="34" charset="0"/>
-              <a:buChar char="•"/>
-            </a:pPr>
-            <a:r>
-              <a:rPr lang="sr-Latn-RS" sz="1800" dirty="0" err="1">
-                <a:solidFill>
-                  <a:prstClr val="white"/>
-                </a:solidFill>
-                <a:latin typeface="Posterama" panose="020B0504020200020000" pitchFamily="34" charset="0"/>
-                <a:ea typeface="微软雅黑"/>
-                <a:cs typeface="Posterama" panose="020B0504020200020000" pitchFamily="34" charset="0"/>
-              </a:rPr>
-              <a:t>Re</a:t>
-            </a:r>
-            <a:r>
-              <a:rPr lang="sr-Latn-RS" dirty="0" err="1">
-                <a:solidFill>
-                  <a:prstClr val="white"/>
-                </a:solidFill>
-                <a:latin typeface="Posterama" panose="020B0504020200020000" pitchFamily="34" charset="0"/>
-                <a:ea typeface="微软雅黑"/>
-                <a:cs typeface="Posterama" panose="020B0504020200020000" pitchFamily="34" charset="0"/>
-              </a:rPr>
-              <a:t>questVote</a:t>
-            </a:r>
-            <a:r>
-              <a:rPr lang="sr-Latn-RS" dirty="0">
-                <a:solidFill>
-                  <a:prstClr val="white"/>
-                </a:solidFill>
-                <a:latin typeface="Posterama" panose="020B0504020200020000" pitchFamily="34" charset="0"/>
-                <a:ea typeface="微软雅黑"/>
-                <a:cs typeface="Posterama" panose="020B0504020200020000" pitchFamily="34" charset="0"/>
-              </a:rPr>
-              <a:t>(</a:t>
-            </a:r>
-            <a:r>
-              <a:rPr lang="sr-Latn-RS" dirty="0" err="1">
-                <a:solidFill>
-                  <a:prstClr val="white"/>
-                </a:solidFill>
-                <a:latin typeface="Posterama" panose="020B0504020200020000" pitchFamily="34" charset="0"/>
-                <a:ea typeface="微软雅黑"/>
-                <a:cs typeface="Posterama" panose="020B0504020200020000" pitchFamily="34" charset="0"/>
-              </a:rPr>
-              <a:t>args</a:t>
-            </a:r>
-            <a:r>
-              <a:rPr lang="sr-Latn-RS" dirty="0">
-                <a:solidFill>
-                  <a:prstClr val="white"/>
-                </a:solidFill>
-                <a:latin typeface="Posterama" panose="020B0504020200020000" pitchFamily="34" charset="0"/>
-                <a:ea typeface="微软雅黑"/>
-                <a:cs typeface="Posterama" panose="020B0504020200020000" pitchFamily="34" charset="0"/>
-              </a:rPr>
-              <a:t>)</a:t>
-            </a:r>
-            <a:endParaRPr lang="sr-Latn-RS" sz="1800" dirty="0">
-              <a:solidFill>
-                <a:prstClr val="white"/>
-              </a:solidFill>
-              <a:latin typeface="Posterama" panose="020B0504020200020000" pitchFamily="34" charset="0"/>
-              <a:ea typeface="微软雅黑"/>
-              <a:cs typeface="Posterama" panose="020B0504020200020000" pitchFamily="34" charset="0"/>
-            </a:endParaRPr>
-          </a:p>
-        </p:txBody>
-      </p:sp>
-      <p:sp>
-        <p:nvSpPr>
-          <p:cNvPr id="9" name="TextBox 8">
-            <a:extLst>
-              <a:ext uri="{FF2B5EF4-FFF2-40B4-BE49-F238E27FC236}">
-                <a16:creationId xmlns:a16="http://schemas.microsoft.com/office/drawing/2014/main" id="{92F7FBA5-B4B3-1670-559F-24CC6DF73468}"/>
-              </a:ext>
-            </a:extLst>
-          </p:cNvPr>
-          <p:cNvSpPr txBox="1"/>
-          <p:nvPr/>
-        </p:nvSpPr>
-        <p:spPr>
-          <a:xfrm flipH="1">
-            <a:off x="8706699" y="1135241"/>
-            <a:ext cx="2912949" cy="954107"/>
-          </a:xfrm>
-          <a:prstGeom prst="rect">
-            <a:avLst/>
-          </a:prstGeom>
-        </p:spPr>
-        <p:txBody>
-          <a:bodyPr wrap="square" rtlCol="0">
-            <a:spAutoFit/>
-          </a:bodyPr>
-          <a:lstStyle/>
-          <a:p>
-            <a:pPr marL="0" indent="0" algn="ctr">
-              <a:lnSpc>
-                <a:spcPct val="100000"/>
-              </a:lnSpc>
-              <a:spcBef>
-                <a:spcPts val="0"/>
-              </a:spcBef>
-              <a:buFontTx/>
-              <a:buNone/>
-            </a:pPr>
-            <a:r>
-              <a:rPr lang="sr-Latn-RS" sz="2000" b="1" dirty="0">
-                <a:solidFill>
-                  <a:prstClr val="white"/>
-                </a:solidFill>
-                <a:effectLst>
-                  <a:outerShdw blurRad="38100" dist="38100" dir="2700000" algn="tl">
-                    <a:srgbClr val="000000">
-                      <a:alpha val="43137"/>
-                    </a:srgbClr>
-                  </a:outerShdw>
-                </a:effectLst>
-                <a:latin typeface="Posterama" panose="020B0504020200020000" pitchFamily="34" charset="0"/>
-                <a:ea typeface="微软雅黑"/>
-                <a:cs typeface="Posterama" panose="020B0504020200020000" pitchFamily="34" charset="0"/>
-              </a:rPr>
-              <a:t>Faze algoritma</a:t>
-            </a:r>
-          </a:p>
-          <a:p>
-            <a:pPr marL="285750" indent="-285750">
-              <a:lnSpc>
-                <a:spcPct val="100000"/>
-              </a:lnSpc>
-              <a:spcBef>
-                <a:spcPts val="0"/>
-              </a:spcBef>
-              <a:buFont typeface="Arial" panose="020B0604020202020204" pitchFamily="34" charset="0"/>
-              <a:buChar char="•"/>
-            </a:pPr>
-            <a:r>
-              <a:rPr lang="sr-Latn-RS" dirty="0">
-                <a:solidFill>
-                  <a:prstClr val="white"/>
-                </a:solidFill>
-                <a:latin typeface="Posterama" panose="020B0504020200020000" pitchFamily="34" charset="0"/>
-                <a:ea typeface="微软雅黑"/>
-                <a:cs typeface="Posterama" panose="020B0504020200020000" pitchFamily="34" charset="0"/>
-              </a:rPr>
-              <a:t>Izbor lidera</a:t>
-            </a:r>
-          </a:p>
-          <a:p>
-            <a:pPr marL="285750" indent="-285750">
-              <a:lnSpc>
-                <a:spcPct val="100000"/>
-              </a:lnSpc>
-              <a:spcBef>
-                <a:spcPts val="0"/>
-              </a:spcBef>
-              <a:buFont typeface="Arial" panose="020B0604020202020204" pitchFamily="34" charset="0"/>
-              <a:buChar char="•"/>
-            </a:pPr>
-            <a:r>
-              <a:rPr lang="sr-Latn-RS" dirty="0" err="1">
-                <a:solidFill>
-                  <a:prstClr val="white"/>
-                </a:solidFill>
-                <a:latin typeface="Posterama" panose="020B0504020200020000" pitchFamily="34" charset="0"/>
-                <a:ea typeface="微软雅黑"/>
-                <a:cs typeface="Posterama" panose="020B0504020200020000" pitchFamily="34" charset="0"/>
-              </a:rPr>
-              <a:t>Replikacija</a:t>
-            </a:r>
-            <a:r>
-              <a:rPr lang="sr-Latn-RS" dirty="0">
-                <a:solidFill>
-                  <a:prstClr val="white"/>
-                </a:solidFill>
-                <a:latin typeface="Posterama" panose="020B0504020200020000" pitchFamily="34" charset="0"/>
-                <a:ea typeface="微软雅黑"/>
-                <a:cs typeface="Posterama" panose="020B0504020200020000" pitchFamily="34" charset="0"/>
-              </a:rPr>
-              <a:t> dnevnika</a:t>
-            </a:r>
-            <a:endParaRPr lang="sr-Latn-RS" sz="1800" dirty="0">
-              <a:solidFill>
-                <a:prstClr val="white"/>
-              </a:solidFill>
-              <a:latin typeface="Posterama" panose="020B0504020200020000" pitchFamily="34" charset="0"/>
-              <a:ea typeface="微软雅黑"/>
-              <a:cs typeface="Posterama" panose="020B0504020200020000" pitchFamily="34" charset="0"/>
-            </a:endParaRPr>
-          </a:p>
-        </p:txBody>
-      </p:sp>
-      <p:sp>
-        <p:nvSpPr>
-          <p:cNvPr id="11" name="TextBox 10">
-            <a:extLst>
-              <a:ext uri="{FF2B5EF4-FFF2-40B4-BE49-F238E27FC236}">
-                <a16:creationId xmlns:a16="http://schemas.microsoft.com/office/drawing/2014/main" id="{225859E7-DBF1-2D8D-0599-6EED83B8E159}"/>
-              </a:ext>
-            </a:extLst>
-          </p:cNvPr>
-          <p:cNvSpPr txBox="1"/>
-          <p:nvPr/>
-        </p:nvSpPr>
-        <p:spPr>
-          <a:xfrm>
-            <a:off x="259810" y="4613826"/>
-            <a:ext cx="8897308" cy="2062103"/>
-          </a:xfrm>
-          <a:prstGeom prst="rect">
-            <a:avLst/>
-          </a:prstGeom>
-        </p:spPr>
-        <p:txBody>
-          <a:bodyPr wrap="square" rtlCol="0">
-            <a:spAutoFit/>
-          </a:bodyPr>
-          <a:lstStyle/>
-          <a:p>
-            <a:pPr>
-              <a:lnSpc>
-                <a:spcPct val="100000"/>
-              </a:lnSpc>
-              <a:spcBef>
-                <a:spcPts val="0"/>
-              </a:spcBef>
-            </a:pPr>
-            <a:r>
-              <a:rPr lang="sr-Latn-RS" sz="2000" b="1" dirty="0">
-                <a:solidFill>
-                  <a:schemeClr val="bg1"/>
-                </a:solidFill>
-                <a:effectLst>
-                  <a:outerShdw blurRad="38100" dist="38100" dir="2700000" algn="tl">
-                    <a:srgbClr val="000000">
-                      <a:alpha val="43137"/>
-                    </a:srgbClr>
-                  </a:outerShdw>
-                </a:effectLst>
-                <a:latin typeface="Posterama" panose="020B0504020200020000" pitchFamily="34" charset="0"/>
-                <a:cs typeface="Posterama" panose="020B0504020200020000" pitchFamily="34" charset="0"/>
-              </a:rPr>
-              <a:t>Ograničenja</a:t>
-            </a:r>
-          </a:p>
-          <a:p>
-            <a:pPr marL="285750" indent="-285750">
-              <a:lnSpc>
-                <a:spcPct val="100000"/>
-              </a:lnSpc>
-              <a:spcBef>
-                <a:spcPts val="0"/>
-              </a:spcBef>
-              <a:buFont typeface="Arial" panose="020B0604020202020204" pitchFamily="34" charset="0"/>
-              <a:buChar char="•"/>
-            </a:pPr>
-            <a:r>
-              <a:rPr lang="sr-Latn-RS" dirty="0">
-                <a:solidFill>
-                  <a:schemeClr val="bg1"/>
-                </a:solidFill>
-                <a:latin typeface="Posterama" panose="020B0504020200020000" pitchFamily="34" charset="0"/>
-                <a:cs typeface="Posterama" panose="020B0504020200020000" pitchFamily="34" charset="0"/>
-              </a:rPr>
-              <a:t>Nema grešaka vizantijskog tipa.</a:t>
-            </a:r>
-          </a:p>
-          <a:p>
-            <a:pPr marL="285750" indent="-285750">
-              <a:lnSpc>
-                <a:spcPct val="100000"/>
-              </a:lnSpc>
-              <a:spcBef>
-                <a:spcPts val="0"/>
-              </a:spcBef>
-              <a:buFont typeface="Arial" panose="020B0604020202020204" pitchFamily="34" charset="0"/>
-              <a:buChar char="•"/>
-            </a:pPr>
-            <a:r>
-              <a:rPr lang="sr-Latn-RS" dirty="0">
-                <a:solidFill>
-                  <a:schemeClr val="bg1"/>
-                </a:solidFill>
-                <a:latin typeface="Posterama" panose="020B0504020200020000" pitchFamily="34" charset="0"/>
-                <a:cs typeface="Posterama" panose="020B0504020200020000" pitchFamily="34" charset="0"/>
-              </a:rPr>
-              <a:t>Nepouzdana mrežna komunikacija.</a:t>
-            </a:r>
-          </a:p>
-          <a:p>
-            <a:pPr marL="285750" indent="-285750">
-              <a:lnSpc>
-                <a:spcPct val="100000"/>
-              </a:lnSpc>
-              <a:spcBef>
-                <a:spcPts val="0"/>
-              </a:spcBef>
-              <a:buFont typeface="Arial" panose="020B0604020202020204" pitchFamily="34" charset="0"/>
-              <a:buChar char="•"/>
-            </a:pPr>
-            <a:r>
-              <a:rPr lang="sr-Latn-RS" dirty="0">
-                <a:solidFill>
-                  <a:schemeClr val="bg1"/>
-                </a:solidFill>
-                <a:latin typeface="Posterama" panose="020B0504020200020000" pitchFamily="34" charset="0"/>
-                <a:cs typeface="Posterama" panose="020B0504020200020000" pitchFamily="34" charset="0"/>
-              </a:rPr>
-              <a:t>Asinhrona komunikacija i procesori.</a:t>
-            </a:r>
-          </a:p>
-          <a:p>
-            <a:pPr marL="285750" indent="-285750">
-              <a:lnSpc>
-                <a:spcPct val="100000"/>
-              </a:lnSpc>
-              <a:spcBef>
-                <a:spcPts val="0"/>
-              </a:spcBef>
-              <a:buFont typeface="Arial" panose="020B0604020202020204" pitchFamily="34" charset="0"/>
-              <a:buChar char="•"/>
-            </a:pPr>
-            <a:r>
-              <a:rPr lang="sr-Latn-RS" dirty="0" err="1">
-                <a:solidFill>
-                  <a:schemeClr val="bg1"/>
-                </a:solidFill>
-                <a:latin typeface="Posterama" panose="020B0504020200020000" pitchFamily="34" charset="0"/>
-                <a:cs typeface="Posterama" panose="020B0504020200020000" pitchFamily="34" charset="0"/>
-              </a:rPr>
-              <a:t>Deterministički</a:t>
-            </a:r>
-            <a:r>
-              <a:rPr lang="sr-Latn-RS" dirty="0">
-                <a:solidFill>
-                  <a:schemeClr val="bg1"/>
-                </a:solidFill>
-                <a:latin typeface="Posterama" panose="020B0504020200020000" pitchFamily="34" charset="0"/>
-                <a:cs typeface="Posterama" panose="020B0504020200020000" pitchFamily="34" charset="0"/>
-              </a:rPr>
-              <a:t> automat na svakom čvoru koji počinje u istom početnom stanju.</a:t>
-            </a:r>
-          </a:p>
-          <a:p>
-            <a:pPr marL="285750" indent="-285750">
-              <a:lnSpc>
-                <a:spcPct val="100000"/>
-              </a:lnSpc>
-              <a:spcBef>
-                <a:spcPts val="0"/>
-              </a:spcBef>
-              <a:buFont typeface="Arial" panose="020B0604020202020204" pitchFamily="34" charset="0"/>
-              <a:buChar char="•"/>
-            </a:pPr>
-            <a:r>
-              <a:rPr lang="sr-Latn-RS" dirty="0" err="1">
-                <a:solidFill>
-                  <a:schemeClr val="bg1"/>
-                </a:solidFill>
-                <a:latin typeface="Posterama" panose="020B0504020200020000" pitchFamily="34" charset="0"/>
-                <a:cs typeface="Posterama" panose="020B0504020200020000" pitchFamily="34" charset="0"/>
-              </a:rPr>
-              <a:t>Write-ahead</a:t>
-            </a:r>
-            <a:r>
-              <a:rPr lang="sr-Latn-RS" dirty="0">
-                <a:solidFill>
-                  <a:schemeClr val="bg1"/>
-                </a:solidFill>
-                <a:latin typeface="Posterama" panose="020B0504020200020000" pitchFamily="34" charset="0"/>
-                <a:cs typeface="Posterama" panose="020B0504020200020000" pitchFamily="34" charset="0"/>
-              </a:rPr>
-              <a:t> </a:t>
-            </a:r>
-            <a:r>
-              <a:rPr lang="sr-Latn-RS" dirty="0" err="1">
-                <a:solidFill>
-                  <a:schemeClr val="bg1"/>
-                </a:solidFill>
-                <a:latin typeface="Posterama" panose="020B0504020200020000" pitchFamily="34" charset="0"/>
-                <a:cs typeface="Posterama" panose="020B0504020200020000" pitchFamily="34" charset="0"/>
-              </a:rPr>
-              <a:t>logging</a:t>
-            </a:r>
-            <a:r>
-              <a:rPr lang="sr-Latn-RS" dirty="0">
-                <a:solidFill>
-                  <a:schemeClr val="bg1"/>
-                </a:solidFill>
-                <a:latin typeface="Posterama" panose="020B0504020200020000" pitchFamily="34" charset="0"/>
-                <a:cs typeface="Posterama" panose="020B0504020200020000" pitchFamily="34" charset="0"/>
-              </a:rPr>
-              <a:t> skladišta podataka</a:t>
-            </a:r>
-          </a:p>
-          <a:p>
-            <a:pPr marL="285750" indent="-285750">
-              <a:lnSpc>
-                <a:spcPct val="100000"/>
-              </a:lnSpc>
-              <a:spcBef>
-                <a:spcPts val="0"/>
-              </a:spcBef>
-              <a:buFont typeface="Arial" panose="020B0604020202020204" pitchFamily="34" charset="0"/>
-              <a:buChar char="•"/>
-            </a:pPr>
-            <a:r>
-              <a:rPr lang="sr-Latn-RS" dirty="0">
-                <a:solidFill>
-                  <a:schemeClr val="bg1"/>
-                </a:solidFill>
-                <a:latin typeface="Posterama" panose="020B0504020200020000" pitchFamily="34" charset="0"/>
-                <a:cs typeface="Posterama" panose="020B0504020200020000" pitchFamily="34" charset="0"/>
-              </a:rPr>
-              <a:t>Klijent mora striktno da komunicira samo sa aktuelnim liderom.</a:t>
-            </a:r>
-          </a:p>
-        </p:txBody>
-      </p:sp>
-    </p:spTree>
-    <p:extLst>
-      <p:ext uri="{BB962C8B-B14F-4D97-AF65-F5344CB8AC3E}">
-        <p14:creationId xmlns:p14="http://schemas.microsoft.com/office/powerpoint/2010/main" val="134845104"/>
       </p:ext>
     </p:extLst>
   </p:cSld>
@@ -37693,26 +38207,6 @@
 </file>
 
 <file path=customXml/item1.xml><?xml version="1.0" encoding="utf-8"?>
-<p:properties xmlns:p="http://schemas.microsoft.com/office/2006/metadata/properties" xmlns:xsi="http://www.w3.org/2001/XMLSchema-instance" xmlns:pc="http://schemas.microsoft.com/office/infopath/2007/PartnerControls">
-  <documentManagement>
-    <_ip_UnifiedCompliancePolicyUIAction xmlns="http://schemas.microsoft.com/sharepoint/v3" xsi:nil="true"/>
-    <Image xmlns="71af3243-3dd4-4a8d-8c0d-dd76da1f02a5">
-      <Url xsi:nil="true"/>
-      <Description xsi:nil="true"/>
-    </Image>
-    <Status xmlns="71af3243-3dd4-4a8d-8c0d-dd76da1f02a5">Not started</Status>
-    <Background xmlns="71af3243-3dd4-4a8d-8c0d-dd76da1f02a5">false</Background>
-    <_ip_UnifiedCompliancePolicyProperties xmlns="http://schemas.microsoft.com/sharepoint/v3" xsi:nil="true"/>
-    <ImageTagsTaxHTField xmlns="71af3243-3dd4-4a8d-8c0d-dd76da1f02a5">
-      <Terms xmlns="http://schemas.microsoft.com/office/infopath/2007/PartnerControls"/>
-    </ImageTagsTaxHTField>
-    <TaxCatchAll xmlns="230e9df3-be65-4c73-a93b-d1236ebd677e" xsi:nil="true"/>
-    <MediaServiceKeyPoints xmlns="71af3243-3dd4-4a8d-8c0d-dd76da1f02a5" xsi:nil="true"/>
-  </documentManagement>
-</p:properties>
-</file>
-
-<file path=customXml/item2.xml><?xml version="1.0" encoding="utf-8"?>
 <ct:contentTypeSchema xmlns:ct="http://schemas.microsoft.com/office/2006/metadata/contentType" xmlns:ma="http://schemas.microsoft.com/office/2006/metadata/properties/metaAttributes" ct:_="" ma:_="" ma:contentTypeName="Document" ma:contentTypeID="0x01010079F111ED35F8CC479449609E8A0923A6" ma:contentTypeVersion="24" ma:contentTypeDescription="Create a new document." ma:contentTypeScope="" ma:versionID="2d714a3296df14eba7a100bb665443ca">
   <xsd:schema xmlns:xsd="http://www.w3.org/2001/XMLSchema" xmlns:xs="http://www.w3.org/2001/XMLSchema" xmlns:p="http://schemas.microsoft.com/office/2006/metadata/properties" xmlns:ns1="http://schemas.microsoft.com/sharepoint/v3" xmlns:ns2="71af3243-3dd4-4a8d-8c0d-dd76da1f02a5" xmlns:ns3="16c05727-aa75-4e4a-9b5f-8a80a1165891" xmlns:ns4="230e9df3-be65-4c73-a93b-d1236ebd677e" targetNamespace="http://schemas.microsoft.com/office/2006/metadata/properties" ma:root="true" ma:fieldsID="49549bf45bfbbfb6cffed527380e77e1" ns1:_="" ns2:_="" ns3:_="" ns4:_="">
     <xsd:import namespace="http://schemas.microsoft.com/sharepoint/v3"/>
@@ -38000,6 +38494,26 @@
 </ct:contentTypeSchema>
 </file>
 
+<file path=customXml/item2.xml><?xml version="1.0" encoding="utf-8"?>
+<p:properties xmlns:p="http://schemas.microsoft.com/office/2006/metadata/properties" xmlns:xsi="http://www.w3.org/2001/XMLSchema-instance" xmlns:pc="http://schemas.microsoft.com/office/infopath/2007/PartnerControls">
+  <documentManagement>
+    <_ip_UnifiedCompliancePolicyUIAction xmlns="http://schemas.microsoft.com/sharepoint/v3" xsi:nil="true"/>
+    <Image xmlns="71af3243-3dd4-4a8d-8c0d-dd76da1f02a5">
+      <Url xsi:nil="true"/>
+      <Description xsi:nil="true"/>
+    </Image>
+    <Status xmlns="71af3243-3dd4-4a8d-8c0d-dd76da1f02a5">Not started</Status>
+    <Background xmlns="71af3243-3dd4-4a8d-8c0d-dd76da1f02a5">false</Background>
+    <_ip_UnifiedCompliancePolicyProperties xmlns="http://schemas.microsoft.com/sharepoint/v3" xsi:nil="true"/>
+    <ImageTagsTaxHTField xmlns="71af3243-3dd4-4a8d-8c0d-dd76da1f02a5">
+      <Terms xmlns="http://schemas.microsoft.com/office/infopath/2007/PartnerControls"/>
+    </ImageTagsTaxHTField>
+    <TaxCatchAll xmlns="230e9df3-be65-4c73-a93b-d1236ebd677e" xsi:nil="true"/>
+    <MediaServiceKeyPoints xmlns="71af3243-3dd4-4a8d-8c0d-dd76da1f02a5" xsi:nil="true"/>
+  </documentManagement>
+</p:properties>
+</file>
+
 <file path=customXml/item3.xml><?xml version="1.0" encoding="utf-8"?>
 <?mso-contentType ?>
 <FormTemplates xmlns="http://schemas.microsoft.com/sharepoint/v3/contenttype/forms">
@@ -38010,25 +38524,6 @@
 </file>
 
 <file path=customXml/itemProps1.xml><?xml version="1.0" encoding="utf-8"?>
-<ds:datastoreItem xmlns:ds="http://schemas.openxmlformats.org/officeDocument/2006/customXml" ds:itemID="{13A2AE28-B20A-43BD-B938-8C55A179243B}">
-  <ds:schemaRefs>
-    <ds:schemaRef ds:uri="http://purl.org/dc/elements/1.1/"/>
-    <ds:schemaRef ds:uri="230e9df3-be65-4c73-a93b-d1236ebd677e"/>
-    <ds:schemaRef ds:uri="http://schemas.microsoft.com/sharepoint/v3"/>
-    <ds:schemaRef ds:uri="http://schemas.microsoft.com/office/infopath/2007/PartnerControls"/>
-    <ds:schemaRef ds:uri="http://purl.org/dc/dcmitype/"/>
-    <ds:schemaRef ds:uri="http://www.w3.org/XML/1998/namespace"/>
-    <ds:schemaRef ds:uri="http://schemas.microsoft.com/office/2006/documentManagement/types"/>
-    <ds:schemaRef ds:uri="http://schemas.microsoft.com/office/2006/metadata/properties"/>
-    <ds:schemaRef ds:uri="http://purl.org/dc/terms/"/>
-    <ds:schemaRef ds:uri="http://schemas.openxmlformats.org/package/2006/metadata/core-properties"/>
-    <ds:schemaRef ds:uri="16c05727-aa75-4e4a-9b5f-8a80a1165891"/>
-    <ds:schemaRef ds:uri="71af3243-3dd4-4a8d-8c0d-dd76da1f02a5"/>
-  </ds:schemaRefs>
-</ds:datastoreItem>
-</file>
-
-<file path=customXml/itemProps2.xml><?xml version="1.0" encoding="utf-8"?>
 <ds:datastoreItem xmlns:ds="http://schemas.openxmlformats.org/officeDocument/2006/customXml" ds:itemID="{A21E1349-079A-46DA-8C56-B35AC6C11751}">
   <ds:schemaRefs>
     <ds:schemaRef ds:uri="http://schemas.microsoft.com/office/2006/metadata/contentType"/>
@@ -38049,6 +38544,25 @@
 </ds:datastoreItem>
 </file>
 
+<file path=customXml/itemProps2.xml><?xml version="1.0" encoding="utf-8"?>
+<ds:datastoreItem xmlns:ds="http://schemas.openxmlformats.org/officeDocument/2006/customXml" ds:itemID="{13A2AE28-B20A-43BD-B938-8C55A179243B}">
+  <ds:schemaRefs>
+    <ds:schemaRef ds:uri="http://purl.org/dc/elements/1.1/"/>
+    <ds:schemaRef ds:uri="230e9df3-be65-4c73-a93b-d1236ebd677e"/>
+    <ds:schemaRef ds:uri="http://schemas.microsoft.com/sharepoint/v3"/>
+    <ds:schemaRef ds:uri="http://schemas.microsoft.com/office/infopath/2007/PartnerControls"/>
+    <ds:schemaRef ds:uri="http://purl.org/dc/dcmitype/"/>
+    <ds:schemaRef ds:uri="http://www.w3.org/XML/1998/namespace"/>
+    <ds:schemaRef ds:uri="http://schemas.microsoft.com/office/2006/documentManagement/types"/>
+    <ds:schemaRef ds:uri="http://schemas.microsoft.com/office/2006/metadata/properties"/>
+    <ds:schemaRef ds:uri="http://purl.org/dc/terms/"/>
+    <ds:schemaRef ds:uri="http://schemas.openxmlformats.org/package/2006/metadata/core-properties"/>
+    <ds:schemaRef ds:uri="16c05727-aa75-4e4a-9b5f-8a80a1165891"/>
+    <ds:schemaRef ds:uri="71af3243-3dd4-4a8d-8c0d-dd76da1f02a5"/>
+  </ds:schemaRefs>
+</ds:datastoreItem>
+</file>
+
 <file path=customXml/itemProps3.xml><?xml version="1.0" encoding="utf-8"?>
 <ds:datastoreItem xmlns:ds="http://schemas.openxmlformats.org/officeDocument/2006/customXml" ds:itemID="{D19EC099-CA80-4E7D-B4BF-2970B26F4E55}">
   <ds:schemaRefs>
